--- a/Segunda entrega/SegundaEntrega_Better 2gether.pptx
+++ b/Segunda entrega/SegundaEntrega_Better 2gether.pptx
@@ -1,46 +1,46 @@
 
 <file path=ppt/presentation.xml><?xml version="1.0" encoding="utf-8"?>
-<p:presentation xmlns:a="http://schemas.openxmlformats.org/drawingml/2006/main" xmlns:r="http://schemas.openxmlformats.org/officeDocument/2006/relationships" xmlns:mc="http://schemas.openxmlformats.org/markup-compatibility/2006" xmlns:mv="urn:schemas-microsoft-com:mac:vml" xmlns:p="http://schemas.openxmlformats.org/presentationml/2006/main" xmlns:c="http://schemas.openxmlformats.org/drawingml/2006/chart" xmlns:dgm="http://schemas.openxmlformats.org/drawingml/2006/diagram" xmlns:o="urn:schemas-microsoft-com:office:office" xmlns:v="urn:schemas-microsoft-com:vml" xmlns:pvml="urn:schemas-microsoft-com:office:powerpoint" xmlns:com="http://schemas.openxmlformats.org/drawingml/2006/compatibility" xmlns:p14="http://schemas.microsoft.com/office/powerpoint/2010/main" xmlns:p15="http://schemas.microsoft.com/office/powerpoint/2012/main" autoCompressPictures="0" embedTrueTypeFonts="1" strictFirstAndLastChars="0" saveSubsetFonts="1" showSpecialPlsOnTitleSld="0">
+<p:presentation xmlns:a="http://schemas.openxmlformats.org/drawingml/2006/main" xmlns:r="http://schemas.openxmlformats.org/officeDocument/2006/relationships" xmlns:p="http://schemas.openxmlformats.org/presentationml/2006/main" showSpecialPlsOnTitleSld="0" strictFirstAndLastChars="0" embedTrueTypeFonts="1" saveSubsetFonts="1" autoCompressPictures="0">
   <p:sldMasterIdLst>
-    <p:sldMasterId id="2147483649" r:id="rId3"/>
+    <p:sldMasterId id="2147483649" r:id="rId1"/>
   </p:sldMasterIdLst>
   <p:notesMasterIdLst>
-    <p:notesMasterId r:id="rId4"/>
+    <p:notesMasterId r:id="rId11"/>
   </p:notesMasterIdLst>
   <p:sldIdLst>
-    <p:sldId id="256" r:id="rId5"/>
-    <p:sldId id="257" r:id="rId6"/>
-    <p:sldId id="258" r:id="rId7"/>
-    <p:sldId id="259" r:id="rId8"/>
-    <p:sldId id="260" r:id="rId9"/>
-    <p:sldId id="261" r:id="rId10"/>
-    <p:sldId id="262" r:id="rId11"/>
-    <p:sldId id="263" r:id="rId12"/>
-    <p:sldId id="264" r:id="rId13"/>
+    <p:sldId id="256" r:id="rId2"/>
+    <p:sldId id="257" r:id="rId3"/>
+    <p:sldId id="258" r:id="rId4"/>
+    <p:sldId id="259" r:id="rId5"/>
+    <p:sldId id="260" r:id="rId6"/>
+    <p:sldId id="261" r:id="rId7"/>
+    <p:sldId id="262" r:id="rId8"/>
+    <p:sldId id="263" r:id="rId9"/>
+    <p:sldId id="264" r:id="rId10"/>
   </p:sldIdLst>
-  <p:sldSz cy="5143500" cx="9144000"/>
+  <p:sldSz cx="9144000" cy="5143500" type="screen16x9"/>
   <p:notesSz cx="6858000" cy="9144000"/>
   <p:embeddedFontLst>
     <p:embeddedFont>
-      <p:font typeface="Yanone Kaffeesatz"/>
+      <p:font typeface="Oswald" panose="020B0604020202020204" charset="0"/>
+      <p:regular r:id="rId12"/>
+      <p:bold r:id="rId13"/>
+    </p:embeddedFont>
+    <p:embeddedFont>
+      <p:font typeface="Source Sans Pro" panose="020B0503030403020204" pitchFamily="34" charset="0"/>
       <p:regular r:id="rId14"/>
       <p:bold r:id="rId15"/>
+      <p:italic r:id="rId16"/>
+      <p:boldItalic r:id="rId17"/>
     </p:embeddedFont>
     <p:embeddedFont>
-      <p:font typeface="Oswald"/>
-      <p:regular r:id="rId16"/>
-      <p:bold r:id="rId17"/>
-    </p:embeddedFont>
-    <p:embeddedFont>
-      <p:font typeface="Source Sans Pro"/>
+      <p:font typeface="Yanone Kaffeesatz" panose="020B0604020202020204" charset="0"/>
       <p:regular r:id="rId18"/>
       <p:bold r:id="rId19"/>
-      <p:italic r:id="rId20"/>
-      <p:boldItalic r:id="rId21"/>
     </p:embeddedFont>
   </p:embeddedFontLst>
   <p:defaultTextStyle>
-    <a:defPPr lvl="0" marR="0" rtl="0" algn="l">
+    <a:defPPr marR="0" lvl="0" algn="l" rtl="0">
       <a:lnSpc>
         <a:spcPct val="100000"/>
       </a:lnSpc>
@@ -51,7 +51,7 @@
         <a:spcPts val="0"/>
       </a:spcAft>
     </a:defPPr>
-    <a:lvl1pPr lvl="0" marR="0" rtl="0" algn="l">
+    <a:lvl1pPr marR="0" lvl="0" algn="l" rtl="0">
       <a:lnSpc>
         <a:spcPct val="100000"/>
       </a:lnSpc>
@@ -65,7 +65,7 @@
         <a:srgbClr val="000000"/>
       </a:buClr>
       <a:buFont typeface="Arial"/>
-      <a:defRPr b="0" i="0" sz="1400" u="none" cap="none" strike="noStrike">
+      <a:defRPr sz="1400" b="0" i="0" u="none" strike="noStrike" cap="none">
         <a:solidFill>
           <a:srgbClr val="000000"/>
         </a:solidFill>
@@ -75,7 +75,7 @@
         <a:sym typeface="Arial"/>
       </a:defRPr>
     </a:lvl1pPr>
-    <a:lvl2pPr lvl="1" marR="0" rtl="0" algn="l">
+    <a:lvl2pPr marR="0" lvl="1" algn="l" rtl="0">
       <a:lnSpc>
         <a:spcPct val="100000"/>
       </a:lnSpc>
@@ -89,7 +89,7 @@
         <a:srgbClr val="000000"/>
       </a:buClr>
       <a:buFont typeface="Arial"/>
-      <a:defRPr b="0" i="0" sz="1400" u="none" cap="none" strike="noStrike">
+      <a:defRPr sz="1400" b="0" i="0" u="none" strike="noStrike" cap="none">
         <a:solidFill>
           <a:srgbClr val="000000"/>
         </a:solidFill>
@@ -99,7 +99,7 @@
         <a:sym typeface="Arial"/>
       </a:defRPr>
     </a:lvl2pPr>
-    <a:lvl3pPr lvl="2" marR="0" rtl="0" algn="l">
+    <a:lvl3pPr marR="0" lvl="2" algn="l" rtl="0">
       <a:lnSpc>
         <a:spcPct val="100000"/>
       </a:lnSpc>
@@ -113,7 +113,7 @@
         <a:srgbClr val="000000"/>
       </a:buClr>
       <a:buFont typeface="Arial"/>
-      <a:defRPr b="0" i="0" sz="1400" u="none" cap="none" strike="noStrike">
+      <a:defRPr sz="1400" b="0" i="0" u="none" strike="noStrike" cap="none">
         <a:solidFill>
           <a:srgbClr val="000000"/>
         </a:solidFill>
@@ -123,7 +123,7 @@
         <a:sym typeface="Arial"/>
       </a:defRPr>
     </a:lvl3pPr>
-    <a:lvl4pPr lvl="3" marR="0" rtl="0" algn="l">
+    <a:lvl4pPr marR="0" lvl="3" algn="l" rtl="0">
       <a:lnSpc>
         <a:spcPct val="100000"/>
       </a:lnSpc>
@@ -137,7 +137,7 @@
         <a:srgbClr val="000000"/>
       </a:buClr>
       <a:buFont typeface="Arial"/>
-      <a:defRPr b="0" i="0" sz="1400" u="none" cap="none" strike="noStrike">
+      <a:defRPr sz="1400" b="0" i="0" u="none" strike="noStrike" cap="none">
         <a:solidFill>
           <a:srgbClr val="000000"/>
         </a:solidFill>
@@ -147,7 +147,7 @@
         <a:sym typeface="Arial"/>
       </a:defRPr>
     </a:lvl4pPr>
-    <a:lvl5pPr lvl="4" marR="0" rtl="0" algn="l">
+    <a:lvl5pPr marR="0" lvl="4" algn="l" rtl="0">
       <a:lnSpc>
         <a:spcPct val="100000"/>
       </a:lnSpc>
@@ -161,7 +161,7 @@
         <a:srgbClr val="000000"/>
       </a:buClr>
       <a:buFont typeface="Arial"/>
-      <a:defRPr b="0" i="0" sz="1400" u="none" cap="none" strike="noStrike">
+      <a:defRPr sz="1400" b="0" i="0" u="none" strike="noStrike" cap="none">
         <a:solidFill>
           <a:srgbClr val="000000"/>
         </a:solidFill>
@@ -171,7 +171,7 @@
         <a:sym typeface="Arial"/>
       </a:defRPr>
     </a:lvl5pPr>
-    <a:lvl6pPr lvl="5" marR="0" rtl="0" algn="l">
+    <a:lvl6pPr marR="0" lvl="5" algn="l" rtl="0">
       <a:lnSpc>
         <a:spcPct val="100000"/>
       </a:lnSpc>
@@ -185,7 +185,7 @@
         <a:srgbClr val="000000"/>
       </a:buClr>
       <a:buFont typeface="Arial"/>
-      <a:defRPr b="0" i="0" sz="1400" u="none" cap="none" strike="noStrike">
+      <a:defRPr sz="1400" b="0" i="0" u="none" strike="noStrike" cap="none">
         <a:solidFill>
           <a:srgbClr val="000000"/>
         </a:solidFill>
@@ -195,7 +195,7 @@
         <a:sym typeface="Arial"/>
       </a:defRPr>
     </a:lvl6pPr>
-    <a:lvl7pPr lvl="6" marR="0" rtl="0" algn="l">
+    <a:lvl7pPr marR="0" lvl="6" algn="l" rtl="0">
       <a:lnSpc>
         <a:spcPct val="100000"/>
       </a:lnSpc>
@@ -209,7 +209,7 @@
         <a:srgbClr val="000000"/>
       </a:buClr>
       <a:buFont typeface="Arial"/>
-      <a:defRPr b="0" i="0" sz="1400" u="none" cap="none" strike="noStrike">
+      <a:defRPr sz="1400" b="0" i="0" u="none" strike="noStrike" cap="none">
         <a:solidFill>
           <a:srgbClr val="000000"/>
         </a:solidFill>
@@ -219,7 +219,7 @@
         <a:sym typeface="Arial"/>
       </a:defRPr>
     </a:lvl7pPr>
-    <a:lvl8pPr lvl="7" marR="0" rtl="0" algn="l">
+    <a:lvl8pPr marR="0" lvl="7" algn="l" rtl="0">
       <a:lnSpc>
         <a:spcPct val="100000"/>
       </a:lnSpc>
@@ -233,7 +233,7 @@
         <a:srgbClr val="000000"/>
       </a:buClr>
       <a:buFont typeface="Arial"/>
-      <a:defRPr b="0" i="0" sz="1400" u="none" cap="none" strike="noStrike">
+      <a:defRPr sz="1400" b="0" i="0" u="none" strike="noStrike" cap="none">
         <a:solidFill>
           <a:srgbClr val="000000"/>
         </a:solidFill>
@@ -243,7 +243,7 @@
         <a:sym typeface="Arial"/>
       </a:defRPr>
     </a:lvl8pPr>
-    <a:lvl9pPr lvl="8" marR="0" rtl="0" algn="l">
+    <a:lvl9pPr marR="0" lvl="8" algn="l" rtl="0">
       <a:lnSpc>
         <a:spcPct val="100000"/>
       </a:lnSpc>
@@ -257,7 +257,7 @@
         <a:srgbClr val="000000"/>
       </a:buClr>
       <a:buFont typeface="Arial"/>
-      <a:defRPr b="0" i="0" sz="1400" u="none" cap="none" strike="noStrike">
+      <a:defRPr sz="1400" b="0" i="0" u="none" strike="noStrike" cap="none">
         <a:solidFill>
           <a:srgbClr val="000000"/>
         </a:solidFill>
@@ -271,19 +271,57 @@
 </p:presentation>
 </file>
 
+<file path=ppt/revisionInfo.xml><?xml version="1.0" encoding="utf-8"?>
+<p1510:revInfo xmlns:a="http://schemas.openxmlformats.org/drawingml/2006/main" xmlns:r="http://schemas.openxmlformats.org/officeDocument/2006/relationships" xmlns:p1510="http://schemas.microsoft.com/office/powerpoint/2015/10/main">
+  <p1510:revLst>
+    <p1510:client id="{DFE584E4-6444-4E4C-8DA3-18E57D171926}" v="1" dt="2019-05-16T00:13:16.024"/>
+  </p1510:revLst>
+</p1510:revInfo>
+</file>
+
+<file path=ppt/changesInfos/changesInfo1.xml><?xml version="1.0" encoding="utf-8"?>
+<pc:chgInfo xmlns:a="http://schemas.openxmlformats.org/drawingml/2006/main" xmlns:r="http://schemas.openxmlformats.org/officeDocument/2006/relationships" xmlns:ac="http://schemas.microsoft.com/office/drawing/2013/main/command" xmlns:pc="http://schemas.microsoft.com/office/powerpoint/2013/main/command">
+  <pc:docChgLst>
+    <pc:chgData name="Edwin Fajardo Barrera" userId="6e135ce4aab9c272" providerId="LiveId" clId="{DFE584E4-6444-4E4C-8DA3-18E57D171926}"/>
+    <pc:docChg chg="undo modSld">
+      <pc:chgData name="Edwin Fajardo Barrera" userId="6e135ce4aab9c272" providerId="LiveId" clId="{DFE584E4-6444-4E4C-8DA3-18E57D171926}" dt="2019-05-16T00:13:16.012" v="4" actId="207"/>
+      <pc:docMkLst>
+        <pc:docMk/>
+      </pc:docMkLst>
+      <pc:sldChg chg="modSp">
+        <pc:chgData name="Edwin Fajardo Barrera" userId="6e135ce4aab9c272" providerId="LiveId" clId="{DFE584E4-6444-4E4C-8DA3-18E57D171926}" dt="2019-05-16T00:13:16.012" v="4" actId="207"/>
+        <pc:sldMkLst>
+          <pc:docMk/>
+          <pc:sldMk cId="0" sldId="256"/>
+        </pc:sldMkLst>
+        <pc:spChg chg="mod">
+          <ac:chgData name="Edwin Fajardo Barrera" userId="6e135ce4aab9c272" providerId="LiveId" clId="{DFE584E4-6444-4E4C-8DA3-18E57D171926}" dt="2019-05-16T00:13:16.012" v="4" actId="207"/>
+          <ac:spMkLst>
+            <pc:docMk/>
+            <pc:sldMk cId="0" sldId="256"/>
+            <ac:spMk id="80" creationId="{00000000-0000-0000-0000-000000000000}"/>
+          </ac:spMkLst>
+        </pc:spChg>
+      </pc:sldChg>
+    </pc:docChg>
+  </pc:docChgLst>
+</pc:chgInfo>
+</file>
+
 <file path=ppt/notesMasters/notesMaster1.xml><?xml version="1.0" encoding="utf-8"?>
-<p:notesMaster xmlns:a="http://schemas.openxmlformats.org/drawingml/2006/main" xmlns:r="http://schemas.openxmlformats.org/officeDocument/2006/relationships" xmlns:mc="http://schemas.openxmlformats.org/markup-compatibility/2006" xmlns:mv="urn:schemas-microsoft-com:mac:vml" xmlns:p="http://schemas.openxmlformats.org/presentationml/2006/main" xmlns:c="http://schemas.openxmlformats.org/drawingml/2006/chart" xmlns:dgm="http://schemas.openxmlformats.org/drawingml/2006/diagram" xmlns:o="urn:schemas-microsoft-com:office:office" xmlns:v="urn:schemas-microsoft-com:vml" xmlns:pvml="urn:schemas-microsoft-com:office:powerpoint" xmlns:com="http://schemas.openxmlformats.org/drawingml/2006/compatibility" xmlns:p14="http://schemas.microsoft.com/office/powerpoint/2010/main" xmlns:p15="http://schemas.microsoft.com/office/powerpoint/2012/main">
+<p:notesMaster xmlns:a="http://schemas.openxmlformats.org/drawingml/2006/main" xmlns:r="http://schemas.openxmlformats.org/officeDocument/2006/relationships" xmlns:p="http://schemas.openxmlformats.org/presentationml/2006/main">
   <p:cSld>
     <p:bg>
       <p:bgPr>
         <a:solidFill>
           <a:schemeClr val="lt1"/>
         </a:solidFill>
+        <a:effectLst/>
       </p:bgPr>
     </p:bg>
     <p:spTree>
       <p:nvGrpSpPr>
-        <p:cNvPr id="2" name="Shape 2"/>
+        <p:cNvPr id="1" name="Shape 2"/>
         <p:cNvGrpSpPr/>
         <p:nvPr/>
       </p:nvGrpSpPr>
@@ -298,9 +336,11 @@
       <p:sp>
         <p:nvSpPr>
           <p:cNvPr id="3" name="Google Shape;3;n"/>
-          <p:cNvSpPr/>
+          <p:cNvSpPr>
+            <a:spLocks noGrp="1" noRot="1" noChangeAspect="1"/>
+          </p:cNvSpPr>
           <p:nvPr>
-            <p:ph idx="2" type="sldImg"/>
+            <p:ph type="sldImg" idx="2"/>
           </p:nvPr>
         </p:nvSpPr>
         <p:spPr>
@@ -309,9 +349,13 @@
             <a:ext cx="6096300" cy="3429000"/>
           </a:xfrm>
           <a:custGeom>
-            <a:rect b="b" l="l" r="r" t="t"/>
+            <a:avLst/>
+            <a:gdLst/>
+            <a:ahLst/>
+            <a:cxnLst/>
+            <a:rect l="l" t="t" r="r" b="b"/>
             <a:pathLst>
-              <a:path extrusionOk="0" h="120000" w="120000">
+              <a:path w="120000" h="120000" extrusionOk="0">
                 <a:moveTo>
                   <a:pt x="0" y="0"/>
                 </a:moveTo>
@@ -329,23 +373,25 @@
             </a:pathLst>
           </a:custGeom>
           <a:noFill/>
-          <a:ln cap="flat" cmpd="sng" w="9525">
+          <a:ln w="9525" cap="flat" cmpd="sng">
             <a:solidFill>
               <a:srgbClr val="000000"/>
             </a:solidFill>
             <a:prstDash val="solid"/>
             <a:round/>
-            <a:headEnd len="sm" w="sm" type="none"/>
-            <a:tailEnd len="sm" w="sm" type="none"/>
+            <a:headEnd type="none" w="sm" len="sm"/>
+            <a:tailEnd type="none" w="sm" len="sm"/>
           </a:ln>
         </p:spPr>
       </p:sp>
       <p:sp>
         <p:nvSpPr>
           <p:cNvPr id="4" name="Google Shape;4;n"/>
-          <p:cNvSpPr txBox="1"/>
+          <p:cNvSpPr txBox="1">
+            <a:spLocks noGrp="1"/>
+          </p:cNvSpPr>
           <p:nvPr>
-            <p:ph idx="1" type="body"/>
+            <p:ph type="body" idx="1"/>
           </p:nvPr>
         </p:nvSpPr>
         <p:spPr>
@@ -362,9 +408,9 @@
           </a:ln>
         </p:spPr>
         <p:txBody>
-          <a:bodyPr anchorCtr="0" anchor="t" bIns="91425" lIns="91425" spcFirstLastPara="1" rIns="91425" wrap="square" tIns="91425"/>
+          <a:bodyPr spcFirstLastPara="1" wrap="square" lIns="91425" tIns="91425" rIns="91425" bIns="91425" anchor="t" anchorCtr="0"/>
           <a:lstStyle>
-            <a:lvl1pPr indent="-317500" lvl="0" marL="457200" marR="0" rtl="0" algn="l">
+            <a:lvl1pPr marL="457200" marR="0" lvl="0" indent="-317500" algn="l" rtl="0">
               <a:lnSpc>
                 <a:spcPct val="100000"/>
               </a:lnSpc>
@@ -380,7 +426,7 @@
               <a:buSzPts val="1400"/>
               <a:buFont typeface="Arial"/>
               <a:buChar char="●"/>
-              <a:defRPr b="0" i="0" sz="1100" u="none" cap="none" strike="noStrike">
+              <a:defRPr sz="1100" b="0" i="0" u="none" strike="noStrike" cap="none">
                 <a:solidFill>
                   <a:srgbClr val="000000"/>
                 </a:solidFill>
@@ -390,7 +436,7 @@
                 <a:sym typeface="Arial"/>
               </a:defRPr>
             </a:lvl1pPr>
-            <a:lvl2pPr indent="-317500" lvl="1" marL="914400" marR="0" rtl="0" algn="l">
+            <a:lvl2pPr marL="914400" marR="0" lvl="1" indent="-317500" algn="l" rtl="0">
               <a:lnSpc>
                 <a:spcPct val="100000"/>
               </a:lnSpc>
@@ -406,7 +452,7 @@
               <a:buSzPts val="1400"/>
               <a:buFont typeface="Arial"/>
               <a:buChar char="○"/>
-              <a:defRPr b="0" i="0" sz="1100" u="none" cap="none" strike="noStrike">
+              <a:defRPr sz="1100" b="0" i="0" u="none" strike="noStrike" cap="none">
                 <a:solidFill>
                   <a:srgbClr val="000000"/>
                 </a:solidFill>
@@ -416,7 +462,7 @@
                 <a:sym typeface="Arial"/>
               </a:defRPr>
             </a:lvl2pPr>
-            <a:lvl3pPr indent="-317500" lvl="2" marL="1371600" marR="0" rtl="0" algn="l">
+            <a:lvl3pPr marL="1371600" marR="0" lvl="2" indent="-317500" algn="l" rtl="0">
               <a:lnSpc>
                 <a:spcPct val="100000"/>
               </a:lnSpc>
@@ -432,7 +478,7 @@
               <a:buSzPts val="1400"/>
               <a:buFont typeface="Arial"/>
               <a:buChar char="■"/>
-              <a:defRPr b="0" i="0" sz="1100" u="none" cap="none" strike="noStrike">
+              <a:defRPr sz="1100" b="0" i="0" u="none" strike="noStrike" cap="none">
                 <a:solidFill>
                   <a:srgbClr val="000000"/>
                 </a:solidFill>
@@ -442,7 +488,7 @@
                 <a:sym typeface="Arial"/>
               </a:defRPr>
             </a:lvl3pPr>
-            <a:lvl4pPr indent="-317500" lvl="3" marL="1828800" marR="0" rtl="0" algn="l">
+            <a:lvl4pPr marL="1828800" marR="0" lvl="3" indent="-317500" algn="l" rtl="0">
               <a:lnSpc>
                 <a:spcPct val="100000"/>
               </a:lnSpc>
@@ -458,7 +504,7 @@
               <a:buSzPts val="1400"/>
               <a:buFont typeface="Arial"/>
               <a:buChar char="●"/>
-              <a:defRPr b="0" i="0" sz="1100" u="none" cap="none" strike="noStrike">
+              <a:defRPr sz="1100" b="0" i="0" u="none" strike="noStrike" cap="none">
                 <a:solidFill>
                   <a:srgbClr val="000000"/>
                 </a:solidFill>
@@ -468,7 +514,7 @@
                 <a:sym typeface="Arial"/>
               </a:defRPr>
             </a:lvl4pPr>
-            <a:lvl5pPr indent="-317500" lvl="4" marL="2286000" marR="0" rtl="0" algn="l">
+            <a:lvl5pPr marL="2286000" marR="0" lvl="4" indent="-317500" algn="l" rtl="0">
               <a:lnSpc>
                 <a:spcPct val="100000"/>
               </a:lnSpc>
@@ -484,7 +530,7 @@
               <a:buSzPts val="1400"/>
               <a:buFont typeface="Arial"/>
               <a:buChar char="○"/>
-              <a:defRPr b="0" i="0" sz="1100" u="none" cap="none" strike="noStrike">
+              <a:defRPr sz="1100" b="0" i="0" u="none" strike="noStrike" cap="none">
                 <a:solidFill>
                   <a:srgbClr val="000000"/>
                 </a:solidFill>
@@ -494,7 +540,7 @@
                 <a:sym typeface="Arial"/>
               </a:defRPr>
             </a:lvl5pPr>
-            <a:lvl6pPr indent="-317500" lvl="5" marL="2743200" marR="0" rtl="0" algn="l">
+            <a:lvl6pPr marL="2743200" marR="0" lvl="5" indent="-317500" algn="l" rtl="0">
               <a:lnSpc>
                 <a:spcPct val="100000"/>
               </a:lnSpc>
@@ -510,7 +556,7 @@
               <a:buSzPts val="1400"/>
               <a:buFont typeface="Arial"/>
               <a:buChar char="■"/>
-              <a:defRPr b="0" i="0" sz="1100" u="none" cap="none" strike="noStrike">
+              <a:defRPr sz="1100" b="0" i="0" u="none" strike="noStrike" cap="none">
                 <a:solidFill>
                   <a:srgbClr val="000000"/>
                 </a:solidFill>
@@ -520,7 +566,7 @@
                 <a:sym typeface="Arial"/>
               </a:defRPr>
             </a:lvl6pPr>
-            <a:lvl7pPr indent="-317500" lvl="6" marL="3200400" marR="0" rtl="0" algn="l">
+            <a:lvl7pPr marL="3200400" marR="0" lvl="6" indent="-317500" algn="l" rtl="0">
               <a:lnSpc>
                 <a:spcPct val="100000"/>
               </a:lnSpc>
@@ -536,7 +582,7 @@
               <a:buSzPts val="1400"/>
               <a:buFont typeface="Arial"/>
               <a:buChar char="●"/>
-              <a:defRPr b="0" i="0" sz="1100" u="none" cap="none" strike="noStrike">
+              <a:defRPr sz="1100" b="0" i="0" u="none" strike="noStrike" cap="none">
                 <a:solidFill>
                   <a:srgbClr val="000000"/>
                 </a:solidFill>
@@ -546,7 +592,7 @@
                 <a:sym typeface="Arial"/>
               </a:defRPr>
             </a:lvl7pPr>
-            <a:lvl8pPr indent="-317500" lvl="7" marL="3657600" marR="0" rtl="0" algn="l">
+            <a:lvl8pPr marL="3657600" marR="0" lvl="7" indent="-317500" algn="l" rtl="0">
               <a:lnSpc>
                 <a:spcPct val="100000"/>
               </a:lnSpc>
@@ -562,7 +608,7 @@
               <a:buSzPts val="1400"/>
               <a:buFont typeface="Arial"/>
               <a:buChar char="○"/>
-              <a:defRPr b="0" i="0" sz="1100" u="none" cap="none" strike="noStrike">
+              <a:defRPr sz="1100" b="0" i="0" u="none" strike="noStrike" cap="none">
                 <a:solidFill>
                   <a:srgbClr val="000000"/>
                 </a:solidFill>
@@ -572,7 +618,7 @@
                 <a:sym typeface="Arial"/>
               </a:defRPr>
             </a:lvl8pPr>
-            <a:lvl9pPr indent="-317500" lvl="8" marL="4114800" marR="0" rtl="0" algn="l">
+            <a:lvl9pPr marL="4114800" marR="0" lvl="8" indent="-317500" algn="l" rtl="0">
               <a:lnSpc>
                 <a:spcPct val="100000"/>
               </a:lnSpc>
@@ -588,7 +634,7 @@
               <a:buSzPts val="1400"/>
               <a:buFont typeface="Arial"/>
               <a:buChar char="■"/>
-              <a:defRPr b="0" i="0" sz="1100" u="none" cap="none" strike="noStrike">
+              <a:defRPr sz="1100" b="0" i="0" u="none" strike="noStrike" cap="none">
                 <a:solidFill>
                   <a:srgbClr val="000000"/>
                 </a:solidFill>
@@ -599,14 +645,16 @@
               </a:defRPr>
             </a:lvl9pPr>
           </a:lstStyle>
-          <a:p/>
+          <a:p>
+            <a:endParaRPr/>
+          </a:p>
         </p:txBody>
       </p:sp>
     </p:spTree>
   </p:cSld>
-  <p:clrMap accent1="accent1" accent2="accent2" accent3="accent3" accent4="accent4" accent5="accent5" accent6="accent6" bg1="lt1" bg2="dk2" tx1="dk1" tx2="lt2" folHlink="folHlink" hlink="hlink"/>
+  <p:clrMap bg1="lt1" tx1="dk1" bg2="dk2" tx2="lt2" accent1="accent1" accent2="accent2" accent3="accent3" accent4="accent4" accent5="accent5" accent6="accent6" hlink="hlink" folHlink="folHlink"/>
   <p:notesStyle>
-    <a:defPPr lvl="0" marR="0" rtl="0" algn="l">
+    <a:defPPr marR="0" lvl="0" algn="l" rtl="0">
       <a:lnSpc>
         <a:spcPct val="100000"/>
       </a:lnSpc>
@@ -617,7 +665,7 @@
         <a:spcPts val="0"/>
       </a:spcAft>
     </a:defPPr>
-    <a:lvl1pPr lvl="0" marR="0" rtl="0" algn="l">
+    <a:lvl1pPr marR="0" lvl="0" algn="l" rtl="0">
       <a:lnSpc>
         <a:spcPct val="100000"/>
       </a:lnSpc>
@@ -631,7 +679,7 @@
         <a:srgbClr val="000000"/>
       </a:buClr>
       <a:buFont typeface="Arial"/>
-      <a:defRPr b="0" i="0" sz="1400" u="none" cap="none" strike="noStrike">
+      <a:defRPr sz="1400" b="0" i="0" u="none" strike="noStrike" cap="none">
         <a:solidFill>
           <a:srgbClr val="000000"/>
         </a:solidFill>
@@ -641,7 +689,7 @@
         <a:sym typeface="Arial"/>
       </a:defRPr>
     </a:lvl1pPr>
-    <a:lvl2pPr lvl="1" marR="0" rtl="0" algn="l">
+    <a:lvl2pPr marR="0" lvl="1" algn="l" rtl="0">
       <a:lnSpc>
         <a:spcPct val="100000"/>
       </a:lnSpc>
@@ -655,7 +703,7 @@
         <a:srgbClr val="000000"/>
       </a:buClr>
       <a:buFont typeface="Arial"/>
-      <a:defRPr b="0" i="0" sz="1400" u="none" cap="none" strike="noStrike">
+      <a:defRPr sz="1400" b="0" i="0" u="none" strike="noStrike" cap="none">
         <a:solidFill>
           <a:srgbClr val="000000"/>
         </a:solidFill>
@@ -665,7 +713,7 @@
         <a:sym typeface="Arial"/>
       </a:defRPr>
     </a:lvl2pPr>
-    <a:lvl3pPr lvl="2" marR="0" rtl="0" algn="l">
+    <a:lvl3pPr marR="0" lvl="2" algn="l" rtl="0">
       <a:lnSpc>
         <a:spcPct val="100000"/>
       </a:lnSpc>
@@ -679,7 +727,7 @@
         <a:srgbClr val="000000"/>
       </a:buClr>
       <a:buFont typeface="Arial"/>
-      <a:defRPr b="0" i="0" sz="1400" u="none" cap="none" strike="noStrike">
+      <a:defRPr sz="1400" b="0" i="0" u="none" strike="noStrike" cap="none">
         <a:solidFill>
           <a:srgbClr val="000000"/>
         </a:solidFill>
@@ -689,7 +737,7 @@
         <a:sym typeface="Arial"/>
       </a:defRPr>
     </a:lvl3pPr>
-    <a:lvl4pPr lvl="3" marR="0" rtl="0" algn="l">
+    <a:lvl4pPr marR="0" lvl="3" algn="l" rtl="0">
       <a:lnSpc>
         <a:spcPct val="100000"/>
       </a:lnSpc>
@@ -703,7 +751,7 @@
         <a:srgbClr val="000000"/>
       </a:buClr>
       <a:buFont typeface="Arial"/>
-      <a:defRPr b="0" i="0" sz="1400" u="none" cap="none" strike="noStrike">
+      <a:defRPr sz="1400" b="0" i="0" u="none" strike="noStrike" cap="none">
         <a:solidFill>
           <a:srgbClr val="000000"/>
         </a:solidFill>
@@ -713,7 +761,7 @@
         <a:sym typeface="Arial"/>
       </a:defRPr>
     </a:lvl4pPr>
-    <a:lvl5pPr lvl="4" marR="0" rtl="0" algn="l">
+    <a:lvl5pPr marR="0" lvl="4" algn="l" rtl="0">
       <a:lnSpc>
         <a:spcPct val="100000"/>
       </a:lnSpc>
@@ -727,7 +775,7 @@
         <a:srgbClr val="000000"/>
       </a:buClr>
       <a:buFont typeface="Arial"/>
-      <a:defRPr b="0" i="0" sz="1400" u="none" cap="none" strike="noStrike">
+      <a:defRPr sz="1400" b="0" i="0" u="none" strike="noStrike" cap="none">
         <a:solidFill>
           <a:srgbClr val="000000"/>
         </a:solidFill>
@@ -737,7 +785,7 @@
         <a:sym typeface="Arial"/>
       </a:defRPr>
     </a:lvl5pPr>
-    <a:lvl6pPr lvl="5" marR="0" rtl="0" algn="l">
+    <a:lvl6pPr marR="0" lvl="5" algn="l" rtl="0">
       <a:lnSpc>
         <a:spcPct val="100000"/>
       </a:lnSpc>
@@ -751,7 +799,7 @@
         <a:srgbClr val="000000"/>
       </a:buClr>
       <a:buFont typeface="Arial"/>
-      <a:defRPr b="0" i="0" sz="1400" u="none" cap="none" strike="noStrike">
+      <a:defRPr sz="1400" b="0" i="0" u="none" strike="noStrike" cap="none">
         <a:solidFill>
           <a:srgbClr val="000000"/>
         </a:solidFill>
@@ -761,7 +809,7 @@
         <a:sym typeface="Arial"/>
       </a:defRPr>
     </a:lvl6pPr>
-    <a:lvl7pPr lvl="6" marR="0" rtl="0" algn="l">
+    <a:lvl7pPr marR="0" lvl="6" algn="l" rtl="0">
       <a:lnSpc>
         <a:spcPct val="100000"/>
       </a:lnSpc>
@@ -775,7 +823,7 @@
         <a:srgbClr val="000000"/>
       </a:buClr>
       <a:buFont typeface="Arial"/>
-      <a:defRPr b="0" i="0" sz="1400" u="none" cap="none" strike="noStrike">
+      <a:defRPr sz="1400" b="0" i="0" u="none" strike="noStrike" cap="none">
         <a:solidFill>
           <a:srgbClr val="000000"/>
         </a:solidFill>
@@ -785,7 +833,7 @@
         <a:sym typeface="Arial"/>
       </a:defRPr>
     </a:lvl7pPr>
-    <a:lvl8pPr lvl="7" marR="0" rtl="0" algn="l">
+    <a:lvl8pPr marR="0" lvl="7" algn="l" rtl="0">
       <a:lnSpc>
         <a:spcPct val="100000"/>
       </a:lnSpc>
@@ -799,7 +847,7 @@
         <a:srgbClr val="000000"/>
       </a:buClr>
       <a:buFont typeface="Arial"/>
-      <a:defRPr b="0" i="0" sz="1400" u="none" cap="none" strike="noStrike">
+      <a:defRPr sz="1400" b="0" i="0" u="none" strike="noStrike" cap="none">
         <a:solidFill>
           <a:srgbClr val="000000"/>
         </a:solidFill>
@@ -809,7 +857,7 @@
         <a:sym typeface="Arial"/>
       </a:defRPr>
     </a:lvl8pPr>
-    <a:lvl9pPr lvl="8" marR="0" rtl="0" algn="l">
+    <a:lvl9pPr marR="0" lvl="8" algn="l" rtl="0">
       <a:lnSpc>
         <a:spcPct val="100000"/>
       </a:lnSpc>
@@ -823,7 +871,7 @@
         <a:srgbClr val="000000"/>
       </a:buClr>
       <a:buFont typeface="Arial"/>
-      <a:defRPr b="0" i="0" sz="1400" u="none" cap="none" strike="noStrike">
+      <a:defRPr sz="1400" b="0" i="0" u="none" strike="noStrike" cap="none">
         <a:solidFill>
           <a:srgbClr val="000000"/>
         </a:solidFill>
@@ -838,11 +886,11 @@
 </file>
 
 <file path=ppt/notesSlides/notesSlide1.xml><?xml version="1.0" encoding="utf-8"?>
-<p:notes xmlns:a="http://schemas.openxmlformats.org/drawingml/2006/main" xmlns:r="http://schemas.openxmlformats.org/officeDocument/2006/relationships" xmlns:mc="http://schemas.openxmlformats.org/markup-compatibility/2006" xmlns:mv="urn:schemas-microsoft-com:mac:vml" xmlns:p="http://schemas.openxmlformats.org/presentationml/2006/main" xmlns:c="http://schemas.openxmlformats.org/drawingml/2006/chart" xmlns:dgm="http://schemas.openxmlformats.org/drawingml/2006/diagram" xmlns:o="urn:schemas-microsoft-com:office:office" xmlns:v="urn:schemas-microsoft-com:vml" xmlns:pvml="urn:schemas-microsoft-com:office:powerpoint" xmlns:com="http://schemas.openxmlformats.org/drawingml/2006/compatibility" xmlns:p14="http://schemas.microsoft.com/office/powerpoint/2010/main" xmlns:p15="http://schemas.microsoft.com/office/powerpoint/2012/main" showMasterPhAnim="0" showMasterSp="0">
+<p:notes xmlns:a="http://schemas.openxmlformats.org/drawingml/2006/main" xmlns:r="http://schemas.openxmlformats.org/officeDocument/2006/relationships" xmlns:p="http://schemas.openxmlformats.org/presentationml/2006/main" showMasterSp="0" showMasterPhAnim="0">
   <p:cSld>
     <p:spTree>
       <p:nvGrpSpPr>
-        <p:cNvPr id="76" name="Shape 76"/>
+        <p:cNvPr id="1" name="Shape 76"/>
         <p:cNvGrpSpPr/>
         <p:nvPr/>
       </p:nvGrpSpPr>
@@ -857,9 +905,11 @@
       <p:sp>
         <p:nvSpPr>
           <p:cNvPr id="77" name="Google Shape;77;p1:notes"/>
-          <p:cNvSpPr txBox="1"/>
+          <p:cNvSpPr txBox="1">
+            <a:spLocks noGrp="1"/>
+          </p:cNvSpPr>
           <p:nvPr>
-            <p:ph idx="1" type="body"/>
+            <p:ph type="body" idx="1"/>
           </p:nvPr>
         </p:nvSpPr>
         <p:spPr>
@@ -876,12 +926,12 @@
           </a:ln>
         </p:spPr>
         <p:txBody>
-          <a:bodyPr anchorCtr="0" anchor="t" bIns="91425" lIns="91425" spcFirstLastPara="1" rIns="91425" wrap="square" tIns="91425">
+          <a:bodyPr spcFirstLastPara="1" wrap="square" lIns="91425" tIns="91425" rIns="91425" bIns="91425" anchor="t" anchorCtr="0">
             <a:noAutofit/>
           </a:bodyPr>
           <a:lstStyle/>
           <a:p>
-            <a:pPr indent="0" lvl="0" marL="0" rtl="0" algn="l">
+            <a:pPr marL="0" lvl="0" indent="0" algn="l" rtl="0">
               <a:lnSpc>
                 <a:spcPct val="100000"/>
               </a:lnSpc>
@@ -901,7 +951,7 @@
             <a:endParaRPr/>
           </a:p>
           <a:p>
-            <a:pPr indent="-317500" lvl="0" marL="457200" rtl="0" algn="l">
+            <a:pPr marL="457200" lvl="0" indent="-317500" algn="l" rtl="0">
               <a:lnSpc>
                 <a:spcPct val="100000"/>
               </a:lnSpc>
@@ -921,7 +971,7 @@
             <a:endParaRPr/>
           </a:p>
           <a:p>
-            <a:pPr indent="-317500" lvl="0" marL="457200" rtl="0" algn="l">
+            <a:pPr marL="457200" lvl="0" indent="-317500" algn="l" rtl="0">
               <a:lnSpc>
                 <a:spcPct val="100000"/>
               </a:lnSpc>
@@ -941,7 +991,7 @@
             <a:endParaRPr/>
           </a:p>
           <a:p>
-            <a:pPr indent="-317500" lvl="0" marL="457200" rtl="0" algn="l">
+            <a:pPr marL="457200" lvl="0" indent="-317500" algn="l" rtl="0">
               <a:lnSpc>
                 <a:spcPct val="100000"/>
               </a:lnSpc>
@@ -961,7 +1011,7 @@
             <a:endParaRPr/>
           </a:p>
           <a:p>
-            <a:pPr indent="-317500" lvl="0" marL="457200" rtl="0" algn="l">
+            <a:pPr marL="457200" lvl="0" indent="-317500" algn="l" rtl="0">
               <a:lnSpc>
                 <a:spcPct val="100000"/>
               </a:lnSpc>
@@ -981,7 +1031,7 @@
             <a:endParaRPr/>
           </a:p>
           <a:p>
-            <a:pPr indent="0" lvl="0" marL="0" rtl="0" algn="l">
+            <a:pPr marL="0" lvl="0" indent="0" algn="l" rtl="0">
               <a:lnSpc>
                 <a:spcPct val="100000"/>
               </a:lnSpc>
@@ -1001,7 +1051,7 @@
             <a:endParaRPr/>
           </a:p>
           <a:p>
-            <a:pPr indent="0" lvl="0" marL="0" rtl="0" algn="l">
+            <a:pPr marL="0" lvl="0" indent="0" algn="l" rtl="0">
               <a:lnSpc>
                 <a:spcPct val="100000"/>
               </a:lnSpc>
@@ -1025,9 +1075,11 @@
       <p:sp>
         <p:nvSpPr>
           <p:cNvPr id="78" name="Google Shape;78;p1:notes"/>
-          <p:cNvSpPr/>
+          <p:cNvSpPr>
+            <a:spLocks noGrp="1" noRot="1" noChangeAspect="1"/>
+          </p:cNvSpPr>
           <p:nvPr>
-            <p:ph idx="2" type="sldImg"/>
+            <p:ph type="sldImg" idx="2"/>
           </p:nvPr>
         </p:nvSpPr>
         <p:spPr>
@@ -1036,9 +1088,13 @@
             <a:ext cx="6096000" cy="3429000"/>
           </a:xfrm>
           <a:custGeom>
-            <a:rect b="b" l="l" r="r" t="t"/>
+            <a:avLst/>
+            <a:gdLst/>
+            <a:ahLst/>
+            <a:cxnLst/>
+            <a:rect l="l" t="t" r="r" b="b"/>
             <a:pathLst>
-              <a:path extrusionOk="0" h="120000" w="120000">
+              <a:path w="120000" h="120000" extrusionOk="0">
                 <a:moveTo>
                   <a:pt x="0" y="0"/>
                 </a:moveTo>
@@ -1056,14 +1112,14 @@
             </a:pathLst>
           </a:custGeom>
           <a:noFill/>
-          <a:ln cap="flat" cmpd="sng" w="9525">
+          <a:ln w="9525" cap="flat" cmpd="sng">
             <a:solidFill>
               <a:srgbClr val="000000"/>
             </a:solidFill>
             <a:prstDash val="solid"/>
             <a:round/>
-            <a:headEnd len="sm" w="sm" type="none"/>
-            <a:tailEnd len="sm" w="sm" type="none"/>
+            <a:headEnd type="none" w="sm" len="sm"/>
+            <a:tailEnd type="none" w="sm" len="sm"/>
           </a:ln>
         </p:spPr>
       </p:sp>
@@ -1076,11 +1132,11 @@
 </file>
 
 <file path=ppt/notesSlides/notesSlide2.xml><?xml version="1.0" encoding="utf-8"?>
-<p:notes xmlns:a="http://schemas.openxmlformats.org/drawingml/2006/main" xmlns:r="http://schemas.openxmlformats.org/officeDocument/2006/relationships" xmlns:mc="http://schemas.openxmlformats.org/markup-compatibility/2006" xmlns:mv="urn:schemas-microsoft-com:mac:vml" xmlns:p="http://schemas.openxmlformats.org/presentationml/2006/main" xmlns:c="http://schemas.openxmlformats.org/drawingml/2006/chart" xmlns:dgm="http://schemas.openxmlformats.org/drawingml/2006/diagram" xmlns:o="urn:schemas-microsoft-com:office:office" xmlns:v="urn:schemas-microsoft-com:vml" xmlns:pvml="urn:schemas-microsoft-com:office:powerpoint" xmlns:com="http://schemas.openxmlformats.org/drawingml/2006/compatibility" xmlns:p14="http://schemas.microsoft.com/office/powerpoint/2010/main" xmlns:p15="http://schemas.microsoft.com/office/powerpoint/2012/main" showMasterPhAnim="0" showMasterSp="0">
+<p:notes xmlns:a="http://schemas.openxmlformats.org/drawingml/2006/main" xmlns:r="http://schemas.openxmlformats.org/officeDocument/2006/relationships" xmlns:p="http://schemas.openxmlformats.org/presentationml/2006/main" showMasterSp="0" showMasterPhAnim="0">
   <p:cSld>
     <p:spTree>
       <p:nvGrpSpPr>
-        <p:cNvPr id="85" name="Shape 85"/>
+        <p:cNvPr id="1" name="Shape 85"/>
         <p:cNvGrpSpPr/>
         <p:nvPr/>
       </p:nvGrpSpPr>
@@ -1095,9 +1151,11 @@
       <p:sp>
         <p:nvSpPr>
           <p:cNvPr id="86" name="Google Shape;86;p2:notes"/>
-          <p:cNvSpPr txBox="1"/>
+          <p:cNvSpPr txBox="1">
+            <a:spLocks noGrp="1"/>
+          </p:cNvSpPr>
           <p:nvPr>
-            <p:ph idx="1" type="body"/>
+            <p:ph type="body" idx="1"/>
           </p:nvPr>
         </p:nvSpPr>
         <p:spPr>
@@ -1110,12 +1168,12 @@
           </a:prstGeom>
         </p:spPr>
         <p:txBody>
-          <a:bodyPr anchorCtr="0" anchor="t" bIns="91425" lIns="91425" spcFirstLastPara="1" rIns="91425" wrap="square" tIns="91425">
+          <a:bodyPr spcFirstLastPara="1" wrap="square" lIns="91425" tIns="91425" rIns="91425" bIns="91425" anchor="t" anchorCtr="0">
             <a:noAutofit/>
           </a:bodyPr>
           <a:lstStyle/>
           <a:p>
-            <a:pPr indent="0" lvl="0" marL="0" rtl="0" algn="l">
+            <a:pPr marL="0" lvl="0" indent="0" algn="l" rtl="0">
               <a:spcBef>
                 <a:spcPts val="0"/>
               </a:spcBef>
@@ -1124,9 +1182,6 @@
               </a:spcAft>
               <a:buNone/>
             </a:pPr>
-            <a:r>
-              <a:t/>
-            </a:r>
             <a:endParaRPr/>
           </a:p>
         </p:txBody>
@@ -1134,9 +1189,11 @@
       <p:sp>
         <p:nvSpPr>
           <p:cNvPr id="87" name="Google Shape;87;p2:notes"/>
-          <p:cNvSpPr/>
+          <p:cNvSpPr>
+            <a:spLocks noGrp="1" noRot="1" noChangeAspect="1"/>
+          </p:cNvSpPr>
           <p:nvPr>
-            <p:ph idx="2" type="sldImg"/>
+            <p:ph type="sldImg" idx="2"/>
           </p:nvPr>
         </p:nvSpPr>
         <p:spPr>
@@ -1145,9 +1202,13 @@
             <a:ext cx="6096300" cy="3429000"/>
           </a:xfrm>
           <a:custGeom>
-            <a:rect b="b" l="l" r="r" t="t"/>
+            <a:avLst/>
+            <a:gdLst/>
+            <a:ahLst/>
+            <a:cxnLst/>
+            <a:rect l="l" t="t" r="r" b="b"/>
             <a:pathLst>
-              <a:path extrusionOk="0" h="120000" w="120000">
+              <a:path w="120000" h="120000" extrusionOk="0">
                 <a:moveTo>
                   <a:pt x="0" y="0"/>
                 </a:moveTo>
@@ -1175,11 +1236,11 @@
 </file>
 
 <file path=ppt/notesSlides/notesSlide3.xml><?xml version="1.0" encoding="utf-8"?>
-<p:notes xmlns:a="http://schemas.openxmlformats.org/drawingml/2006/main" xmlns:r="http://schemas.openxmlformats.org/officeDocument/2006/relationships" xmlns:mc="http://schemas.openxmlformats.org/markup-compatibility/2006" xmlns:mv="urn:schemas-microsoft-com:mac:vml" xmlns:p="http://schemas.openxmlformats.org/presentationml/2006/main" xmlns:c="http://schemas.openxmlformats.org/drawingml/2006/chart" xmlns:dgm="http://schemas.openxmlformats.org/drawingml/2006/diagram" xmlns:o="urn:schemas-microsoft-com:office:office" xmlns:v="urn:schemas-microsoft-com:vml" xmlns:pvml="urn:schemas-microsoft-com:office:powerpoint" xmlns:com="http://schemas.openxmlformats.org/drawingml/2006/compatibility" xmlns:p14="http://schemas.microsoft.com/office/powerpoint/2010/main" xmlns:p15="http://schemas.microsoft.com/office/powerpoint/2012/main" showMasterPhAnim="0" showMasterSp="0">
+<p:notes xmlns:a="http://schemas.openxmlformats.org/drawingml/2006/main" xmlns:r="http://schemas.openxmlformats.org/officeDocument/2006/relationships" xmlns:p="http://schemas.openxmlformats.org/presentationml/2006/main" showMasterSp="0" showMasterPhAnim="0">
   <p:cSld>
     <p:spTree>
       <p:nvGrpSpPr>
-        <p:cNvPr id="93" name="Shape 93"/>
+        <p:cNvPr id="1" name="Shape 93"/>
         <p:cNvGrpSpPr/>
         <p:nvPr/>
       </p:nvGrpSpPr>
@@ -1194,9 +1255,11 @@
       <p:sp>
         <p:nvSpPr>
           <p:cNvPr id="94" name="Google Shape;94;p3:notes"/>
-          <p:cNvSpPr txBox="1"/>
+          <p:cNvSpPr txBox="1">
+            <a:spLocks noGrp="1"/>
+          </p:cNvSpPr>
           <p:nvPr>
-            <p:ph idx="1" type="body"/>
+            <p:ph type="body" idx="1"/>
           </p:nvPr>
         </p:nvSpPr>
         <p:spPr>
@@ -1209,12 +1272,12 @@
           </a:prstGeom>
         </p:spPr>
         <p:txBody>
-          <a:bodyPr anchorCtr="0" anchor="t" bIns="91425" lIns="91425" spcFirstLastPara="1" rIns="91425" wrap="square" tIns="91425">
+          <a:bodyPr spcFirstLastPara="1" wrap="square" lIns="91425" tIns="91425" rIns="91425" bIns="91425" anchor="t" anchorCtr="0">
             <a:noAutofit/>
           </a:bodyPr>
           <a:lstStyle/>
           <a:p>
-            <a:pPr indent="0" lvl="0" marL="0" rtl="0" algn="l">
+            <a:pPr marL="0" lvl="0" indent="0" algn="l" rtl="0">
               <a:spcBef>
                 <a:spcPts val="0"/>
               </a:spcBef>
@@ -1223,9 +1286,6 @@
               </a:spcAft>
               <a:buNone/>
             </a:pPr>
-            <a:r>
-              <a:t/>
-            </a:r>
             <a:endParaRPr/>
           </a:p>
         </p:txBody>
@@ -1233,9 +1293,11 @@
       <p:sp>
         <p:nvSpPr>
           <p:cNvPr id="95" name="Google Shape;95;p3:notes"/>
-          <p:cNvSpPr/>
+          <p:cNvSpPr>
+            <a:spLocks noGrp="1" noRot="1" noChangeAspect="1"/>
+          </p:cNvSpPr>
           <p:nvPr>
-            <p:ph idx="2" type="sldImg"/>
+            <p:ph type="sldImg" idx="2"/>
           </p:nvPr>
         </p:nvSpPr>
         <p:spPr>
@@ -1244,9 +1306,13 @@
             <a:ext cx="6096300" cy="3429000"/>
           </a:xfrm>
           <a:custGeom>
-            <a:rect b="b" l="l" r="r" t="t"/>
+            <a:avLst/>
+            <a:gdLst/>
+            <a:ahLst/>
+            <a:cxnLst/>
+            <a:rect l="l" t="t" r="r" b="b"/>
             <a:pathLst>
-              <a:path extrusionOk="0" h="120000" w="120000">
+              <a:path w="120000" h="120000" extrusionOk="0">
                 <a:moveTo>
                   <a:pt x="0" y="0"/>
                 </a:moveTo>
@@ -1274,11 +1340,11 @@
 </file>
 
 <file path=ppt/notesSlides/notesSlide4.xml><?xml version="1.0" encoding="utf-8"?>
-<p:notes xmlns:a="http://schemas.openxmlformats.org/drawingml/2006/main" xmlns:r="http://schemas.openxmlformats.org/officeDocument/2006/relationships" xmlns:mc="http://schemas.openxmlformats.org/markup-compatibility/2006" xmlns:mv="urn:schemas-microsoft-com:mac:vml" xmlns:p="http://schemas.openxmlformats.org/presentationml/2006/main" xmlns:c="http://schemas.openxmlformats.org/drawingml/2006/chart" xmlns:dgm="http://schemas.openxmlformats.org/drawingml/2006/diagram" xmlns:o="urn:schemas-microsoft-com:office:office" xmlns:v="urn:schemas-microsoft-com:vml" xmlns:pvml="urn:schemas-microsoft-com:office:powerpoint" xmlns:com="http://schemas.openxmlformats.org/drawingml/2006/compatibility" xmlns:p14="http://schemas.microsoft.com/office/powerpoint/2010/main" xmlns:p15="http://schemas.microsoft.com/office/powerpoint/2012/main" showMasterPhAnim="0" showMasterSp="0">
+<p:notes xmlns:a="http://schemas.openxmlformats.org/drawingml/2006/main" xmlns:r="http://schemas.openxmlformats.org/officeDocument/2006/relationships" xmlns:p="http://schemas.openxmlformats.org/presentationml/2006/main" showMasterSp="0" showMasterPhAnim="0">
   <p:cSld>
     <p:spTree>
       <p:nvGrpSpPr>
-        <p:cNvPr id="100" name="Shape 100"/>
+        <p:cNvPr id="1" name="Shape 100"/>
         <p:cNvGrpSpPr/>
         <p:nvPr/>
       </p:nvGrpSpPr>
@@ -1293,9 +1359,11 @@
       <p:sp>
         <p:nvSpPr>
           <p:cNvPr id="101" name="Google Shape;101;p4:notes"/>
-          <p:cNvSpPr txBox="1"/>
+          <p:cNvSpPr txBox="1">
+            <a:spLocks noGrp="1"/>
+          </p:cNvSpPr>
           <p:nvPr>
-            <p:ph idx="1" type="body"/>
+            <p:ph type="body" idx="1"/>
           </p:nvPr>
         </p:nvSpPr>
         <p:spPr>
@@ -1308,12 +1376,12 @@
           </a:prstGeom>
         </p:spPr>
         <p:txBody>
-          <a:bodyPr anchorCtr="0" anchor="t" bIns="91425" lIns="91425" spcFirstLastPara="1" rIns="91425" wrap="square" tIns="91425">
+          <a:bodyPr spcFirstLastPara="1" wrap="square" lIns="91425" tIns="91425" rIns="91425" bIns="91425" anchor="t" anchorCtr="0">
             <a:noAutofit/>
           </a:bodyPr>
           <a:lstStyle/>
           <a:p>
-            <a:pPr indent="0" lvl="0" marL="0" rtl="0" algn="l">
+            <a:pPr marL="0" lvl="0" indent="0" algn="l" rtl="0">
               <a:spcBef>
                 <a:spcPts val="0"/>
               </a:spcBef>
@@ -1322,9 +1390,6 @@
               </a:spcAft>
               <a:buNone/>
             </a:pPr>
-            <a:r>
-              <a:t/>
-            </a:r>
             <a:endParaRPr/>
           </a:p>
         </p:txBody>
@@ -1332,9 +1397,11 @@
       <p:sp>
         <p:nvSpPr>
           <p:cNvPr id="102" name="Google Shape;102;p4:notes"/>
-          <p:cNvSpPr/>
+          <p:cNvSpPr>
+            <a:spLocks noGrp="1" noRot="1" noChangeAspect="1"/>
+          </p:cNvSpPr>
           <p:nvPr>
-            <p:ph idx="2" type="sldImg"/>
+            <p:ph type="sldImg" idx="2"/>
           </p:nvPr>
         </p:nvSpPr>
         <p:spPr>
@@ -1343,9 +1410,13 @@
             <a:ext cx="6096300" cy="3429000"/>
           </a:xfrm>
           <a:custGeom>
-            <a:rect b="b" l="l" r="r" t="t"/>
+            <a:avLst/>
+            <a:gdLst/>
+            <a:ahLst/>
+            <a:cxnLst/>
+            <a:rect l="l" t="t" r="r" b="b"/>
             <a:pathLst>
-              <a:path extrusionOk="0" h="120000" w="120000">
+              <a:path w="120000" h="120000" extrusionOk="0">
                 <a:moveTo>
                   <a:pt x="0" y="0"/>
                 </a:moveTo>
@@ -1373,11 +1444,11 @@
 </file>
 
 <file path=ppt/notesSlides/notesSlide5.xml><?xml version="1.0" encoding="utf-8"?>
-<p:notes xmlns:a="http://schemas.openxmlformats.org/drawingml/2006/main" xmlns:r="http://schemas.openxmlformats.org/officeDocument/2006/relationships" xmlns:mc="http://schemas.openxmlformats.org/markup-compatibility/2006" xmlns:mv="urn:schemas-microsoft-com:mac:vml" xmlns:p="http://schemas.openxmlformats.org/presentationml/2006/main" xmlns:c="http://schemas.openxmlformats.org/drawingml/2006/chart" xmlns:dgm="http://schemas.openxmlformats.org/drawingml/2006/diagram" xmlns:o="urn:schemas-microsoft-com:office:office" xmlns:v="urn:schemas-microsoft-com:vml" xmlns:pvml="urn:schemas-microsoft-com:office:powerpoint" xmlns:com="http://schemas.openxmlformats.org/drawingml/2006/compatibility" xmlns:p14="http://schemas.microsoft.com/office/powerpoint/2010/main" xmlns:p15="http://schemas.microsoft.com/office/powerpoint/2012/main" showMasterPhAnim="0" showMasterSp="0">
+<p:notes xmlns:a="http://schemas.openxmlformats.org/drawingml/2006/main" xmlns:r="http://schemas.openxmlformats.org/officeDocument/2006/relationships" xmlns:p="http://schemas.openxmlformats.org/presentationml/2006/main" showMasterSp="0" showMasterPhAnim="0">
   <p:cSld>
     <p:spTree>
       <p:nvGrpSpPr>
-        <p:cNvPr id="107" name="Shape 107"/>
+        <p:cNvPr id="1" name="Shape 107"/>
         <p:cNvGrpSpPr/>
         <p:nvPr/>
       </p:nvGrpSpPr>
@@ -1392,9 +1463,11 @@
       <p:sp>
         <p:nvSpPr>
           <p:cNvPr id="108" name="Google Shape;108;p5:notes"/>
-          <p:cNvSpPr txBox="1"/>
+          <p:cNvSpPr txBox="1">
+            <a:spLocks noGrp="1"/>
+          </p:cNvSpPr>
           <p:nvPr>
-            <p:ph idx="1" type="body"/>
+            <p:ph type="body" idx="1"/>
           </p:nvPr>
         </p:nvSpPr>
         <p:spPr>
@@ -1407,12 +1480,12 @@
           </a:prstGeom>
         </p:spPr>
         <p:txBody>
-          <a:bodyPr anchorCtr="0" anchor="t" bIns="91425" lIns="91425" spcFirstLastPara="1" rIns="91425" wrap="square" tIns="91425">
+          <a:bodyPr spcFirstLastPara="1" wrap="square" lIns="91425" tIns="91425" rIns="91425" bIns="91425" anchor="t" anchorCtr="0">
             <a:noAutofit/>
           </a:bodyPr>
           <a:lstStyle/>
           <a:p>
-            <a:pPr indent="0" lvl="0" marL="0" rtl="0" algn="l">
+            <a:pPr marL="0" lvl="0" indent="0" algn="l" rtl="0">
               <a:spcBef>
                 <a:spcPts val="0"/>
               </a:spcBef>
@@ -1421,9 +1494,6 @@
               </a:spcAft>
               <a:buNone/>
             </a:pPr>
-            <a:r>
-              <a:t/>
-            </a:r>
             <a:endParaRPr/>
           </a:p>
         </p:txBody>
@@ -1431,9 +1501,11 @@
       <p:sp>
         <p:nvSpPr>
           <p:cNvPr id="109" name="Google Shape;109;p5:notes"/>
-          <p:cNvSpPr/>
+          <p:cNvSpPr>
+            <a:spLocks noGrp="1" noRot="1" noChangeAspect="1"/>
+          </p:cNvSpPr>
           <p:nvPr>
-            <p:ph idx="2" type="sldImg"/>
+            <p:ph type="sldImg" idx="2"/>
           </p:nvPr>
         </p:nvSpPr>
         <p:spPr>
@@ -1442,9 +1514,13 @@
             <a:ext cx="6096300" cy="3429000"/>
           </a:xfrm>
           <a:custGeom>
-            <a:rect b="b" l="l" r="r" t="t"/>
+            <a:avLst/>
+            <a:gdLst/>
+            <a:ahLst/>
+            <a:cxnLst/>
+            <a:rect l="l" t="t" r="r" b="b"/>
             <a:pathLst>
-              <a:path extrusionOk="0" h="120000" w="120000">
+              <a:path w="120000" h="120000" extrusionOk="0">
                 <a:moveTo>
                   <a:pt x="0" y="0"/>
                 </a:moveTo>
@@ -1472,11 +1548,11 @@
 </file>
 
 <file path=ppt/notesSlides/notesSlide6.xml><?xml version="1.0" encoding="utf-8"?>
-<p:notes xmlns:a="http://schemas.openxmlformats.org/drawingml/2006/main" xmlns:r="http://schemas.openxmlformats.org/officeDocument/2006/relationships" xmlns:mc="http://schemas.openxmlformats.org/markup-compatibility/2006" xmlns:mv="urn:schemas-microsoft-com:mac:vml" xmlns:p="http://schemas.openxmlformats.org/presentationml/2006/main" xmlns:c="http://schemas.openxmlformats.org/drawingml/2006/chart" xmlns:dgm="http://schemas.openxmlformats.org/drawingml/2006/diagram" xmlns:o="urn:schemas-microsoft-com:office:office" xmlns:v="urn:schemas-microsoft-com:vml" xmlns:pvml="urn:schemas-microsoft-com:office:powerpoint" xmlns:com="http://schemas.openxmlformats.org/drawingml/2006/compatibility" xmlns:p14="http://schemas.microsoft.com/office/powerpoint/2010/main" xmlns:p15="http://schemas.microsoft.com/office/powerpoint/2012/main" showMasterPhAnim="0" showMasterSp="0">
+<p:notes xmlns:a="http://schemas.openxmlformats.org/drawingml/2006/main" xmlns:r="http://schemas.openxmlformats.org/officeDocument/2006/relationships" xmlns:p="http://schemas.openxmlformats.org/presentationml/2006/main" showMasterSp="0" showMasterPhAnim="0">
   <p:cSld>
     <p:spTree>
       <p:nvGrpSpPr>
-        <p:cNvPr id="115" name="Shape 115"/>
+        <p:cNvPr id="1" name="Shape 115"/>
         <p:cNvGrpSpPr/>
         <p:nvPr/>
       </p:nvGrpSpPr>
@@ -1491,9 +1567,11 @@
       <p:sp>
         <p:nvSpPr>
           <p:cNvPr id="116" name="Google Shape;116;p6:notes"/>
-          <p:cNvSpPr txBox="1"/>
+          <p:cNvSpPr txBox="1">
+            <a:spLocks noGrp="1"/>
+          </p:cNvSpPr>
           <p:nvPr>
-            <p:ph idx="1" type="body"/>
+            <p:ph type="body" idx="1"/>
           </p:nvPr>
         </p:nvSpPr>
         <p:spPr>
@@ -1506,12 +1584,12 @@
           </a:prstGeom>
         </p:spPr>
         <p:txBody>
-          <a:bodyPr anchorCtr="0" anchor="t" bIns="91425" lIns="91425" spcFirstLastPara="1" rIns="91425" wrap="square" tIns="91425">
+          <a:bodyPr spcFirstLastPara="1" wrap="square" lIns="91425" tIns="91425" rIns="91425" bIns="91425" anchor="t" anchorCtr="0">
             <a:noAutofit/>
           </a:bodyPr>
           <a:lstStyle/>
           <a:p>
-            <a:pPr indent="0" lvl="0" marL="0" rtl="0" algn="l">
+            <a:pPr marL="0" lvl="0" indent="0" algn="l" rtl="0">
               <a:spcBef>
                 <a:spcPts val="0"/>
               </a:spcBef>
@@ -1520,9 +1598,6 @@
               </a:spcAft>
               <a:buNone/>
             </a:pPr>
-            <a:r>
-              <a:t/>
-            </a:r>
             <a:endParaRPr/>
           </a:p>
         </p:txBody>
@@ -1530,9 +1605,11 @@
       <p:sp>
         <p:nvSpPr>
           <p:cNvPr id="117" name="Google Shape;117;p6:notes"/>
-          <p:cNvSpPr/>
+          <p:cNvSpPr>
+            <a:spLocks noGrp="1" noRot="1" noChangeAspect="1"/>
+          </p:cNvSpPr>
           <p:nvPr>
-            <p:ph idx="2" type="sldImg"/>
+            <p:ph type="sldImg" idx="2"/>
           </p:nvPr>
         </p:nvSpPr>
         <p:spPr>
@@ -1541,9 +1618,13 @@
             <a:ext cx="6096300" cy="3429000"/>
           </a:xfrm>
           <a:custGeom>
-            <a:rect b="b" l="l" r="r" t="t"/>
+            <a:avLst/>
+            <a:gdLst/>
+            <a:ahLst/>
+            <a:cxnLst/>
+            <a:rect l="l" t="t" r="r" b="b"/>
             <a:pathLst>
-              <a:path extrusionOk="0" h="120000" w="120000">
+              <a:path w="120000" h="120000" extrusionOk="0">
                 <a:moveTo>
                   <a:pt x="0" y="0"/>
                 </a:moveTo>
@@ -1571,11 +1652,11 @@
 </file>
 
 <file path=ppt/notesSlides/notesSlide7.xml><?xml version="1.0" encoding="utf-8"?>
-<p:notes xmlns:a="http://schemas.openxmlformats.org/drawingml/2006/main" xmlns:r="http://schemas.openxmlformats.org/officeDocument/2006/relationships" xmlns:mc="http://schemas.openxmlformats.org/markup-compatibility/2006" xmlns:mv="urn:schemas-microsoft-com:mac:vml" xmlns:p="http://schemas.openxmlformats.org/presentationml/2006/main" xmlns:c="http://schemas.openxmlformats.org/drawingml/2006/chart" xmlns:dgm="http://schemas.openxmlformats.org/drawingml/2006/diagram" xmlns:o="urn:schemas-microsoft-com:office:office" xmlns:v="urn:schemas-microsoft-com:vml" xmlns:pvml="urn:schemas-microsoft-com:office:powerpoint" xmlns:com="http://schemas.openxmlformats.org/drawingml/2006/compatibility" xmlns:p14="http://schemas.microsoft.com/office/powerpoint/2010/main" xmlns:p15="http://schemas.microsoft.com/office/powerpoint/2012/main" showMasterPhAnim="0" showMasterSp="0">
+<p:notes xmlns:a="http://schemas.openxmlformats.org/drawingml/2006/main" xmlns:r="http://schemas.openxmlformats.org/officeDocument/2006/relationships" xmlns:p="http://schemas.openxmlformats.org/presentationml/2006/main" showMasterSp="0" showMasterPhAnim="0">
   <p:cSld>
     <p:spTree>
       <p:nvGrpSpPr>
-        <p:cNvPr id="123" name="Shape 123"/>
+        <p:cNvPr id="1" name="Shape 123"/>
         <p:cNvGrpSpPr/>
         <p:nvPr/>
       </p:nvGrpSpPr>
@@ -1590,9 +1671,11 @@
       <p:sp>
         <p:nvSpPr>
           <p:cNvPr id="124" name="Google Shape;124;p7:notes"/>
-          <p:cNvSpPr txBox="1"/>
+          <p:cNvSpPr txBox="1">
+            <a:spLocks noGrp="1"/>
+          </p:cNvSpPr>
           <p:nvPr>
-            <p:ph idx="1" type="body"/>
+            <p:ph type="body" idx="1"/>
           </p:nvPr>
         </p:nvSpPr>
         <p:spPr>
@@ -1605,12 +1688,12 @@
           </a:prstGeom>
         </p:spPr>
         <p:txBody>
-          <a:bodyPr anchorCtr="0" anchor="t" bIns="91425" lIns="91425" spcFirstLastPara="1" rIns="91425" wrap="square" tIns="91425">
+          <a:bodyPr spcFirstLastPara="1" wrap="square" lIns="91425" tIns="91425" rIns="91425" bIns="91425" anchor="t" anchorCtr="0">
             <a:noAutofit/>
           </a:bodyPr>
           <a:lstStyle/>
           <a:p>
-            <a:pPr indent="0" lvl="0" marL="0" rtl="0" algn="l">
+            <a:pPr marL="0" lvl="0" indent="0" algn="l" rtl="0">
               <a:spcBef>
                 <a:spcPts val="0"/>
               </a:spcBef>
@@ -1630,9 +1713,11 @@
       <p:sp>
         <p:nvSpPr>
           <p:cNvPr id="125" name="Google Shape;125;p7:notes"/>
-          <p:cNvSpPr/>
+          <p:cNvSpPr>
+            <a:spLocks noGrp="1" noRot="1" noChangeAspect="1"/>
+          </p:cNvSpPr>
           <p:nvPr>
-            <p:ph idx="2" type="sldImg"/>
+            <p:ph type="sldImg" idx="2"/>
           </p:nvPr>
         </p:nvSpPr>
         <p:spPr>
@@ -1641,9 +1726,13 @@
             <a:ext cx="6096300" cy="3429000"/>
           </a:xfrm>
           <a:custGeom>
-            <a:rect b="b" l="l" r="r" t="t"/>
+            <a:avLst/>
+            <a:gdLst/>
+            <a:ahLst/>
+            <a:cxnLst/>
+            <a:rect l="l" t="t" r="r" b="b"/>
             <a:pathLst>
-              <a:path extrusionOk="0" h="120000" w="120000">
+              <a:path w="120000" h="120000" extrusionOk="0">
                 <a:moveTo>
                   <a:pt x="0" y="0"/>
                 </a:moveTo>
@@ -1671,11 +1760,11 @@
 </file>
 
 <file path=ppt/notesSlides/notesSlide8.xml><?xml version="1.0" encoding="utf-8"?>
-<p:notes xmlns:a="http://schemas.openxmlformats.org/drawingml/2006/main" xmlns:r="http://schemas.openxmlformats.org/officeDocument/2006/relationships" xmlns:mc="http://schemas.openxmlformats.org/markup-compatibility/2006" xmlns:mv="urn:schemas-microsoft-com:mac:vml" xmlns:p="http://schemas.openxmlformats.org/presentationml/2006/main" xmlns:c="http://schemas.openxmlformats.org/drawingml/2006/chart" xmlns:dgm="http://schemas.openxmlformats.org/drawingml/2006/diagram" xmlns:o="urn:schemas-microsoft-com:office:office" xmlns:v="urn:schemas-microsoft-com:vml" xmlns:pvml="urn:schemas-microsoft-com:office:powerpoint" xmlns:com="http://schemas.openxmlformats.org/drawingml/2006/compatibility" xmlns:p14="http://schemas.microsoft.com/office/powerpoint/2010/main" xmlns:p15="http://schemas.microsoft.com/office/powerpoint/2012/main" showMasterPhAnim="0" showMasterSp="0">
+<p:notes xmlns:a="http://schemas.openxmlformats.org/drawingml/2006/main" xmlns:r="http://schemas.openxmlformats.org/officeDocument/2006/relationships" xmlns:p="http://schemas.openxmlformats.org/presentationml/2006/main" showMasterSp="0" showMasterPhAnim="0">
   <p:cSld>
     <p:spTree>
       <p:nvGrpSpPr>
-        <p:cNvPr id="129" name="Shape 129"/>
+        <p:cNvPr id="1" name="Shape 129"/>
         <p:cNvGrpSpPr/>
         <p:nvPr/>
       </p:nvGrpSpPr>
@@ -1690,9 +1779,11 @@
       <p:sp>
         <p:nvSpPr>
           <p:cNvPr id="130" name="Google Shape;130;p8:notes"/>
-          <p:cNvSpPr txBox="1"/>
+          <p:cNvSpPr txBox="1">
+            <a:spLocks noGrp="1"/>
+          </p:cNvSpPr>
           <p:nvPr>
-            <p:ph idx="1" type="body"/>
+            <p:ph type="body" idx="1"/>
           </p:nvPr>
         </p:nvSpPr>
         <p:spPr>
@@ -1705,12 +1796,12 @@
           </a:prstGeom>
         </p:spPr>
         <p:txBody>
-          <a:bodyPr anchorCtr="0" anchor="t" bIns="91425" lIns="91425" spcFirstLastPara="1" rIns="91425" wrap="square" tIns="91425">
+          <a:bodyPr spcFirstLastPara="1" wrap="square" lIns="91425" tIns="91425" rIns="91425" bIns="91425" anchor="t" anchorCtr="0">
             <a:noAutofit/>
           </a:bodyPr>
           <a:lstStyle/>
           <a:p>
-            <a:pPr indent="0" lvl="0" marL="0" rtl="0" algn="l">
+            <a:pPr marL="0" lvl="0" indent="0" algn="l" rtl="0">
               <a:spcBef>
                 <a:spcPts val="0"/>
               </a:spcBef>
@@ -1719,9 +1810,6 @@
               </a:spcAft>
               <a:buNone/>
             </a:pPr>
-            <a:r>
-              <a:t/>
-            </a:r>
             <a:endParaRPr/>
           </a:p>
         </p:txBody>
@@ -1729,9 +1817,11 @@
       <p:sp>
         <p:nvSpPr>
           <p:cNvPr id="131" name="Google Shape;131;p8:notes"/>
-          <p:cNvSpPr/>
+          <p:cNvSpPr>
+            <a:spLocks noGrp="1" noRot="1" noChangeAspect="1"/>
+          </p:cNvSpPr>
           <p:nvPr>
-            <p:ph idx="2" type="sldImg"/>
+            <p:ph type="sldImg" idx="2"/>
           </p:nvPr>
         </p:nvSpPr>
         <p:spPr>
@@ -1740,9 +1830,13 @@
             <a:ext cx="6096300" cy="3429000"/>
           </a:xfrm>
           <a:custGeom>
-            <a:rect b="b" l="l" r="r" t="t"/>
+            <a:avLst/>
+            <a:gdLst/>
+            <a:ahLst/>
+            <a:cxnLst/>
+            <a:rect l="l" t="t" r="r" b="b"/>
             <a:pathLst>
-              <a:path extrusionOk="0" h="120000" w="120000">
+              <a:path w="120000" h="120000" extrusionOk="0">
                 <a:moveTo>
                   <a:pt x="0" y="0"/>
                 </a:moveTo>
@@ -1770,11 +1864,11 @@
 </file>
 
 <file path=ppt/notesSlides/notesSlide9.xml><?xml version="1.0" encoding="utf-8"?>
-<p:notes xmlns:a="http://schemas.openxmlformats.org/drawingml/2006/main" xmlns:r="http://schemas.openxmlformats.org/officeDocument/2006/relationships" xmlns:mc="http://schemas.openxmlformats.org/markup-compatibility/2006" xmlns:mv="urn:schemas-microsoft-com:mac:vml" xmlns:p="http://schemas.openxmlformats.org/presentationml/2006/main" xmlns:c="http://schemas.openxmlformats.org/drawingml/2006/chart" xmlns:dgm="http://schemas.openxmlformats.org/drawingml/2006/diagram" xmlns:o="urn:schemas-microsoft-com:office:office" xmlns:v="urn:schemas-microsoft-com:vml" xmlns:pvml="urn:schemas-microsoft-com:office:powerpoint" xmlns:com="http://schemas.openxmlformats.org/drawingml/2006/compatibility" xmlns:p14="http://schemas.microsoft.com/office/powerpoint/2010/main" xmlns:p15="http://schemas.microsoft.com/office/powerpoint/2012/main" showMasterPhAnim="0" showMasterSp="0">
+<p:notes xmlns:a="http://schemas.openxmlformats.org/drawingml/2006/main" xmlns:r="http://schemas.openxmlformats.org/officeDocument/2006/relationships" xmlns:p="http://schemas.openxmlformats.org/presentationml/2006/main" showMasterSp="0" showMasterPhAnim="0">
   <p:cSld>
     <p:spTree>
       <p:nvGrpSpPr>
-        <p:cNvPr id="135" name="Shape 135"/>
+        <p:cNvPr id="1" name="Shape 135"/>
         <p:cNvGrpSpPr/>
         <p:nvPr/>
       </p:nvGrpSpPr>
@@ -1789,9 +1883,11 @@
       <p:sp>
         <p:nvSpPr>
           <p:cNvPr id="136" name="Google Shape;136;p9:notes"/>
-          <p:cNvSpPr txBox="1"/>
+          <p:cNvSpPr txBox="1">
+            <a:spLocks noGrp="1"/>
+          </p:cNvSpPr>
           <p:nvPr>
-            <p:ph idx="1" type="body"/>
+            <p:ph type="body" idx="1"/>
           </p:nvPr>
         </p:nvSpPr>
         <p:spPr>
@@ -1804,12 +1900,12 @@
           </a:prstGeom>
         </p:spPr>
         <p:txBody>
-          <a:bodyPr anchorCtr="0" anchor="t" bIns="91425" lIns="91425" spcFirstLastPara="1" rIns="91425" wrap="square" tIns="91425">
+          <a:bodyPr spcFirstLastPara="1" wrap="square" lIns="91425" tIns="91425" rIns="91425" bIns="91425" anchor="t" anchorCtr="0">
             <a:noAutofit/>
           </a:bodyPr>
           <a:lstStyle/>
           <a:p>
-            <a:pPr indent="0" lvl="0" marL="0" rtl="0" algn="l">
+            <a:pPr marL="0" lvl="0" indent="0" algn="l" rtl="0">
               <a:spcBef>
                 <a:spcPts val="0"/>
               </a:spcBef>
@@ -1818,9 +1914,6 @@
               </a:spcAft>
               <a:buNone/>
             </a:pPr>
-            <a:r>
-              <a:t/>
-            </a:r>
             <a:endParaRPr/>
           </a:p>
         </p:txBody>
@@ -1828,9 +1921,11 @@
       <p:sp>
         <p:nvSpPr>
           <p:cNvPr id="137" name="Google Shape;137;p9:notes"/>
-          <p:cNvSpPr/>
+          <p:cNvSpPr>
+            <a:spLocks noGrp="1" noRot="1" noChangeAspect="1"/>
+          </p:cNvSpPr>
           <p:nvPr>
-            <p:ph idx="2" type="sldImg"/>
+            <p:ph type="sldImg" idx="2"/>
           </p:nvPr>
         </p:nvSpPr>
         <p:spPr>
@@ -1839,9 +1934,13 @@
             <a:ext cx="6096300" cy="3429000"/>
           </a:xfrm>
           <a:custGeom>
-            <a:rect b="b" l="l" r="r" t="t"/>
+            <a:avLst/>
+            <a:gdLst/>
+            <a:ahLst/>
+            <a:cxnLst/>
+            <a:rect l="l" t="t" r="r" b="b"/>
             <a:pathLst>
-              <a:path extrusionOk="0" h="120000" w="120000">
+              <a:path w="120000" h="120000" extrusionOk="0">
                 <a:moveTo>
                   <a:pt x="0" y="0"/>
                 </a:moveTo>
@@ -1869,11 +1968,11 @@
 </file>
 
 <file path=ppt/slideLayouts/slideLayout1.xml><?xml version="1.0" encoding="utf-8"?>
-<p:sldLayout xmlns:a="http://schemas.openxmlformats.org/drawingml/2006/main" xmlns:r="http://schemas.openxmlformats.org/officeDocument/2006/relationships" xmlns:mc="http://schemas.openxmlformats.org/markup-compatibility/2006" xmlns:mv="urn:schemas-microsoft-com:mac:vml" xmlns:p="http://schemas.openxmlformats.org/presentationml/2006/main" xmlns:c="http://schemas.openxmlformats.org/drawingml/2006/chart" xmlns:dgm="http://schemas.openxmlformats.org/drawingml/2006/diagram" xmlns:o="urn:schemas-microsoft-com:office:office" xmlns:v="urn:schemas-microsoft-com:vml" xmlns:pvml="urn:schemas-microsoft-com:office:powerpoint" xmlns:com="http://schemas.openxmlformats.org/drawingml/2006/compatibility" xmlns:p14="http://schemas.microsoft.com/office/powerpoint/2010/main" xmlns:p15="http://schemas.microsoft.com/office/powerpoint/2012/main" matchingName="Title + 1 column" type="tx">
+<p:sldLayout xmlns:a="http://schemas.openxmlformats.org/drawingml/2006/main" xmlns:r="http://schemas.openxmlformats.org/officeDocument/2006/relationships" xmlns:p="http://schemas.openxmlformats.org/presentationml/2006/main" matchingName="Title + 1 column" type="tx">
   <p:cSld name="TITLE_AND_BODY">
     <p:spTree>
       <p:nvGrpSpPr>
-        <p:cNvPr id="33" name="Shape 33"/>
+        <p:cNvPr id="1" name="Shape 33"/>
         <p:cNvGrpSpPr/>
         <p:nvPr/>
       </p:nvGrpSpPr>
@@ -1888,7 +1987,9 @@
       <p:sp>
         <p:nvSpPr>
           <p:cNvPr id="34" name="Google Shape;34;p2"/>
-          <p:cNvSpPr txBox="1"/>
+          <p:cNvSpPr txBox="1">
+            <a:spLocks noGrp="1"/>
+          </p:cNvSpPr>
           <p:nvPr>
             <p:ph type="title"/>
           </p:nvPr>
@@ -1907,7 +2008,7 @@
           </a:ln>
         </p:spPr>
         <p:txBody>
-          <a:bodyPr anchorCtr="0" anchor="b" bIns="91425" lIns="91425" spcFirstLastPara="1" rIns="91425" wrap="square" tIns="91425"/>
+          <a:bodyPr spcFirstLastPara="1" wrap="square" lIns="91425" tIns="91425" rIns="91425" bIns="91425" anchor="b" anchorCtr="0"/>
           <a:lstStyle>
             <a:lvl1pPr lvl="0" algn="ctr">
               <a:lnSpc>
@@ -2036,15 +2137,19 @@
               <a:defRPr/>
             </a:lvl9pPr>
           </a:lstStyle>
-          <a:p/>
+          <a:p>
+            <a:endParaRPr/>
+          </a:p>
         </p:txBody>
       </p:sp>
       <p:sp>
         <p:nvSpPr>
           <p:cNvPr id="35" name="Google Shape;35;p2"/>
-          <p:cNvSpPr txBox="1"/>
+          <p:cNvSpPr txBox="1">
+            <a:spLocks noGrp="1"/>
+          </p:cNvSpPr>
           <p:nvPr>
-            <p:ph idx="1" type="body"/>
+            <p:ph type="body" idx="1"/>
           </p:nvPr>
         </p:nvSpPr>
         <p:spPr>
@@ -2061,9 +2166,9 @@
           </a:ln>
         </p:spPr>
         <p:txBody>
-          <a:bodyPr anchorCtr="0" anchor="t" bIns="91425" lIns="91425" spcFirstLastPara="1" rIns="91425" wrap="square" tIns="91425"/>
+          <a:bodyPr spcFirstLastPara="1" wrap="square" lIns="91425" tIns="91425" rIns="91425" bIns="91425" anchor="t" anchorCtr="0"/>
           <a:lstStyle>
-            <a:lvl1pPr indent="-355600" lvl="0" marL="457200" algn="l">
+            <a:lvl1pPr marL="457200" lvl="0" indent="-355600" algn="l">
               <a:lnSpc>
                 <a:spcPct val="100000"/>
               </a:lnSpc>
@@ -2077,7 +2182,7 @@
               <a:buChar char="◉"/>
               <a:defRPr/>
             </a:lvl1pPr>
-            <a:lvl2pPr indent="-342900" lvl="1" marL="914400" algn="l">
+            <a:lvl2pPr marL="914400" lvl="1" indent="-342900" algn="l">
               <a:lnSpc>
                 <a:spcPct val="100000"/>
               </a:lnSpc>
@@ -2091,7 +2196,7 @@
               <a:buChar char="◉"/>
               <a:defRPr/>
             </a:lvl2pPr>
-            <a:lvl3pPr indent="-342900" lvl="2" marL="1371600" algn="l">
+            <a:lvl3pPr marL="1371600" lvl="2" indent="-342900" algn="l">
               <a:lnSpc>
                 <a:spcPct val="100000"/>
               </a:lnSpc>
@@ -2105,7 +2210,7 @@
               <a:buChar char="■"/>
               <a:defRPr/>
             </a:lvl3pPr>
-            <a:lvl4pPr indent="-342900" lvl="3" marL="1828800" algn="l">
+            <a:lvl4pPr marL="1828800" lvl="3" indent="-342900" algn="l">
               <a:lnSpc>
                 <a:spcPct val="100000"/>
               </a:lnSpc>
@@ -2119,7 +2224,7 @@
               <a:buChar char="●"/>
               <a:defRPr/>
             </a:lvl4pPr>
-            <a:lvl5pPr indent="-342900" lvl="4" marL="2286000" algn="l">
+            <a:lvl5pPr marL="2286000" lvl="4" indent="-342900" algn="l">
               <a:lnSpc>
                 <a:spcPct val="100000"/>
               </a:lnSpc>
@@ -2133,7 +2238,7 @@
               <a:buChar char="○"/>
               <a:defRPr/>
             </a:lvl5pPr>
-            <a:lvl6pPr indent="-342900" lvl="5" marL="2743200" algn="l">
+            <a:lvl6pPr marL="2743200" lvl="5" indent="-342900" algn="l">
               <a:lnSpc>
                 <a:spcPct val="100000"/>
               </a:lnSpc>
@@ -2147,7 +2252,7 @@
               <a:buChar char="■"/>
               <a:defRPr/>
             </a:lvl6pPr>
-            <a:lvl7pPr indent="-342900" lvl="6" marL="3200400" algn="l">
+            <a:lvl7pPr marL="3200400" lvl="6" indent="-342900" algn="l">
               <a:lnSpc>
                 <a:spcPct val="100000"/>
               </a:lnSpc>
@@ -2161,7 +2266,7 @@
               <a:buChar char="●"/>
               <a:defRPr/>
             </a:lvl7pPr>
-            <a:lvl8pPr indent="-342900" lvl="7" marL="3657600" algn="l">
+            <a:lvl8pPr marL="3657600" lvl="7" indent="-342900" algn="l">
               <a:lnSpc>
                 <a:spcPct val="100000"/>
               </a:lnSpc>
@@ -2175,7 +2280,7 @@
               <a:buChar char="○"/>
               <a:defRPr/>
             </a:lvl8pPr>
-            <a:lvl9pPr indent="-342900" lvl="8" marL="4114800" algn="l">
+            <a:lvl9pPr marL="4114800" lvl="8" indent="-342900" algn="l">
               <a:lnSpc>
                 <a:spcPct val="100000"/>
               </a:lnSpc>
@@ -2190,7 +2295,9 @@
               <a:defRPr/>
             </a:lvl9pPr>
           </a:lstStyle>
-          <a:p/>
+          <a:p>
+            <a:endParaRPr/>
+          </a:p>
         </p:txBody>
       </p:sp>
       <p:sp>
@@ -2205,9 +2312,13 @@
             <a:ext cx="9191625" cy="712478"/>
           </a:xfrm>
           <a:custGeom>
-            <a:rect b="b" l="l" r="r" t="t"/>
+            <a:avLst/>
+            <a:gdLst/>
+            <a:ahLst/>
+            <a:cxnLst/>
+            <a:rect l="l" t="t" r="r" b="b"/>
             <a:pathLst>
-              <a:path extrusionOk="0" h="41339" w="367665">
+              <a:path w="367665" h="41339" extrusionOk="0">
                 <a:moveTo>
                   <a:pt x="381" y="381"/>
                 </a:moveTo>
@@ -2309,9 +2420,13 @@
             <a:ext cx="9191625" cy="584439"/>
           </a:xfrm>
           <a:custGeom>
-            <a:rect b="b" l="l" r="r" t="t"/>
+            <a:avLst/>
+            <a:gdLst/>
+            <a:ahLst/>
+            <a:cxnLst/>
+            <a:rect l="l" t="t" r="r" b="b"/>
             <a:pathLst>
-              <a:path extrusionOk="0" h="33910" w="367665">
+              <a:path w="367665" h="33910" extrusionOk="0">
                 <a:moveTo>
                   <a:pt x="381" y="8001"/>
                 </a:moveTo>
@@ -2414,7 +2529,7 @@
           </a:xfrm>
           <a:prstGeom prst="teardrop">
             <a:avLst>
-              <a:gd fmla="val 100000" name="adj"/>
+              <a:gd name="adj" fmla="val 100000"/>
             </a:avLst>
           </a:prstGeom>
           <a:solidFill>
@@ -2425,12 +2540,12 @@
           </a:ln>
         </p:spPr>
         <p:txBody>
-          <a:bodyPr anchorCtr="0" anchor="ctr" bIns="91425" lIns="91425" spcFirstLastPara="1" rIns="91425" wrap="square" tIns="91425">
+          <a:bodyPr spcFirstLastPara="1" wrap="square" lIns="91425" tIns="91425" rIns="91425" bIns="91425" anchor="ctr" anchorCtr="0">
             <a:noAutofit/>
           </a:bodyPr>
           <a:lstStyle/>
           <a:p>
-            <a:pPr indent="0" lvl="0" marL="0" marR="0" rtl="0" algn="l">
+            <a:pPr marL="0" marR="0" lvl="0" indent="0" algn="l" rtl="0">
               <a:lnSpc>
                 <a:spcPct val="100000"/>
               </a:lnSpc>
@@ -2447,10 +2562,7 @@
               <a:buFont typeface="Arial"/>
               <a:buNone/>
             </a:pPr>
-            <a:r>
-              <a:t/>
-            </a:r>
-            <a:endParaRPr b="0" i="0" sz="1400" u="none" cap="none" strike="noStrike">
+            <a:endParaRPr sz="1400" b="0" i="0" u="none" strike="noStrike" cap="none">
               <a:solidFill>
                 <a:srgbClr val="000000"/>
               </a:solidFill>
@@ -2475,27 +2587,27 @@
           </a:xfrm>
           <a:prstGeom prst="teardrop">
             <a:avLst>
-              <a:gd fmla="val 100000" name="adj"/>
+              <a:gd name="adj" fmla="val 100000"/>
             </a:avLst>
           </a:prstGeom>
           <a:noFill/>
-          <a:ln cap="flat" cmpd="sng" w="28575">
+          <a:ln w="28575" cap="flat" cmpd="sng">
             <a:solidFill>
               <a:srgbClr val="00CEF6"/>
             </a:solidFill>
             <a:prstDash val="solid"/>
             <a:round/>
-            <a:headEnd len="sm" w="sm" type="none"/>
-            <a:tailEnd len="sm" w="sm" type="none"/>
+            <a:headEnd type="none" w="sm" len="sm"/>
+            <a:tailEnd type="none" w="sm" len="sm"/>
           </a:ln>
         </p:spPr>
         <p:txBody>
-          <a:bodyPr anchorCtr="0" anchor="ctr" bIns="91425" lIns="91425" spcFirstLastPara="1" rIns="91425" wrap="square" tIns="91425">
+          <a:bodyPr spcFirstLastPara="1" wrap="square" lIns="91425" tIns="91425" rIns="91425" bIns="91425" anchor="ctr" anchorCtr="0">
             <a:noAutofit/>
           </a:bodyPr>
           <a:lstStyle/>
           <a:p>
-            <a:pPr indent="0" lvl="0" marL="0" marR="0" rtl="0" algn="l">
+            <a:pPr marL="0" marR="0" lvl="0" indent="0" algn="l" rtl="0">
               <a:lnSpc>
                 <a:spcPct val="100000"/>
               </a:lnSpc>
@@ -2512,10 +2624,7 @@
               <a:buFont typeface="Arial"/>
               <a:buNone/>
             </a:pPr>
-            <a:r>
-              <a:t/>
-            </a:r>
-            <a:endParaRPr b="0" i="0" sz="1400" u="none" cap="none" strike="noStrike">
+            <a:endParaRPr sz="1400" b="0" i="0" u="none" strike="noStrike" cap="none">
               <a:solidFill>
                 <a:srgbClr val="000000"/>
               </a:solidFill>
@@ -2540,7 +2649,7 @@
           </a:xfrm>
           <a:prstGeom prst="teardrop">
             <a:avLst>
-              <a:gd fmla="val 100000" name="adj"/>
+              <a:gd name="adj" fmla="val 100000"/>
             </a:avLst>
           </a:prstGeom>
           <a:solidFill>
@@ -2551,12 +2660,12 @@
           </a:ln>
         </p:spPr>
         <p:txBody>
-          <a:bodyPr anchorCtr="0" anchor="ctr" bIns="91425" lIns="91425" spcFirstLastPara="1" rIns="91425" wrap="square" tIns="91425">
+          <a:bodyPr spcFirstLastPara="1" wrap="square" lIns="91425" tIns="91425" rIns="91425" bIns="91425" anchor="ctr" anchorCtr="0">
             <a:noAutofit/>
           </a:bodyPr>
           <a:lstStyle/>
           <a:p>
-            <a:pPr indent="0" lvl="0" marL="0" marR="0" rtl="0" algn="l">
+            <a:pPr marL="0" marR="0" lvl="0" indent="0" algn="l" rtl="0">
               <a:lnSpc>
                 <a:spcPct val="100000"/>
               </a:lnSpc>
@@ -2573,10 +2682,7 @@
               <a:buFont typeface="Arial"/>
               <a:buNone/>
             </a:pPr>
-            <a:r>
-              <a:t/>
-            </a:r>
-            <a:endParaRPr b="0" i="0" sz="1400" u="none" cap="none" strike="noStrike">
+            <a:endParaRPr sz="1400" b="0" i="0" u="none" strike="noStrike" cap="none">
               <a:solidFill>
                 <a:srgbClr val="000000"/>
               </a:solidFill>
@@ -2614,9 +2720,13 @@
               <a:ext cx="4205300" cy="476250"/>
             </a:xfrm>
             <a:custGeom>
-              <a:rect b="b" l="l" r="r" t="t"/>
+              <a:avLst/>
+              <a:gdLst/>
+              <a:ahLst/>
+              <a:cxnLst/>
+              <a:rect l="l" t="t" r="r" b="b"/>
               <a:pathLst>
-                <a:path extrusionOk="0" h="19050" w="168212">
+                <a:path w="168212" h="19050" extrusionOk="0">
                   <a:moveTo>
                     <a:pt x="0" y="1715"/>
                   </a:moveTo>
@@ -2657,14 +2767,14 @@
               </a:pathLst>
             </a:custGeom>
             <a:noFill/>
-            <a:ln cap="flat" cmpd="sng" w="9525">
+            <a:ln w="9525" cap="flat" cmpd="sng">
               <a:solidFill>
                 <a:srgbClr val="3C78D8"/>
               </a:solidFill>
               <a:prstDash val="solid"/>
               <a:round/>
-              <a:headEnd len="sm" w="sm" type="none"/>
-              <a:tailEnd len="sm" w="sm" type="none"/>
+              <a:headEnd type="none" w="sm" len="sm"/>
+              <a:tailEnd type="none" w="sm" len="sm"/>
             </a:ln>
           </p:spPr>
         </p:sp>
@@ -2680,9 +2790,13 @@
               <a:ext cx="3424225" cy="590550"/>
             </a:xfrm>
             <a:custGeom>
-              <a:rect b="b" l="l" r="r" t="t"/>
+              <a:avLst/>
+              <a:gdLst/>
+              <a:ahLst/>
+              <a:cxnLst/>
+              <a:rect l="l" t="t" r="r" b="b"/>
               <a:pathLst>
-                <a:path extrusionOk="0" h="23622" w="136969">
+                <a:path w="136969" h="23622" extrusionOk="0">
                   <a:moveTo>
                     <a:pt x="0" y="20955"/>
                   </a:moveTo>
@@ -2717,14 +2831,14 @@
               </a:pathLst>
             </a:custGeom>
             <a:noFill/>
-            <a:ln cap="flat" cmpd="sng" w="9525">
+            <a:ln w="9525" cap="flat" cmpd="sng">
               <a:solidFill>
                 <a:srgbClr val="3C78D8"/>
               </a:solidFill>
               <a:prstDash val="solid"/>
               <a:round/>
-              <a:headEnd len="sm" w="sm" type="none"/>
-              <a:tailEnd len="sm" w="sm" type="none"/>
+              <a:headEnd type="none" w="sm" len="sm"/>
+              <a:tailEnd type="none" w="sm" len="sm"/>
             </a:ln>
           </p:spPr>
         </p:sp>
@@ -2740,9 +2854,13 @@
               <a:ext cx="1533525" cy="414325"/>
             </a:xfrm>
             <a:custGeom>
-              <a:rect b="b" l="l" r="r" t="t"/>
+              <a:avLst/>
+              <a:gdLst/>
+              <a:ahLst/>
+              <a:cxnLst/>
+              <a:rect l="l" t="t" r="r" b="b"/>
               <a:pathLst>
-                <a:path extrusionOk="0" h="16573" w="61341">
+                <a:path w="61341" h="16573" extrusionOk="0">
                   <a:moveTo>
                     <a:pt x="0" y="0"/>
                   </a:moveTo>
@@ -2762,14 +2880,14 @@
               </a:pathLst>
             </a:custGeom>
             <a:noFill/>
-            <a:ln cap="flat" cmpd="sng" w="9525">
+            <a:ln w="9525" cap="flat" cmpd="sng">
               <a:solidFill>
                 <a:srgbClr val="3C78D8"/>
               </a:solidFill>
               <a:prstDash val="solid"/>
               <a:round/>
-              <a:headEnd len="sm" w="sm" type="none"/>
-              <a:tailEnd len="sm" w="sm" type="none"/>
+              <a:headEnd type="none" w="sm" len="sm"/>
+              <a:tailEnd type="none" w="sm" len="sm"/>
             </a:ln>
           </p:spPr>
         </p:sp>
@@ -2810,12 +2928,12 @@
             </a:ln>
           </p:spPr>
           <p:txBody>
-            <a:bodyPr anchorCtr="0" anchor="ctr" bIns="91425" lIns="91425" spcFirstLastPara="1" rIns="91425" wrap="square" tIns="91425">
+            <a:bodyPr spcFirstLastPara="1" wrap="square" lIns="91425" tIns="91425" rIns="91425" bIns="91425" anchor="ctr" anchorCtr="0">
               <a:noAutofit/>
             </a:bodyPr>
             <a:lstStyle/>
             <a:p>
-              <a:pPr indent="0" lvl="0" marL="0" marR="0" rtl="0" algn="l">
+              <a:pPr marL="0" marR="0" lvl="0" indent="0" algn="l" rtl="0">
                 <a:lnSpc>
                   <a:spcPct val="100000"/>
                 </a:lnSpc>
@@ -2832,10 +2950,7 @@
                 <a:buFont typeface="Arial"/>
                 <a:buNone/>
               </a:pPr>
-              <a:r>
-                <a:t/>
-              </a:r>
-              <a:endParaRPr b="0" i="0" sz="1400" u="none" cap="none" strike="noStrike">
+              <a:endParaRPr sz="1400" b="0" i="0" u="none" strike="noStrike" cap="none">
                 <a:solidFill>
                   <a:srgbClr val="000000"/>
                 </a:solidFill>
@@ -2869,12 +2984,12 @@
             </a:ln>
           </p:spPr>
           <p:txBody>
-            <a:bodyPr anchorCtr="0" anchor="ctr" bIns="91425" lIns="91425" spcFirstLastPara="1" rIns="91425" wrap="square" tIns="91425">
+            <a:bodyPr spcFirstLastPara="1" wrap="square" lIns="91425" tIns="91425" rIns="91425" bIns="91425" anchor="ctr" anchorCtr="0">
               <a:noAutofit/>
             </a:bodyPr>
             <a:lstStyle/>
             <a:p>
-              <a:pPr indent="0" lvl="0" marL="0" marR="0" rtl="0" algn="l">
+              <a:pPr marL="0" marR="0" lvl="0" indent="0" algn="l" rtl="0">
                 <a:lnSpc>
                   <a:spcPct val="100000"/>
                 </a:lnSpc>
@@ -2891,10 +3006,7 @@
                 <a:buFont typeface="Arial"/>
                 <a:buNone/>
               </a:pPr>
-              <a:r>
-                <a:t/>
-              </a:r>
-              <a:endParaRPr b="0" i="0" sz="1400" u="none" cap="none" strike="noStrike">
+              <a:endParaRPr sz="1400" b="0" i="0" u="none" strike="noStrike" cap="none">
                 <a:solidFill>
                   <a:srgbClr val="000000"/>
                 </a:solidFill>
@@ -2928,12 +3040,12 @@
             </a:ln>
           </p:spPr>
           <p:txBody>
-            <a:bodyPr anchorCtr="0" anchor="ctr" bIns="91425" lIns="91425" spcFirstLastPara="1" rIns="91425" wrap="square" tIns="91425">
+            <a:bodyPr spcFirstLastPara="1" wrap="square" lIns="91425" tIns="91425" rIns="91425" bIns="91425" anchor="ctr" anchorCtr="0">
               <a:noAutofit/>
             </a:bodyPr>
             <a:lstStyle/>
             <a:p>
-              <a:pPr indent="0" lvl="0" marL="0" marR="0" rtl="0" algn="l">
+              <a:pPr marL="0" marR="0" lvl="0" indent="0" algn="l" rtl="0">
                 <a:lnSpc>
                   <a:spcPct val="100000"/>
                 </a:lnSpc>
@@ -2950,10 +3062,7 @@
                 <a:buFont typeface="Arial"/>
                 <a:buNone/>
               </a:pPr>
-              <a:r>
-                <a:t/>
-              </a:r>
-              <a:endParaRPr b="0" i="0" sz="1400" u="none" cap="none" strike="noStrike">
+              <a:endParaRPr sz="1400" b="0" i="0" u="none" strike="noStrike" cap="none">
                 <a:solidFill>
                   <a:srgbClr val="000000"/>
                 </a:solidFill>
@@ -2987,12 +3096,12 @@
             </a:ln>
           </p:spPr>
           <p:txBody>
-            <a:bodyPr anchorCtr="0" anchor="ctr" bIns="91425" lIns="91425" spcFirstLastPara="1" rIns="91425" wrap="square" tIns="91425">
+            <a:bodyPr spcFirstLastPara="1" wrap="square" lIns="91425" tIns="91425" rIns="91425" bIns="91425" anchor="ctr" anchorCtr="0">
               <a:noAutofit/>
             </a:bodyPr>
             <a:lstStyle/>
             <a:p>
-              <a:pPr indent="0" lvl="0" marL="0" marR="0" rtl="0" algn="l">
+              <a:pPr marL="0" marR="0" lvl="0" indent="0" algn="l" rtl="0">
                 <a:lnSpc>
                   <a:spcPct val="100000"/>
                 </a:lnSpc>
@@ -3009,10 +3118,7 @@
                 <a:buFont typeface="Arial"/>
                 <a:buNone/>
               </a:pPr>
-              <a:r>
-                <a:t/>
-              </a:r>
-              <a:endParaRPr b="0" i="0" sz="1400" u="none" cap="none" strike="noStrike">
+              <a:endParaRPr sz="1400" b="0" i="0" u="none" strike="noStrike" cap="none">
                 <a:solidFill>
                   <a:srgbClr val="000000"/>
                 </a:solidFill>
@@ -3046,12 +3152,12 @@
             </a:ln>
           </p:spPr>
           <p:txBody>
-            <a:bodyPr anchorCtr="0" anchor="ctr" bIns="91425" lIns="91425" spcFirstLastPara="1" rIns="91425" wrap="square" tIns="91425">
+            <a:bodyPr spcFirstLastPara="1" wrap="square" lIns="91425" tIns="91425" rIns="91425" bIns="91425" anchor="ctr" anchorCtr="0">
               <a:noAutofit/>
             </a:bodyPr>
             <a:lstStyle/>
             <a:p>
-              <a:pPr indent="0" lvl="0" marL="0" marR="0" rtl="0" algn="l">
+              <a:pPr marL="0" marR="0" lvl="0" indent="0" algn="l" rtl="0">
                 <a:lnSpc>
                   <a:spcPct val="100000"/>
                 </a:lnSpc>
@@ -3068,10 +3174,7 @@
                 <a:buFont typeface="Arial"/>
                 <a:buNone/>
               </a:pPr>
-              <a:r>
-                <a:t/>
-              </a:r>
-              <a:endParaRPr b="0" i="0" sz="1400" u="none" cap="none" strike="noStrike">
+              <a:endParaRPr sz="1400" b="0" i="0" u="none" strike="noStrike" cap="none">
                 <a:solidFill>
                   <a:srgbClr val="000000"/>
                 </a:solidFill>
@@ -3105,12 +3208,12 @@
             </a:ln>
           </p:spPr>
           <p:txBody>
-            <a:bodyPr anchorCtr="0" anchor="ctr" bIns="91425" lIns="91425" spcFirstLastPara="1" rIns="91425" wrap="square" tIns="91425">
+            <a:bodyPr spcFirstLastPara="1" wrap="square" lIns="91425" tIns="91425" rIns="91425" bIns="91425" anchor="ctr" anchorCtr="0">
               <a:noAutofit/>
             </a:bodyPr>
             <a:lstStyle/>
             <a:p>
-              <a:pPr indent="0" lvl="0" marL="0" marR="0" rtl="0" algn="l">
+              <a:pPr marL="0" marR="0" lvl="0" indent="0" algn="l" rtl="0">
                 <a:lnSpc>
                   <a:spcPct val="100000"/>
                 </a:lnSpc>
@@ -3127,10 +3230,7 @@
                 <a:buFont typeface="Arial"/>
                 <a:buNone/>
               </a:pPr>
-              <a:r>
-                <a:t/>
-              </a:r>
-              <a:endParaRPr b="0" i="0" sz="1400" u="none" cap="none" strike="noStrike">
+              <a:endParaRPr sz="1400" b="0" i="0" u="none" strike="noStrike" cap="none">
                 <a:solidFill>
                   <a:srgbClr val="000000"/>
                 </a:solidFill>
@@ -3164,12 +3264,12 @@
             </a:ln>
           </p:spPr>
           <p:txBody>
-            <a:bodyPr anchorCtr="0" anchor="ctr" bIns="91425" lIns="91425" spcFirstLastPara="1" rIns="91425" wrap="square" tIns="91425">
+            <a:bodyPr spcFirstLastPara="1" wrap="square" lIns="91425" tIns="91425" rIns="91425" bIns="91425" anchor="ctr" anchorCtr="0">
               <a:noAutofit/>
             </a:bodyPr>
             <a:lstStyle/>
             <a:p>
-              <a:pPr indent="0" lvl="0" marL="0" marR="0" rtl="0" algn="l">
+              <a:pPr marL="0" marR="0" lvl="0" indent="0" algn="l" rtl="0">
                 <a:lnSpc>
                   <a:spcPct val="100000"/>
                 </a:lnSpc>
@@ -3186,10 +3286,7 @@
                 <a:buFont typeface="Arial"/>
                 <a:buNone/>
               </a:pPr>
-              <a:r>
-                <a:t/>
-              </a:r>
-              <a:endParaRPr b="0" i="0" sz="1400" u="none" cap="none" strike="noStrike">
+              <a:endParaRPr sz="1400" b="0" i="0" u="none" strike="noStrike" cap="none">
                 <a:solidFill>
                   <a:srgbClr val="000000"/>
                 </a:solidFill>
@@ -3223,12 +3320,12 @@
             </a:ln>
           </p:spPr>
           <p:txBody>
-            <a:bodyPr anchorCtr="0" anchor="ctr" bIns="91425" lIns="91425" spcFirstLastPara="1" rIns="91425" wrap="square" tIns="91425">
+            <a:bodyPr spcFirstLastPara="1" wrap="square" lIns="91425" tIns="91425" rIns="91425" bIns="91425" anchor="ctr" anchorCtr="0">
               <a:noAutofit/>
             </a:bodyPr>
             <a:lstStyle/>
             <a:p>
-              <a:pPr indent="0" lvl="0" marL="0" marR="0" rtl="0" algn="l">
+              <a:pPr marL="0" marR="0" lvl="0" indent="0" algn="l" rtl="0">
                 <a:lnSpc>
                   <a:spcPct val="100000"/>
                 </a:lnSpc>
@@ -3245,10 +3342,7 @@
                 <a:buFont typeface="Arial"/>
                 <a:buNone/>
               </a:pPr>
-              <a:r>
-                <a:t/>
-              </a:r>
-              <a:endParaRPr b="0" i="0" sz="1400" u="none" cap="none" strike="noStrike">
+              <a:endParaRPr sz="1400" b="0" i="0" u="none" strike="noStrike" cap="none">
                 <a:solidFill>
                   <a:srgbClr val="000000"/>
                 </a:solidFill>
@@ -3282,12 +3376,12 @@
             </a:ln>
           </p:spPr>
           <p:txBody>
-            <a:bodyPr anchorCtr="0" anchor="ctr" bIns="91425" lIns="91425" spcFirstLastPara="1" rIns="91425" wrap="square" tIns="91425">
+            <a:bodyPr spcFirstLastPara="1" wrap="square" lIns="91425" tIns="91425" rIns="91425" bIns="91425" anchor="ctr" anchorCtr="0">
               <a:noAutofit/>
             </a:bodyPr>
             <a:lstStyle/>
             <a:p>
-              <a:pPr indent="0" lvl="0" marL="0" marR="0" rtl="0" algn="l">
+              <a:pPr marL="0" marR="0" lvl="0" indent="0" algn="l" rtl="0">
                 <a:lnSpc>
                   <a:spcPct val="100000"/>
                 </a:lnSpc>
@@ -3304,10 +3398,7 @@
                 <a:buFont typeface="Arial"/>
                 <a:buNone/>
               </a:pPr>
-              <a:r>
-                <a:t/>
-              </a:r>
-              <a:endParaRPr b="0" i="0" sz="1400" u="none" cap="none" strike="noStrike">
+              <a:endParaRPr sz="1400" b="0" i="0" u="none" strike="noStrike" cap="none">
                 <a:solidFill>
                   <a:srgbClr val="000000"/>
                 </a:solidFill>
@@ -3341,12 +3432,12 @@
             </a:ln>
           </p:spPr>
           <p:txBody>
-            <a:bodyPr anchorCtr="0" anchor="ctr" bIns="91425" lIns="91425" spcFirstLastPara="1" rIns="91425" wrap="square" tIns="91425">
+            <a:bodyPr spcFirstLastPara="1" wrap="square" lIns="91425" tIns="91425" rIns="91425" bIns="91425" anchor="ctr" anchorCtr="0">
               <a:noAutofit/>
             </a:bodyPr>
             <a:lstStyle/>
             <a:p>
-              <a:pPr indent="0" lvl="0" marL="0" marR="0" rtl="0" algn="l">
+              <a:pPr marL="0" marR="0" lvl="0" indent="0" algn="l" rtl="0">
                 <a:lnSpc>
                   <a:spcPct val="100000"/>
                 </a:lnSpc>
@@ -3363,10 +3454,7 @@
                 <a:buFont typeface="Arial"/>
                 <a:buNone/>
               </a:pPr>
-              <a:r>
-                <a:t/>
-              </a:r>
-              <a:endParaRPr b="0" i="0" sz="1400" u="none" cap="none" strike="noStrike">
+              <a:endParaRPr sz="1400" b="0" i="0" u="none" strike="noStrike" cap="none">
                 <a:solidFill>
                   <a:srgbClr val="000000"/>
                 </a:solidFill>
@@ -3400,12 +3488,12 @@
             </a:ln>
           </p:spPr>
           <p:txBody>
-            <a:bodyPr anchorCtr="0" anchor="ctr" bIns="91425" lIns="91425" spcFirstLastPara="1" rIns="91425" wrap="square" tIns="91425">
+            <a:bodyPr spcFirstLastPara="1" wrap="square" lIns="91425" tIns="91425" rIns="91425" bIns="91425" anchor="ctr" anchorCtr="0">
               <a:noAutofit/>
             </a:bodyPr>
             <a:lstStyle/>
             <a:p>
-              <a:pPr indent="0" lvl="0" marL="0" marR="0" rtl="0" algn="l">
+              <a:pPr marL="0" marR="0" lvl="0" indent="0" algn="l" rtl="0">
                 <a:lnSpc>
                   <a:spcPct val="100000"/>
                 </a:lnSpc>
@@ -3422,10 +3510,7 @@
                 <a:buFont typeface="Arial"/>
                 <a:buNone/>
               </a:pPr>
-              <a:r>
-                <a:t/>
-              </a:r>
-              <a:endParaRPr b="0" i="0" sz="1400" u="none" cap="none" strike="noStrike">
+              <a:endParaRPr sz="1400" b="0" i="0" u="none" strike="noStrike" cap="none">
                 <a:solidFill>
                   <a:srgbClr val="000000"/>
                 </a:solidFill>
@@ -3459,12 +3544,12 @@
             </a:ln>
           </p:spPr>
           <p:txBody>
-            <a:bodyPr anchorCtr="0" anchor="ctr" bIns="91425" lIns="91425" spcFirstLastPara="1" rIns="91425" wrap="square" tIns="91425">
+            <a:bodyPr spcFirstLastPara="1" wrap="square" lIns="91425" tIns="91425" rIns="91425" bIns="91425" anchor="ctr" anchorCtr="0">
               <a:noAutofit/>
             </a:bodyPr>
             <a:lstStyle/>
             <a:p>
-              <a:pPr indent="0" lvl="0" marL="0" marR="0" rtl="0" algn="l">
+              <a:pPr marL="0" marR="0" lvl="0" indent="0" algn="l" rtl="0">
                 <a:lnSpc>
                   <a:spcPct val="100000"/>
                 </a:lnSpc>
@@ -3481,10 +3566,7 @@
                 <a:buFont typeface="Arial"/>
                 <a:buNone/>
               </a:pPr>
-              <a:r>
-                <a:t/>
-              </a:r>
-              <a:endParaRPr b="0" i="0" sz="1400" u="none" cap="none" strike="noStrike">
+              <a:endParaRPr sz="1400" b="0" i="0" u="none" strike="noStrike" cap="none">
                 <a:solidFill>
                   <a:srgbClr val="000000"/>
                 </a:solidFill>
@@ -3518,12 +3600,12 @@
             </a:ln>
           </p:spPr>
           <p:txBody>
-            <a:bodyPr anchorCtr="0" anchor="ctr" bIns="91425" lIns="91425" spcFirstLastPara="1" rIns="91425" wrap="square" tIns="91425">
+            <a:bodyPr spcFirstLastPara="1" wrap="square" lIns="91425" tIns="91425" rIns="91425" bIns="91425" anchor="ctr" anchorCtr="0">
               <a:noAutofit/>
             </a:bodyPr>
             <a:lstStyle/>
             <a:p>
-              <a:pPr indent="0" lvl="0" marL="0" marR="0" rtl="0" algn="l">
+              <a:pPr marL="0" marR="0" lvl="0" indent="0" algn="l" rtl="0">
                 <a:lnSpc>
                   <a:spcPct val="100000"/>
                 </a:lnSpc>
@@ -3540,10 +3622,7 @@
                 <a:buFont typeface="Arial"/>
                 <a:buNone/>
               </a:pPr>
-              <a:r>
-                <a:t/>
-              </a:r>
-              <a:endParaRPr b="0" i="0" sz="1400" u="none" cap="none" strike="noStrike">
+              <a:endParaRPr sz="1400" b="0" i="0" u="none" strike="noStrike" cap="none">
                 <a:solidFill>
                   <a:srgbClr val="000000"/>
                 </a:solidFill>
@@ -3577,12 +3656,12 @@
             </a:ln>
           </p:spPr>
           <p:txBody>
-            <a:bodyPr anchorCtr="0" anchor="ctr" bIns="91425" lIns="91425" spcFirstLastPara="1" rIns="91425" wrap="square" tIns="91425">
+            <a:bodyPr spcFirstLastPara="1" wrap="square" lIns="91425" tIns="91425" rIns="91425" bIns="91425" anchor="ctr" anchorCtr="0">
               <a:noAutofit/>
             </a:bodyPr>
             <a:lstStyle/>
             <a:p>
-              <a:pPr indent="0" lvl="0" marL="0" marR="0" rtl="0" algn="l">
+              <a:pPr marL="0" marR="0" lvl="0" indent="0" algn="l" rtl="0">
                 <a:lnSpc>
                   <a:spcPct val="100000"/>
                 </a:lnSpc>
@@ -3599,10 +3678,7 @@
                 <a:buFont typeface="Arial"/>
                 <a:buNone/>
               </a:pPr>
-              <a:r>
-                <a:t/>
-              </a:r>
-              <a:endParaRPr b="0" i="0" sz="1400" u="none" cap="none" strike="noStrike">
+              <a:endParaRPr sz="1400" b="0" i="0" u="none" strike="noStrike" cap="none">
                 <a:solidFill>
                   <a:srgbClr val="000000"/>
                 </a:solidFill>
@@ -3636,12 +3712,12 @@
             </a:ln>
           </p:spPr>
           <p:txBody>
-            <a:bodyPr anchorCtr="0" anchor="ctr" bIns="91425" lIns="91425" spcFirstLastPara="1" rIns="91425" wrap="square" tIns="91425">
+            <a:bodyPr spcFirstLastPara="1" wrap="square" lIns="91425" tIns="91425" rIns="91425" bIns="91425" anchor="ctr" anchorCtr="0">
               <a:noAutofit/>
             </a:bodyPr>
             <a:lstStyle/>
             <a:p>
-              <a:pPr indent="0" lvl="0" marL="0" marR="0" rtl="0" algn="l">
+              <a:pPr marL="0" marR="0" lvl="0" indent="0" algn="l" rtl="0">
                 <a:lnSpc>
                   <a:spcPct val="100000"/>
                 </a:lnSpc>
@@ -3658,10 +3734,7 @@
                 <a:buFont typeface="Arial"/>
                 <a:buNone/>
               </a:pPr>
-              <a:r>
-                <a:t/>
-              </a:r>
-              <a:endParaRPr b="0" i="0" sz="1400" u="none" cap="none" strike="noStrike">
+              <a:endParaRPr sz="1400" b="0" i="0" u="none" strike="noStrike" cap="none">
                 <a:solidFill>
                   <a:srgbClr val="000000"/>
                 </a:solidFill>
@@ -3695,12 +3768,12 @@
             </a:ln>
           </p:spPr>
           <p:txBody>
-            <a:bodyPr anchorCtr="0" anchor="ctr" bIns="91425" lIns="91425" spcFirstLastPara="1" rIns="91425" wrap="square" tIns="91425">
+            <a:bodyPr spcFirstLastPara="1" wrap="square" lIns="91425" tIns="91425" rIns="91425" bIns="91425" anchor="ctr" anchorCtr="0">
               <a:noAutofit/>
             </a:bodyPr>
             <a:lstStyle/>
             <a:p>
-              <a:pPr indent="0" lvl="0" marL="0" marR="0" rtl="0" algn="l">
+              <a:pPr marL="0" marR="0" lvl="0" indent="0" algn="l" rtl="0">
                 <a:lnSpc>
                   <a:spcPct val="100000"/>
                 </a:lnSpc>
@@ -3717,10 +3790,7 @@
                 <a:buFont typeface="Arial"/>
                 <a:buNone/>
               </a:pPr>
-              <a:r>
-                <a:t/>
-              </a:r>
-              <a:endParaRPr b="0" i="0" sz="1400" u="none" cap="none" strike="noStrike">
+              <a:endParaRPr sz="1400" b="0" i="0" u="none" strike="noStrike" cap="none">
                 <a:solidFill>
                   <a:srgbClr val="000000"/>
                 </a:solidFill>
@@ -3754,12 +3824,12 @@
             </a:ln>
           </p:spPr>
           <p:txBody>
-            <a:bodyPr anchorCtr="0" anchor="ctr" bIns="91425" lIns="91425" spcFirstLastPara="1" rIns="91425" wrap="square" tIns="91425">
+            <a:bodyPr spcFirstLastPara="1" wrap="square" lIns="91425" tIns="91425" rIns="91425" bIns="91425" anchor="ctr" anchorCtr="0">
               <a:noAutofit/>
             </a:bodyPr>
             <a:lstStyle/>
             <a:p>
-              <a:pPr indent="0" lvl="0" marL="0" marR="0" rtl="0" algn="l">
+              <a:pPr marL="0" marR="0" lvl="0" indent="0" algn="l" rtl="0">
                 <a:lnSpc>
                   <a:spcPct val="100000"/>
                 </a:lnSpc>
@@ -3776,10 +3846,7 @@
                 <a:buFont typeface="Arial"/>
                 <a:buNone/>
               </a:pPr>
-              <a:r>
-                <a:t/>
-              </a:r>
-              <a:endParaRPr b="0" i="0" sz="1400" u="none" cap="none" strike="noStrike">
+              <a:endParaRPr sz="1400" b="0" i="0" u="none" strike="noStrike" cap="none">
                 <a:solidFill>
                   <a:srgbClr val="000000"/>
                 </a:solidFill>
@@ -3813,12 +3880,12 @@
             </a:ln>
           </p:spPr>
           <p:txBody>
-            <a:bodyPr anchorCtr="0" anchor="ctr" bIns="91425" lIns="91425" spcFirstLastPara="1" rIns="91425" wrap="square" tIns="91425">
+            <a:bodyPr spcFirstLastPara="1" wrap="square" lIns="91425" tIns="91425" rIns="91425" bIns="91425" anchor="ctr" anchorCtr="0">
               <a:noAutofit/>
             </a:bodyPr>
             <a:lstStyle/>
             <a:p>
-              <a:pPr indent="0" lvl="0" marL="0" marR="0" rtl="0" algn="l">
+              <a:pPr marL="0" marR="0" lvl="0" indent="0" algn="l" rtl="0">
                 <a:lnSpc>
                   <a:spcPct val="100000"/>
                 </a:lnSpc>
@@ -3835,10 +3902,7 @@
                 <a:buFont typeface="Arial"/>
                 <a:buNone/>
               </a:pPr>
-              <a:r>
-                <a:t/>
-              </a:r>
-              <a:endParaRPr b="0" i="0" sz="1400" u="none" cap="none" strike="noStrike">
+              <a:endParaRPr sz="1400" b="0" i="0" u="none" strike="noStrike" cap="none">
                 <a:solidFill>
                   <a:srgbClr val="000000"/>
                 </a:solidFill>
@@ -3872,12 +3936,12 @@
             </a:ln>
           </p:spPr>
           <p:txBody>
-            <a:bodyPr anchorCtr="0" anchor="ctr" bIns="91425" lIns="91425" spcFirstLastPara="1" rIns="91425" wrap="square" tIns="91425">
+            <a:bodyPr spcFirstLastPara="1" wrap="square" lIns="91425" tIns="91425" rIns="91425" bIns="91425" anchor="ctr" anchorCtr="0">
               <a:noAutofit/>
             </a:bodyPr>
             <a:lstStyle/>
             <a:p>
-              <a:pPr indent="0" lvl="0" marL="0" marR="0" rtl="0" algn="l">
+              <a:pPr marL="0" marR="0" lvl="0" indent="0" algn="l" rtl="0">
                 <a:lnSpc>
                   <a:spcPct val="100000"/>
                 </a:lnSpc>
@@ -3894,10 +3958,7 @@
                 <a:buFont typeface="Arial"/>
                 <a:buNone/>
               </a:pPr>
-              <a:r>
-                <a:t/>
-              </a:r>
-              <a:endParaRPr b="0" i="0" sz="1400" u="none" cap="none" strike="noStrike">
+              <a:endParaRPr sz="1400" b="0" i="0" u="none" strike="noStrike" cap="none">
                 <a:solidFill>
                   <a:srgbClr val="000000"/>
                 </a:solidFill>
@@ -3931,12 +3992,12 @@
             </a:ln>
           </p:spPr>
           <p:txBody>
-            <a:bodyPr anchorCtr="0" anchor="ctr" bIns="91425" lIns="91425" spcFirstLastPara="1" rIns="91425" wrap="square" tIns="91425">
+            <a:bodyPr spcFirstLastPara="1" wrap="square" lIns="91425" tIns="91425" rIns="91425" bIns="91425" anchor="ctr" anchorCtr="0">
               <a:noAutofit/>
             </a:bodyPr>
             <a:lstStyle/>
             <a:p>
-              <a:pPr indent="0" lvl="0" marL="0" marR="0" rtl="0" algn="l">
+              <a:pPr marL="0" marR="0" lvl="0" indent="0" algn="l" rtl="0">
                 <a:lnSpc>
                   <a:spcPct val="100000"/>
                 </a:lnSpc>
@@ -3953,10 +4014,7 @@
                 <a:buFont typeface="Arial"/>
                 <a:buNone/>
               </a:pPr>
-              <a:r>
-                <a:t/>
-              </a:r>
-              <a:endParaRPr b="0" i="0" sz="1400" u="none" cap="none" strike="noStrike">
+              <a:endParaRPr sz="1400" b="0" i="0" u="none" strike="noStrike" cap="none">
                 <a:solidFill>
                   <a:srgbClr val="000000"/>
                 </a:solidFill>
@@ -3990,12 +4048,12 @@
             </a:ln>
           </p:spPr>
           <p:txBody>
-            <a:bodyPr anchorCtr="0" anchor="ctr" bIns="91425" lIns="91425" spcFirstLastPara="1" rIns="91425" wrap="square" tIns="91425">
+            <a:bodyPr spcFirstLastPara="1" wrap="square" lIns="91425" tIns="91425" rIns="91425" bIns="91425" anchor="ctr" anchorCtr="0">
               <a:noAutofit/>
             </a:bodyPr>
             <a:lstStyle/>
             <a:p>
-              <a:pPr indent="0" lvl="0" marL="0" marR="0" rtl="0" algn="l">
+              <a:pPr marL="0" marR="0" lvl="0" indent="0" algn="l" rtl="0">
                 <a:lnSpc>
                   <a:spcPct val="100000"/>
                 </a:lnSpc>
@@ -4012,10 +4070,7 @@
                 <a:buFont typeface="Arial"/>
                 <a:buNone/>
               </a:pPr>
-              <a:r>
-                <a:t/>
-              </a:r>
-              <a:endParaRPr b="0" i="0" sz="1400" u="none" cap="none" strike="noStrike">
+              <a:endParaRPr sz="1400" b="0" i="0" u="none" strike="noStrike" cap="none">
                 <a:solidFill>
                   <a:srgbClr val="000000"/>
                 </a:solidFill>
@@ -4049,12 +4104,12 @@
             </a:ln>
           </p:spPr>
           <p:txBody>
-            <a:bodyPr anchorCtr="0" anchor="ctr" bIns="91425" lIns="91425" spcFirstLastPara="1" rIns="91425" wrap="square" tIns="91425">
+            <a:bodyPr spcFirstLastPara="1" wrap="square" lIns="91425" tIns="91425" rIns="91425" bIns="91425" anchor="ctr" anchorCtr="0">
               <a:noAutofit/>
             </a:bodyPr>
             <a:lstStyle/>
             <a:p>
-              <a:pPr indent="0" lvl="0" marL="0" marR="0" rtl="0" algn="l">
+              <a:pPr marL="0" marR="0" lvl="0" indent="0" algn="l" rtl="0">
                 <a:lnSpc>
                   <a:spcPct val="100000"/>
                 </a:lnSpc>
@@ -4071,10 +4126,7 @@
                 <a:buFont typeface="Arial"/>
                 <a:buNone/>
               </a:pPr>
-              <a:r>
-                <a:t/>
-              </a:r>
-              <a:endParaRPr b="0" i="0" sz="1400" u="none" cap="none" strike="noStrike">
+              <a:endParaRPr sz="1400" b="0" i="0" u="none" strike="noStrike" cap="none">
                 <a:solidFill>
                   <a:srgbClr val="000000"/>
                 </a:solidFill>
@@ -4108,12 +4160,12 @@
             </a:ln>
           </p:spPr>
           <p:txBody>
-            <a:bodyPr anchorCtr="0" anchor="ctr" bIns="91425" lIns="91425" spcFirstLastPara="1" rIns="91425" wrap="square" tIns="91425">
+            <a:bodyPr spcFirstLastPara="1" wrap="square" lIns="91425" tIns="91425" rIns="91425" bIns="91425" anchor="ctr" anchorCtr="0">
               <a:noAutofit/>
             </a:bodyPr>
             <a:lstStyle/>
             <a:p>
-              <a:pPr indent="0" lvl="0" marL="0" marR="0" rtl="0" algn="l">
+              <a:pPr marL="0" marR="0" lvl="0" indent="0" algn="l" rtl="0">
                 <a:lnSpc>
                   <a:spcPct val="100000"/>
                 </a:lnSpc>
@@ -4130,10 +4182,7 @@
                 <a:buFont typeface="Arial"/>
                 <a:buNone/>
               </a:pPr>
-              <a:r>
-                <a:t/>
-              </a:r>
-              <a:endParaRPr b="0" i="0" sz="1400" u="none" cap="none" strike="noStrike">
+              <a:endParaRPr sz="1400" b="0" i="0" u="none" strike="noStrike" cap="none">
                 <a:solidFill>
                   <a:srgbClr val="000000"/>
                 </a:solidFill>
@@ -4167,12 +4216,12 @@
             </a:ln>
           </p:spPr>
           <p:txBody>
-            <a:bodyPr anchorCtr="0" anchor="ctr" bIns="91425" lIns="91425" spcFirstLastPara="1" rIns="91425" wrap="square" tIns="91425">
+            <a:bodyPr spcFirstLastPara="1" wrap="square" lIns="91425" tIns="91425" rIns="91425" bIns="91425" anchor="ctr" anchorCtr="0">
               <a:noAutofit/>
             </a:bodyPr>
             <a:lstStyle/>
             <a:p>
-              <a:pPr indent="0" lvl="0" marL="0" marR="0" rtl="0" algn="l">
+              <a:pPr marL="0" marR="0" lvl="0" indent="0" algn="l" rtl="0">
                 <a:lnSpc>
                   <a:spcPct val="100000"/>
                 </a:lnSpc>
@@ -4189,10 +4238,7 @@
                 <a:buFont typeface="Arial"/>
                 <a:buNone/>
               </a:pPr>
-              <a:r>
-                <a:t/>
-              </a:r>
-              <a:endParaRPr b="0" i="0" sz="1400" u="none" cap="none" strike="noStrike">
+              <a:endParaRPr sz="1400" b="0" i="0" u="none" strike="noStrike" cap="none">
                 <a:solidFill>
                   <a:srgbClr val="000000"/>
                 </a:solidFill>
@@ -4226,12 +4272,12 @@
             </a:ln>
           </p:spPr>
           <p:txBody>
-            <a:bodyPr anchorCtr="0" anchor="ctr" bIns="91425" lIns="91425" spcFirstLastPara="1" rIns="91425" wrap="square" tIns="91425">
+            <a:bodyPr spcFirstLastPara="1" wrap="square" lIns="91425" tIns="91425" rIns="91425" bIns="91425" anchor="ctr" anchorCtr="0">
               <a:noAutofit/>
             </a:bodyPr>
             <a:lstStyle/>
             <a:p>
-              <a:pPr indent="0" lvl="0" marL="0" marR="0" rtl="0" algn="l">
+              <a:pPr marL="0" marR="0" lvl="0" indent="0" algn="l" rtl="0">
                 <a:lnSpc>
                   <a:spcPct val="100000"/>
                 </a:lnSpc>
@@ -4248,10 +4294,7 @@
                 <a:buFont typeface="Arial"/>
                 <a:buNone/>
               </a:pPr>
-              <a:r>
-                <a:t/>
-              </a:r>
-              <a:endParaRPr b="0" i="0" sz="1400" u="none" cap="none" strike="noStrike">
+              <a:endParaRPr sz="1400" b="0" i="0" u="none" strike="noStrike" cap="none">
                 <a:solidFill>
                   <a:srgbClr val="000000"/>
                 </a:solidFill>
@@ -4279,23 +4322,23 @@
             <a:avLst/>
           </a:prstGeom>
           <a:noFill/>
-          <a:ln cap="flat" cmpd="sng" w="9525">
+          <a:ln w="9525" cap="flat" cmpd="sng">
             <a:solidFill>
               <a:srgbClr val="3C78D8"/>
             </a:solidFill>
             <a:prstDash val="solid"/>
             <a:round/>
-            <a:headEnd len="sm" w="sm" type="none"/>
-            <a:tailEnd len="sm" w="sm" type="none"/>
+            <a:headEnd type="none" w="sm" len="sm"/>
+            <a:tailEnd type="none" w="sm" len="sm"/>
           </a:ln>
         </p:spPr>
         <p:txBody>
-          <a:bodyPr anchorCtr="0" anchor="ctr" bIns="91425" lIns="91425" spcFirstLastPara="1" rIns="91425" wrap="square" tIns="91425">
+          <a:bodyPr spcFirstLastPara="1" wrap="square" lIns="91425" tIns="91425" rIns="91425" bIns="91425" anchor="ctr" anchorCtr="0">
             <a:noAutofit/>
           </a:bodyPr>
           <a:lstStyle/>
           <a:p>
-            <a:pPr indent="0" lvl="0" marL="0" marR="0" rtl="0" algn="l">
+            <a:pPr marL="0" marR="0" lvl="0" indent="0" algn="l" rtl="0">
               <a:lnSpc>
                 <a:spcPct val="100000"/>
               </a:lnSpc>
@@ -4312,10 +4355,7 @@
               <a:buFont typeface="Arial"/>
               <a:buNone/>
             </a:pPr>
-            <a:r>
-              <a:t/>
-            </a:r>
-            <a:endParaRPr b="0" i="0" sz="1400" u="none" cap="none" strike="noStrike">
+            <a:endParaRPr sz="1400" b="0" i="0" u="none" strike="noStrike" cap="none">
               <a:solidFill>
                 <a:srgbClr val="000000"/>
               </a:solidFill>
@@ -4342,23 +4382,23 @@
             <a:avLst/>
           </a:prstGeom>
           <a:noFill/>
-          <a:ln cap="flat" cmpd="sng" w="9525">
+          <a:ln w="9525" cap="flat" cmpd="sng">
             <a:solidFill>
               <a:srgbClr val="3C78D8"/>
             </a:solidFill>
             <a:prstDash val="solid"/>
             <a:round/>
-            <a:headEnd len="sm" w="sm" type="none"/>
-            <a:tailEnd len="sm" w="sm" type="none"/>
+            <a:headEnd type="none" w="sm" len="sm"/>
+            <a:tailEnd type="none" w="sm" len="sm"/>
           </a:ln>
         </p:spPr>
         <p:txBody>
-          <a:bodyPr anchorCtr="0" anchor="ctr" bIns="91425" lIns="91425" spcFirstLastPara="1" rIns="91425" wrap="square" tIns="91425">
+          <a:bodyPr spcFirstLastPara="1" wrap="square" lIns="91425" tIns="91425" rIns="91425" bIns="91425" anchor="ctr" anchorCtr="0">
             <a:noAutofit/>
           </a:bodyPr>
           <a:lstStyle/>
           <a:p>
-            <a:pPr indent="0" lvl="0" marL="0" marR="0" rtl="0" algn="l">
+            <a:pPr marL="0" marR="0" lvl="0" indent="0" algn="l" rtl="0">
               <a:lnSpc>
                 <a:spcPct val="100000"/>
               </a:lnSpc>
@@ -4375,10 +4415,7 @@
               <a:buFont typeface="Arial"/>
               <a:buNone/>
             </a:pPr>
-            <a:r>
-              <a:t/>
-            </a:r>
-            <a:endParaRPr b="0" i="0" sz="1400" u="none" cap="none" strike="noStrike">
+            <a:endParaRPr sz="1400" b="0" i="0" u="none" strike="noStrike" cap="none">
               <a:solidFill>
                 <a:srgbClr val="000000"/>
               </a:solidFill>
@@ -4405,23 +4442,23 @@
             <a:avLst/>
           </a:prstGeom>
           <a:noFill/>
-          <a:ln cap="flat" cmpd="sng" w="9525">
+          <a:ln w="9525" cap="flat" cmpd="sng">
             <a:solidFill>
               <a:srgbClr val="3C78D8"/>
             </a:solidFill>
             <a:prstDash val="solid"/>
             <a:round/>
-            <a:headEnd len="sm" w="sm" type="none"/>
-            <a:tailEnd len="sm" w="sm" type="none"/>
+            <a:headEnd type="none" w="sm" len="sm"/>
+            <a:tailEnd type="none" w="sm" len="sm"/>
           </a:ln>
         </p:spPr>
         <p:txBody>
-          <a:bodyPr anchorCtr="0" anchor="ctr" bIns="91425" lIns="91425" spcFirstLastPara="1" rIns="91425" wrap="square" tIns="91425">
+          <a:bodyPr spcFirstLastPara="1" wrap="square" lIns="91425" tIns="91425" rIns="91425" bIns="91425" anchor="ctr" anchorCtr="0">
             <a:noAutofit/>
           </a:bodyPr>
           <a:lstStyle/>
           <a:p>
-            <a:pPr indent="0" lvl="0" marL="0" marR="0" rtl="0" algn="l">
+            <a:pPr marL="0" marR="0" lvl="0" indent="0" algn="l" rtl="0">
               <a:lnSpc>
                 <a:spcPct val="100000"/>
               </a:lnSpc>
@@ -4438,10 +4475,7 @@
               <a:buFont typeface="Arial"/>
               <a:buNone/>
             </a:pPr>
-            <a:r>
-              <a:t/>
-            </a:r>
-            <a:endParaRPr b="0" i="0" sz="1400" u="none" cap="none" strike="noStrike">
+            <a:endParaRPr sz="1400" b="0" i="0" u="none" strike="noStrike" cap="none">
               <a:solidFill>
                 <a:srgbClr val="000000"/>
               </a:solidFill>
@@ -4466,27 +4500,27 @@
           </a:xfrm>
           <a:prstGeom prst="teardrop">
             <a:avLst>
-              <a:gd fmla="val 100000" name="adj"/>
+              <a:gd name="adj" fmla="val 100000"/>
             </a:avLst>
           </a:prstGeom>
           <a:noFill/>
-          <a:ln cap="flat" cmpd="sng" w="28575">
+          <a:ln w="28575" cap="flat" cmpd="sng">
             <a:solidFill>
               <a:srgbClr val="AFF000"/>
             </a:solidFill>
             <a:prstDash val="solid"/>
             <a:round/>
-            <a:headEnd len="sm" w="sm" type="none"/>
-            <a:tailEnd len="sm" w="sm" type="none"/>
+            <a:headEnd type="none" w="sm" len="sm"/>
+            <a:tailEnd type="none" w="sm" len="sm"/>
           </a:ln>
         </p:spPr>
         <p:txBody>
-          <a:bodyPr anchorCtr="0" anchor="ctr" bIns="91425" lIns="91425" spcFirstLastPara="1" rIns="91425" wrap="square" tIns="91425">
+          <a:bodyPr spcFirstLastPara="1" wrap="square" lIns="91425" tIns="91425" rIns="91425" bIns="91425" anchor="ctr" anchorCtr="0">
             <a:noAutofit/>
           </a:bodyPr>
           <a:lstStyle/>
           <a:p>
-            <a:pPr indent="0" lvl="0" marL="0" marR="0" rtl="0" algn="l">
+            <a:pPr marL="0" marR="0" lvl="0" indent="0" algn="l" rtl="0">
               <a:lnSpc>
                 <a:spcPct val="100000"/>
               </a:lnSpc>
@@ -4503,10 +4537,7 @@
               <a:buFont typeface="Arial"/>
               <a:buNone/>
             </a:pPr>
-            <a:r>
-              <a:t/>
-            </a:r>
-            <a:endParaRPr b="0" i="0" sz="1400" u="none" cap="none" strike="noStrike">
+            <a:endParaRPr sz="1400" b="0" i="0" u="none" strike="noStrike" cap="none">
               <a:solidFill>
                 <a:srgbClr val="000000"/>
               </a:solidFill>
@@ -4521,9 +4552,11 @@
       <p:sp>
         <p:nvSpPr>
           <p:cNvPr id="75" name="Google Shape;75;p2"/>
-          <p:cNvSpPr txBox="1"/>
+          <p:cNvSpPr txBox="1">
+            <a:spLocks noGrp="1"/>
+          </p:cNvSpPr>
           <p:nvPr>
-            <p:ph idx="12" type="sldNum"/>
+            <p:ph type="sldNum" idx="12"/>
           </p:nvPr>
         </p:nvSpPr>
         <p:spPr>
@@ -4540,11 +4573,11 @@
           </a:ln>
         </p:spPr>
         <p:txBody>
-          <a:bodyPr anchorCtr="0" anchor="t" bIns="91425" lIns="91425" spcFirstLastPara="1" rIns="91425" wrap="square" tIns="91425">
+          <a:bodyPr spcFirstLastPara="1" wrap="square" lIns="91425" tIns="91425" rIns="91425" bIns="91425" anchor="t" anchorCtr="0">
             <a:noAutofit/>
           </a:bodyPr>
           <a:lstStyle>
-            <a:lvl1pPr indent="0" lvl="0" marL="0" marR="0" algn="r">
+            <a:lvl1pPr marL="0" marR="0" lvl="0" indent="0" algn="r">
               <a:lnSpc>
                 <a:spcPct val="100000"/>
               </a:lnSpc>
@@ -4560,7 +4593,7 @@
               <a:buSzPts val="1000"/>
               <a:buFont typeface="Arial"/>
               <a:buNone/>
-              <a:defRPr b="0" i="0" sz="1000" u="none" cap="none" strike="noStrike">
+              <a:defRPr sz="1000" b="0" i="0" u="none" strike="noStrike" cap="none">
                 <a:solidFill>
                   <a:srgbClr val="FFFFFF"/>
                 </a:solidFill>
@@ -4570,7 +4603,7 @@
                 <a:sym typeface="Oswald"/>
               </a:defRPr>
             </a:lvl1pPr>
-            <a:lvl2pPr indent="0" lvl="1" marL="0" marR="0" algn="r">
+            <a:lvl2pPr marL="0" marR="0" lvl="1" indent="0" algn="r">
               <a:lnSpc>
                 <a:spcPct val="100000"/>
               </a:lnSpc>
@@ -4586,7 +4619,7 @@
               <a:buSzPts val="1000"/>
               <a:buFont typeface="Arial"/>
               <a:buNone/>
-              <a:defRPr b="0" i="0" sz="1000" u="none" cap="none" strike="noStrike">
+              <a:defRPr sz="1000" b="0" i="0" u="none" strike="noStrike" cap="none">
                 <a:solidFill>
                   <a:srgbClr val="FFFFFF"/>
                 </a:solidFill>
@@ -4596,7 +4629,7 @@
                 <a:sym typeface="Oswald"/>
               </a:defRPr>
             </a:lvl2pPr>
-            <a:lvl3pPr indent="0" lvl="2" marL="0" marR="0" algn="r">
+            <a:lvl3pPr marL="0" marR="0" lvl="2" indent="0" algn="r">
               <a:lnSpc>
                 <a:spcPct val="100000"/>
               </a:lnSpc>
@@ -4612,7 +4645,7 @@
               <a:buSzPts val="1000"/>
               <a:buFont typeface="Arial"/>
               <a:buNone/>
-              <a:defRPr b="0" i="0" sz="1000" u="none" cap="none" strike="noStrike">
+              <a:defRPr sz="1000" b="0" i="0" u="none" strike="noStrike" cap="none">
                 <a:solidFill>
                   <a:srgbClr val="FFFFFF"/>
                 </a:solidFill>
@@ -4622,7 +4655,7 @@
                 <a:sym typeface="Oswald"/>
               </a:defRPr>
             </a:lvl3pPr>
-            <a:lvl4pPr indent="0" lvl="3" marL="0" marR="0" algn="r">
+            <a:lvl4pPr marL="0" marR="0" lvl="3" indent="0" algn="r">
               <a:lnSpc>
                 <a:spcPct val="100000"/>
               </a:lnSpc>
@@ -4638,7 +4671,7 @@
               <a:buSzPts val="1000"/>
               <a:buFont typeface="Arial"/>
               <a:buNone/>
-              <a:defRPr b="0" i="0" sz="1000" u="none" cap="none" strike="noStrike">
+              <a:defRPr sz="1000" b="0" i="0" u="none" strike="noStrike" cap="none">
                 <a:solidFill>
                   <a:srgbClr val="FFFFFF"/>
                 </a:solidFill>
@@ -4648,7 +4681,7 @@
                 <a:sym typeface="Oswald"/>
               </a:defRPr>
             </a:lvl4pPr>
-            <a:lvl5pPr indent="0" lvl="4" marL="0" marR="0" algn="r">
+            <a:lvl5pPr marL="0" marR="0" lvl="4" indent="0" algn="r">
               <a:lnSpc>
                 <a:spcPct val="100000"/>
               </a:lnSpc>
@@ -4664,7 +4697,7 @@
               <a:buSzPts val="1000"/>
               <a:buFont typeface="Arial"/>
               <a:buNone/>
-              <a:defRPr b="0" i="0" sz="1000" u="none" cap="none" strike="noStrike">
+              <a:defRPr sz="1000" b="0" i="0" u="none" strike="noStrike" cap="none">
                 <a:solidFill>
                   <a:srgbClr val="FFFFFF"/>
                 </a:solidFill>
@@ -4674,7 +4707,7 @@
                 <a:sym typeface="Oswald"/>
               </a:defRPr>
             </a:lvl5pPr>
-            <a:lvl6pPr indent="0" lvl="5" marL="0" marR="0" algn="r">
+            <a:lvl6pPr marL="0" marR="0" lvl="5" indent="0" algn="r">
               <a:lnSpc>
                 <a:spcPct val="100000"/>
               </a:lnSpc>
@@ -4690,7 +4723,7 @@
               <a:buSzPts val="1000"/>
               <a:buFont typeface="Arial"/>
               <a:buNone/>
-              <a:defRPr b="0" i="0" sz="1000" u="none" cap="none" strike="noStrike">
+              <a:defRPr sz="1000" b="0" i="0" u="none" strike="noStrike" cap="none">
                 <a:solidFill>
                   <a:srgbClr val="FFFFFF"/>
                 </a:solidFill>
@@ -4700,7 +4733,7 @@
                 <a:sym typeface="Oswald"/>
               </a:defRPr>
             </a:lvl6pPr>
-            <a:lvl7pPr indent="0" lvl="6" marL="0" marR="0" algn="r">
+            <a:lvl7pPr marL="0" marR="0" lvl="6" indent="0" algn="r">
               <a:lnSpc>
                 <a:spcPct val="100000"/>
               </a:lnSpc>
@@ -4716,7 +4749,7 @@
               <a:buSzPts val="1000"/>
               <a:buFont typeface="Arial"/>
               <a:buNone/>
-              <a:defRPr b="0" i="0" sz="1000" u="none" cap="none" strike="noStrike">
+              <a:defRPr sz="1000" b="0" i="0" u="none" strike="noStrike" cap="none">
                 <a:solidFill>
                   <a:srgbClr val="FFFFFF"/>
                 </a:solidFill>
@@ -4726,7 +4759,7 @@
                 <a:sym typeface="Oswald"/>
               </a:defRPr>
             </a:lvl7pPr>
-            <a:lvl8pPr indent="0" lvl="7" marL="0" marR="0" algn="r">
+            <a:lvl8pPr marL="0" marR="0" lvl="7" indent="0" algn="r">
               <a:lnSpc>
                 <a:spcPct val="100000"/>
               </a:lnSpc>
@@ -4742,7 +4775,7 @@
               <a:buSzPts val="1000"/>
               <a:buFont typeface="Arial"/>
               <a:buNone/>
-              <a:defRPr b="0" i="0" sz="1000" u="none" cap="none" strike="noStrike">
+              <a:defRPr sz="1000" b="0" i="0" u="none" strike="noStrike" cap="none">
                 <a:solidFill>
                   <a:srgbClr val="FFFFFF"/>
                 </a:solidFill>
@@ -4752,7 +4785,7 @@
                 <a:sym typeface="Oswald"/>
               </a:defRPr>
             </a:lvl8pPr>
-            <a:lvl9pPr indent="0" lvl="8" marL="0" marR="0" algn="r">
+            <a:lvl9pPr marL="0" marR="0" lvl="8" indent="0" algn="r">
               <a:lnSpc>
                 <a:spcPct val="100000"/>
               </a:lnSpc>
@@ -4768,7 +4801,7 @@
               <a:buSzPts val="1000"/>
               <a:buFont typeface="Arial"/>
               <a:buNone/>
-              <a:defRPr b="0" i="0" sz="1000" u="none" cap="none" strike="noStrike">
+              <a:defRPr sz="1000" b="0" i="0" u="none" strike="noStrike" cap="none">
                 <a:solidFill>
                   <a:srgbClr val="FFFFFF"/>
                 </a:solidFill>
@@ -4780,7 +4813,7 @@
             </a:lvl9pPr>
           </a:lstStyle>
           <a:p>
-            <a:pPr indent="0" lvl="0" marL="0" rtl="0" algn="r">
+            <a:pPr marL="0" lvl="0" indent="0" algn="r" rtl="0">
               <a:spcBef>
                 <a:spcPts val="0"/>
               </a:spcBef>
@@ -4791,7 +4824,7 @@
             </a:pPr>
             <a:fld id="{00000000-1234-1234-1234-123412341234}" type="slidenum">
               <a:rPr lang="es-MX"/>
-              <a:t>‹#›</a:t>
+              <a:t>‹Nº›</a:t>
             </a:fld>
             <a:endParaRPr/>
           </a:p>
@@ -4806,18 +4839,19 @@
 </file>
 
 <file path=ppt/slideMasters/slideMaster1.xml><?xml version="1.0" encoding="utf-8"?>
-<p:sldMaster xmlns:a="http://schemas.openxmlformats.org/drawingml/2006/main" xmlns:r="http://schemas.openxmlformats.org/officeDocument/2006/relationships" xmlns:mc="http://schemas.openxmlformats.org/markup-compatibility/2006" xmlns:mv="urn:schemas-microsoft-com:mac:vml" xmlns:p="http://schemas.openxmlformats.org/presentationml/2006/main" xmlns:c="http://schemas.openxmlformats.org/drawingml/2006/chart" xmlns:dgm="http://schemas.openxmlformats.org/drawingml/2006/diagram" xmlns:o="urn:schemas-microsoft-com:office:office" xmlns:v="urn:schemas-microsoft-com:vml" xmlns:pvml="urn:schemas-microsoft-com:office:powerpoint" xmlns:com="http://schemas.openxmlformats.org/drawingml/2006/compatibility" xmlns:p14="http://schemas.microsoft.com/office/powerpoint/2010/main" xmlns:p15="http://schemas.microsoft.com/office/powerpoint/2012/main">
+<p:sldMaster xmlns:a="http://schemas.openxmlformats.org/drawingml/2006/main" xmlns:r="http://schemas.openxmlformats.org/officeDocument/2006/relationships" xmlns:p="http://schemas.openxmlformats.org/presentationml/2006/main">
   <p:cSld name="simple-light">
     <p:bg>
       <p:bgPr>
         <a:solidFill>
           <a:schemeClr val="lt1"/>
         </a:solidFill>
+        <a:effectLst/>
       </p:bgPr>
     </p:bg>
     <p:spTree>
       <p:nvGrpSpPr>
-        <p:cNvPr id="5" name="Shape 5"/>
+        <p:cNvPr id="1" name="Shape 5"/>
         <p:cNvGrpSpPr/>
         <p:nvPr/>
       </p:nvGrpSpPr>
@@ -4858,14 +4892,14 @@
               <a:avLst/>
             </a:prstGeom>
             <a:noFill/>
-            <a:ln cap="flat" cmpd="sng" w="9525">
+            <a:ln w="9525" cap="flat" cmpd="sng">
               <a:solidFill>
                 <a:srgbClr val="F3F3F3"/>
               </a:solidFill>
               <a:prstDash val="solid"/>
               <a:round/>
-              <a:headEnd len="sm" w="sm" type="none"/>
-              <a:tailEnd len="sm" w="sm" type="none"/>
+              <a:headEnd type="none" w="sm" len="sm"/>
+              <a:tailEnd type="none" w="sm" len="sm"/>
             </a:ln>
           </p:spPr>
         </p:cxnSp>
@@ -4884,14 +4918,14 @@
               <a:avLst/>
             </a:prstGeom>
             <a:noFill/>
-            <a:ln cap="flat" cmpd="sng" w="9525">
+            <a:ln w="9525" cap="flat" cmpd="sng">
               <a:solidFill>
                 <a:srgbClr val="F3F3F3"/>
               </a:solidFill>
               <a:prstDash val="solid"/>
               <a:round/>
-              <a:headEnd len="sm" w="sm" type="none"/>
-              <a:tailEnd len="sm" w="sm" type="none"/>
+              <a:headEnd type="none" w="sm" len="sm"/>
+              <a:tailEnd type="none" w="sm" len="sm"/>
             </a:ln>
           </p:spPr>
         </p:cxnSp>
@@ -4910,14 +4944,14 @@
               <a:avLst/>
             </a:prstGeom>
             <a:noFill/>
-            <a:ln cap="flat" cmpd="sng" w="9525">
+            <a:ln w="9525" cap="flat" cmpd="sng">
               <a:solidFill>
                 <a:srgbClr val="F3F3F3"/>
               </a:solidFill>
               <a:prstDash val="solid"/>
               <a:round/>
-              <a:headEnd len="sm" w="sm" type="none"/>
-              <a:tailEnd len="sm" w="sm" type="none"/>
+              <a:headEnd type="none" w="sm" len="sm"/>
+              <a:tailEnd type="none" w="sm" len="sm"/>
             </a:ln>
           </p:spPr>
         </p:cxnSp>
@@ -4936,14 +4970,14 @@
               <a:avLst/>
             </a:prstGeom>
             <a:noFill/>
-            <a:ln cap="flat" cmpd="sng" w="9525">
+            <a:ln w="9525" cap="flat" cmpd="sng">
               <a:solidFill>
                 <a:srgbClr val="F3F3F3"/>
               </a:solidFill>
               <a:prstDash val="solid"/>
               <a:round/>
-              <a:headEnd len="sm" w="sm" type="none"/>
-              <a:tailEnd len="sm" w="sm" type="none"/>
+              <a:headEnd type="none" w="sm" len="sm"/>
+              <a:tailEnd type="none" w="sm" len="sm"/>
             </a:ln>
           </p:spPr>
         </p:cxnSp>
@@ -4962,14 +4996,14 @@
               <a:avLst/>
             </a:prstGeom>
             <a:noFill/>
-            <a:ln cap="flat" cmpd="sng" w="9525">
+            <a:ln w="9525" cap="flat" cmpd="sng">
               <a:solidFill>
                 <a:srgbClr val="F3F3F3"/>
               </a:solidFill>
               <a:prstDash val="solid"/>
               <a:round/>
-              <a:headEnd len="sm" w="sm" type="none"/>
-              <a:tailEnd len="sm" w="sm" type="none"/>
+              <a:headEnd type="none" w="sm" len="sm"/>
+              <a:tailEnd type="none" w="sm" len="sm"/>
             </a:ln>
           </p:spPr>
         </p:cxnSp>
@@ -4988,14 +5022,14 @@
               <a:avLst/>
             </a:prstGeom>
             <a:noFill/>
-            <a:ln cap="flat" cmpd="sng" w="9525">
+            <a:ln w="9525" cap="flat" cmpd="sng">
               <a:solidFill>
                 <a:srgbClr val="F3F3F3"/>
               </a:solidFill>
               <a:prstDash val="solid"/>
               <a:round/>
-              <a:headEnd len="sm" w="sm" type="none"/>
-              <a:tailEnd len="sm" w="sm" type="none"/>
+              <a:headEnd type="none" w="sm" len="sm"/>
+              <a:tailEnd type="none" w="sm" len="sm"/>
             </a:ln>
           </p:spPr>
         </p:cxnSp>
@@ -5014,14 +5048,14 @@
               <a:avLst/>
             </a:prstGeom>
             <a:noFill/>
-            <a:ln cap="flat" cmpd="sng" w="9525">
+            <a:ln w="9525" cap="flat" cmpd="sng">
               <a:solidFill>
                 <a:srgbClr val="F3F3F3"/>
               </a:solidFill>
               <a:prstDash val="solid"/>
               <a:round/>
-              <a:headEnd len="sm" w="sm" type="none"/>
-              <a:tailEnd len="sm" w="sm" type="none"/>
+              <a:headEnd type="none" w="sm" len="sm"/>
+              <a:tailEnd type="none" w="sm" len="sm"/>
             </a:ln>
           </p:spPr>
         </p:cxnSp>
@@ -5040,14 +5074,14 @@
               <a:avLst/>
             </a:prstGeom>
             <a:noFill/>
-            <a:ln cap="flat" cmpd="sng" w="9525">
+            <a:ln w="9525" cap="flat" cmpd="sng">
               <a:solidFill>
                 <a:srgbClr val="F3F3F3"/>
               </a:solidFill>
               <a:prstDash val="solid"/>
               <a:round/>
-              <a:headEnd len="sm" w="sm" type="none"/>
-              <a:tailEnd len="sm" w="sm" type="none"/>
+              <a:headEnd type="none" w="sm" len="sm"/>
+              <a:tailEnd type="none" w="sm" len="sm"/>
             </a:ln>
           </p:spPr>
         </p:cxnSp>
@@ -5066,14 +5100,14 @@
               <a:avLst/>
             </a:prstGeom>
             <a:noFill/>
-            <a:ln cap="flat" cmpd="sng" w="9525">
+            <a:ln w="9525" cap="flat" cmpd="sng">
               <a:solidFill>
                 <a:srgbClr val="F3F3F3"/>
               </a:solidFill>
               <a:prstDash val="solid"/>
               <a:round/>
-              <a:headEnd len="sm" w="sm" type="none"/>
-              <a:tailEnd len="sm" w="sm" type="none"/>
+              <a:headEnd type="none" w="sm" len="sm"/>
+              <a:tailEnd type="none" w="sm" len="sm"/>
             </a:ln>
           </p:spPr>
         </p:cxnSp>
@@ -5092,14 +5126,14 @@
               <a:avLst/>
             </a:prstGeom>
             <a:noFill/>
-            <a:ln cap="flat" cmpd="sng" w="9525">
+            <a:ln w="9525" cap="flat" cmpd="sng">
               <a:solidFill>
                 <a:srgbClr val="F3F3F3"/>
               </a:solidFill>
               <a:prstDash val="solid"/>
               <a:round/>
-              <a:headEnd len="sm" w="sm" type="none"/>
-              <a:tailEnd len="sm" w="sm" type="none"/>
+              <a:headEnd type="none" w="sm" len="sm"/>
+              <a:tailEnd type="none" w="sm" len="sm"/>
             </a:ln>
           </p:spPr>
         </p:cxnSp>
@@ -5118,14 +5152,14 @@
               <a:avLst/>
             </a:prstGeom>
             <a:noFill/>
-            <a:ln cap="flat" cmpd="sng" w="9525">
+            <a:ln w="9525" cap="flat" cmpd="sng">
               <a:solidFill>
                 <a:srgbClr val="F3F3F3"/>
               </a:solidFill>
               <a:prstDash val="solid"/>
               <a:round/>
-              <a:headEnd len="sm" w="sm" type="none"/>
-              <a:tailEnd len="sm" w="sm" type="none"/>
+              <a:headEnd type="none" w="sm" len="sm"/>
+              <a:tailEnd type="none" w="sm" len="sm"/>
             </a:ln>
           </p:spPr>
         </p:cxnSp>
@@ -5144,14 +5178,14 @@
               <a:avLst/>
             </a:prstGeom>
             <a:noFill/>
-            <a:ln cap="flat" cmpd="sng" w="9525">
+            <a:ln w="9525" cap="flat" cmpd="sng">
               <a:solidFill>
                 <a:srgbClr val="F3F3F3"/>
               </a:solidFill>
               <a:prstDash val="dash"/>
               <a:round/>
-              <a:headEnd len="sm" w="sm" type="none"/>
-              <a:tailEnd len="sm" w="sm" type="none"/>
+              <a:headEnd type="none" w="sm" len="sm"/>
+              <a:tailEnd type="none" w="sm" len="sm"/>
             </a:ln>
           </p:spPr>
         </p:cxnSp>
@@ -5170,14 +5204,14 @@
               <a:avLst/>
             </a:prstGeom>
             <a:noFill/>
-            <a:ln cap="flat" cmpd="sng" w="9525">
+            <a:ln w="9525" cap="flat" cmpd="sng">
               <a:solidFill>
                 <a:srgbClr val="F3F3F3"/>
               </a:solidFill>
               <a:prstDash val="dash"/>
               <a:round/>
-              <a:headEnd len="sm" w="sm" type="none"/>
-              <a:tailEnd len="sm" w="sm" type="none"/>
+              <a:headEnd type="none" w="sm" len="sm"/>
+              <a:tailEnd type="none" w="sm" len="sm"/>
             </a:ln>
           </p:spPr>
         </p:cxnSp>
@@ -5196,14 +5230,14 @@
               <a:avLst/>
             </a:prstGeom>
             <a:noFill/>
-            <a:ln cap="flat" cmpd="sng" w="9525">
+            <a:ln w="9525" cap="flat" cmpd="sng">
               <a:solidFill>
                 <a:srgbClr val="F3F3F3"/>
               </a:solidFill>
               <a:prstDash val="dash"/>
               <a:round/>
-              <a:headEnd len="sm" w="sm" type="none"/>
-              <a:tailEnd len="sm" w="sm" type="none"/>
+              <a:headEnd type="none" w="sm" len="sm"/>
+              <a:tailEnd type="none" w="sm" len="sm"/>
             </a:ln>
           </p:spPr>
         </p:cxnSp>
@@ -5222,14 +5256,14 @@
               <a:avLst/>
             </a:prstGeom>
             <a:noFill/>
-            <a:ln cap="flat" cmpd="sng" w="9525">
+            <a:ln w="9525" cap="flat" cmpd="sng">
               <a:solidFill>
                 <a:srgbClr val="F3F3F3"/>
               </a:solidFill>
               <a:prstDash val="dash"/>
               <a:round/>
-              <a:headEnd len="sm" w="sm" type="none"/>
-              <a:tailEnd len="sm" w="sm" type="none"/>
+              <a:headEnd type="none" w="sm" len="sm"/>
+              <a:tailEnd type="none" w="sm" len="sm"/>
             </a:ln>
           </p:spPr>
         </p:cxnSp>
@@ -5248,14 +5282,14 @@
               <a:avLst/>
             </a:prstGeom>
             <a:noFill/>
-            <a:ln cap="flat" cmpd="sng" w="9525">
+            <a:ln w="9525" cap="flat" cmpd="sng">
               <a:solidFill>
                 <a:srgbClr val="F3F3F3"/>
               </a:solidFill>
               <a:prstDash val="dash"/>
               <a:round/>
-              <a:headEnd len="sm" w="sm" type="none"/>
-              <a:tailEnd len="sm" w="sm" type="none"/>
+              <a:headEnd type="none" w="sm" len="sm"/>
+              <a:tailEnd type="none" w="sm" len="sm"/>
             </a:ln>
           </p:spPr>
         </p:cxnSp>
@@ -5274,14 +5308,14 @@
               <a:avLst/>
             </a:prstGeom>
             <a:noFill/>
-            <a:ln cap="flat" cmpd="sng" w="9525">
+            <a:ln w="9525" cap="flat" cmpd="sng">
               <a:solidFill>
                 <a:srgbClr val="F3F3F3"/>
               </a:solidFill>
               <a:prstDash val="dash"/>
               <a:round/>
-              <a:headEnd len="sm" w="sm" type="none"/>
-              <a:tailEnd len="sm" w="sm" type="none"/>
+              <a:headEnd type="none" w="sm" len="sm"/>
+              <a:tailEnd type="none" w="sm" len="sm"/>
             </a:ln>
           </p:spPr>
         </p:cxnSp>
@@ -5300,14 +5334,14 @@
               <a:avLst/>
             </a:prstGeom>
             <a:noFill/>
-            <a:ln cap="flat" cmpd="sng" w="9525">
+            <a:ln w="9525" cap="flat" cmpd="sng">
               <a:solidFill>
                 <a:srgbClr val="F3F3F3"/>
               </a:solidFill>
               <a:prstDash val="dash"/>
               <a:round/>
-              <a:headEnd len="sm" w="sm" type="none"/>
-              <a:tailEnd len="sm" w="sm" type="none"/>
+              <a:headEnd type="none" w="sm" len="sm"/>
+              <a:tailEnd type="none" w="sm" len="sm"/>
             </a:ln>
           </p:spPr>
         </p:cxnSp>
@@ -5326,14 +5360,14 @@
               <a:avLst/>
             </a:prstGeom>
             <a:noFill/>
-            <a:ln cap="flat" cmpd="sng" w="9525">
+            <a:ln w="9525" cap="flat" cmpd="sng">
               <a:solidFill>
                 <a:srgbClr val="F3F3F3"/>
               </a:solidFill>
               <a:prstDash val="dash"/>
               <a:round/>
-              <a:headEnd len="sm" w="sm" type="none"/>
-              <a:tailEnd len="sm" w="sm" type="none"/>
+              <a:headEnd type="none" w="sm" len="sm"/>
+              <a:tailEnd type="none" w="sm" len="sm"/>
             </a:ln>
           </p:spPr>
         </p:cxnSp>
@@ -5352,14 +5386,14 @@
               <a:avLst/>
             </a:prstGeom>
             <a:noFill/>
-            <a:ln cap="flat" cmpd="sng" w="9525">
+            <a:ln w="9525" cap="flat" cmpd="sng">
               <a:solidFill>
                 <a:srgbClr val="F3F3F3"/>
               </a:solidFill>
               <a:prstDash val="dash"/>
               <a:round/>
-              <a:headEnd len="sm" w="sm" type="none"/>
-              <a:tailEnd len="sm" w="sm" type="none"/>
+              <a:headEnd type="none" w="sm" len="sm"/>
+              <a:tailEnd type="none" w="sm" len="sm"/>
             </a:ln>
           </p:spPr>
         </p:cxnSp>
@@ -5378,14 +5412,14 @@
               <a:avLst/>
             </a:prstGeom>
             <a:noFill/>
-            <a:ln cap="flat" cmpd="sng" w="9525">
+            <a:ln w="9525" cap="flat" cmpd="sng">
               <a:solidFill>
                 <a:srgbClr val="F3F3F3"/>
               </a:solidFill>
               <a:prstDash val="dash"/>
               <a:round/>
-              <a:headEnd len="sm" w="sm" type="none"/>
-              <a:tailEnd len="sm" w="sm" type="none"/>
+              <a:headEnd type="none" w="sm" len="sm"/>
+              <a:tailEnd type="none" w="sm" len="sm"/>
             </a:ln>
           </p:spPr>
         </p:cxnSp>
@@ -5404,14 +5438,14 @@
               <a:avLst/>
             </a:prstGeom>
             <a:noFill/>
-            <a:ln cap="flat" cmpd="sng" w="9525">
+            <a:ln w="9525" cap="flat" cmpd="sng">
               <a:solidFill>
                 <a:srgbClr val="F3F3F3"/>
               </a:solidFill>
               <a:prstDash val="dash"/>
               <a:round/>
-              <a:headEnd len="sm" w="sm" type="none"/>
-              <a:tailEnd len="sm" w="sm" type="none"/>
+              <a:headEnd type="none" w="sm" len="sm"/>
+              <a:tailEnd type="none" w="sm" len="sm"/>
             </a:ln>
           </p:spPr>
         </p:cxnSp>
@@ -5430,14 +5464,14 @@
               <a:avLst/>
             </a:prstGeom>
             <a:noFill/>
-            <a:ln cap="flat" cmpd="sng" w="9525">
+            <a:ln w="9525" cap="flat" cmpd="sng">
               <a:solidFill>
                 <a:srgbClr val="F3F3F3"/>
               </a:solidFill>
               <a:prstDash val="dash"/>
               <a:round/>
-              <a:headEnd len="sm" w="sm" type="none"/>
-              <a:tailEnd len="sm" w="sm" type="none"/>
+              <a:headEnd type="none" w="sm" len="sm"/>
+              <a:tailEnd type="none" w="sm" len="sm"/>
             </a:ln>
           </p:spPr>
         </p:cxnSp>
@@ -5445,7 +5479,9 @@
       <p:sp>
         <p:nvSpPr>
           <p:cNvPr id="30" name="Google Shape;30;p1"/>
-          <p:cNvSpPr txBox="1"/>
+          <p:cNvSpPr txBox="1">
+            <a:spLocks noGrp="1"/>
+          </p:cNvSpPr>
           <p:nvPr>
             <p:ph type="title"/>
           </p:nvPr>
@@ -5464,9 +5500,9 @@
           </a:ln>
         </p:spPr>
         <p:txBody>
-          <a:bodyPr anchorCtr="0" anchor="b" bIns="91425" lIns="91425" spcFirstLastPara="1" rIns="91425" wrap="square" tIns="91425"/>
+          <a:bodyPr spcFirstLastPara="1" wrap="square" lIns="91425" tIns="91425" rIns="91425" bIns="91425" anchor="b" anchorCtr="0"/>
           <a:lstStyle>
-            <a:lvl1pPr lvl="0" marR="0" rtl="0" algn="ctr">
+            <a:lvl1pPr marR="0" lvl="0" algn="ctr" rtl="0">
               <a:lnSpc>
                 <a:spcPct val="100000"/>
               </a:lnSpc>
@@ -5482,7 +5518,7 @@
               <a:buSzPts val="2000"/>
               <a:buFont typeface="Oswald"/>
               <a:buNone/>
-              <a:defRPr b="1" i="0" sz="2000" u="none" cap="none" strike="noStrike">
+              <a:defRPr sz="2000" b="1" i="0" u="none" strike="noStrike" cap="none">
                 <a:solidFill>
                   <a:srgbClr val="00CEF6"/>
                 </a:solidFill>
@@ -5492,7 +5528,7 @@
                 <a:sym typeface="Oswald"/>
               </a:defRPr>
             </a:lvl1pPr>
-            <a:lvl2pPr lvl="1" marR="0" rtl="0" algn="ctr">
+            <a:lvl2pPr marR="0" lvl="1" algn="ctr" rtl="0">
               <a:lnSpc>
                 <a:spcPct val="100000"/>
               </a:lnSpc>
@@ -5508,7 +5544,7 @@
               <a:buSzPts val="2000"/>
               <a:buFont typeface="Oswald"/>
               <a:buNone/>
-              <a:defRPr b="1" i="0" sz="2000" u="none" cap="none" strike="noStrike">
+              <a:defRPr sz="2000" b="1" i="0" u="none" strike="noStrike" cap="none">
                 <a:solidFill>
                   <a:srgbClr val="00CEF6"/>
                 </a:solidFill>
@@ -5518,7 +5554,7 @@
                 <a:sym typeface="Oswald"/>
               </a:defRPr>
             </a:lvl2pPr>
-            <a:lvl3pPr lvl="2" marR="0" rtl="0" algn="ctr">
+            <a:lvl3pPr marR="0" lvl="2" algn="ctr" rtl="0">
               <a:lnSpc>
                 <a:spcPct val="100000"/>
               </a:lnSpc>
@@ -5534,7 +5570,7 @@
               <a:buSzPts val="2000"/>
               <a:buFont typeface="Oswald"/>
               <a:buNone/>
-              <a:defRPr b="1" i="0" sz="2000" u="none" cap="none" strike="noStrike">
+              <a:defRPr sz="2000" b="1" i="0" u="none" strike="noStrike" cap="none">
                 <a:solidFill>
                   <a:srgbClr val="00CEF6"/>
                 </a:solidFill>
@@ -5544,7 +5580,7 @@
                 <a:sym typeface="Oswald"/>
               </a:defRPr>
             </a:lvl3pPr>
-            <a:lvl4pPr lvl="3" marR="0" rtl="0" algn="ctr">
+            <a:lvl4pPr marR="0" lvl="3" algn="ctr" rtl="0">
               <a:lnSpc>
                 <a:spcPct val="100000"/>
               </a:lnSpc>
@@ -5560,7 +5596,7 @@
               <a:buSzPts val="2000"/>
               <a:buFont typeface="Oswald"/>
               <a:buNone/>
-              <a:defRPr b="1" i="0" sz="2000" u="none" cap="none" strike="noStrike">
+              <a:defRPr sz="2000" b="1" i="0" u="none" strike="noStrike" cap="none">
                 <a:solidFill>
                   <a:srgbClr val="00CEF6"/>
                 </a:solidFill>
@@ -5570,7 +5606,7 @@
                 <a:sym typeface="Oswald"/>
               </a:defRPr>
             </a:lvl4pPr>
-            <a:lvl5pPr lvl="4" marR="0" rtl="0" algn="ctr">
+            <a:lvl5pPr marR="0" lvl="4" algn="ctr" rtl="0">
               <a:lnSpc>
                 <a:spcPct val="100000"/>
               </a:lnSpc>
@@ -5586,7 +5622,7 @@
               <a:buSzPts val="2000"/>
               <a:buFont typeface="Oswald"/>
               <a:buNone/>
-              <a:defRPr b="1" i="0" sz="2000" u="none" cap="none" strike="noStrike">
+              <a:defRPr sz="2000" b="1" i="0" u="none" strike="noStrike" cap="none">
                 <a:solidFill>
                   <a:srgbClr val="00CEF6"/>
                 </a:solidFill>
@@ -5596,7 +5632,7 @@
                 <a:sym typeface="Oswald"/>
               </a:defRPr>
             </a:lvl5pPr>
-            <a:lvl6pPr lvl="5" marR="0" rtl="0" algn="ctr">
+            <a:lvl6pPr marR="0" lvl="5" algn="ctr" rtl="0">
               <a:lnSpc>
                 <a:spcPct val="100000"/>
               </a:lnSpc>
@@ -5612,7 +5648,7 @@
               <a:buSzPts val="2000"/>
               <a:buFont typeface="Oswald"/>
               <a:buNone/>
-              <a:defRPr b="1" i="0" sz="2000" u="none" cap="none" strike="noStrike">
+              <a:defRPr sz="2000" b="1" i="0" u="none" strike="noStrike" cap="none">
                 <a:solidFill>
                   <a:srgbClr val="00CEF6"/>
                 </a:solidFill>
@@ -5622,7 +5658,7 @@
                 <a:sym typeface="Oswald"/>
               </a:defRPr>
             </a:lvl6pPr>
-            <a:lvl7pPr lvl="6" marR="0" rtl="0" algn="ctr">
+            <a:lvl7pPr marR="0" lvl="6" algn="ctr" rtl="0">
               <a:lnSpc>
                 <a:spcPct val="100000"/>
               </a:lnSpc>
@@ -5638,7 +5674,7 @@
               <a:buSzPts val="2000"/>
               <a:buFont typeface="Oswald"/>
               <a:buNone/>
-              <a:defRPr b="1" i="0" sz="2000" u="none" cap="none" strike="noStrike">
+              <a:defRPr sz="2000" b="1" i="0" u="none" strike="noStrike" cap="none">
                 <a:solidFill>
                   <a:srgbClr val="00CEF6"/>
                 </a:solidFill>
@@ -5648,7 +5684,7 @@
                 <a:sym typeface="Oswald"/>
               </a:defRPr>
             </a:lvl7pPr>
-            <a:lvl8pPr lvl="7" marR="0" rtl="0" algn="ctr">
+            <a:lvl8pPr marR="0" lvl="7" algn="ctr" rtl="0">
               <a:lnSpc>
                 <a:spcPct val="100000"/>
               </a:lnSpc>
@@ -5664,7 +5700,7 @@
               <a:buSzPts val="2000"/>
               <a:buFont typeface="Oswald"/>
               <a:buNone/>
-              <a:defRPr b="1" i="0" sz="2000" u="none" cap="none" strike="noStrike">
+              <a:defRPr sz="2000" b="1" i="0" u="none" strike="noStrike" cap="none">
                 <a:solidFill>
                   <a:srgbClr val="00CEF6"/>
                 </a:solidFill>
@@ -5674,7 +5710,7 @@
                 <a:sym typeface="Oswald"/>
               </a:defRPr>
             </a:lvl8pPr>
-            <a:lvl9pPr lvl="8" marR="0" rtl="0" algn="ctr">
+            <a:lvl9pPr marR="0" lvl="8" algn="ctr" rtl="0">
               <a:lnSpc>
                 <a:spcPct val="100000"/>
               </a:lnSpc>
@@ -5690,7 +5726,7 @@
               <a:buSzPts val="2000"/>
               <a:buFont typeface="Oswald"/>
               <a:buNone/>
-              <a:defRPr b="1" i="0" sz="2000" u="none" cap="none" strike="noStrike">
+              <a:defRPr sz="2000" b="1" i="0" u="none" strike="noStrike" cap="none">
                 <a:solidFill>
                   <a:srgbClr val="00CEF6"/>
                 </a:solidFill>
@@ -5701,15 +5737,19 @@
               </a:defRPr>
             </a:lvl9pPr>
           </a:lstStyle>
-          <a:p/>
+          <a:p>
+            <a:endParaRPr/>
+          </a:p>
         </p:txBody>
       </p:sp>
       <p:sp>
         <p:nvSpPr>
           <p:cNvPr id="31" name="Google Shape;31;p1"/>
-          <p:cNvSpPr txBox="1"/>
+          <p:cNvSpPr txBox="1">
+            <a:spLocks noGrp="1"/>
+          </p:cNvSpPr>
           <p:nvPr>
-            <p:ph idx="1" type="body"/>
+            <p:ph type="body" idx="1"/>
           </p:nvPr>
         </p:nvSpPr>
         <p:spPr>
@@ -5726,9 +5766,9 @@
           </a:ln>
         </p:spPr>
         <p:txBody>
-          <a:bodyPr anchorCtr="0" anchor="t" bIns="91425" lIns="91425" spcFirstLastPara="1" rIns="91425" wrap="square" tIns="91425"/>
+          <a:bodyPr spcFirstLastPara="1" wrap="square" lIns="91425" tIns="91425" rIns="91425" bIns="91425" anchor="t" anchorCtr="0"/>
           <a:lstStyle>
-            <a:lvl1pPr indent="-355600" lvl="0" marL="457200" marR="0" rtl="0" algn="l">
+            <a:lvl1pPr marL="457200" marR="0" lvl="0" indent="-355600" algn="l" rtl="0">
               <a:lnSpc>
                 <a:spcPct val="100000"/>
               </a:lnSpc>
@@ -5744,7 +5784,7 @@
               <a:buSzPts val="2000"/>
               <a:buFont typeface="Source Sans Pro"/>
               <a:buChar char="◉"/>
-              <a:defRPr b="0" i="0" sz="2000" u="none" cap="none" strike="noStrike">
+              <a:defRPr sz="2000" b="0" i="0" u="none" strike="noStrike" cap="none">
                 <a:solidFill>
                   <a:srgbClr val="28324A"/>
                 </a:solidFill>
@@ -5754,7 +5794,7 @@
                 <a:sym typeface="Source Sans Pro"/>
               </a:defRPr>
             </a:lvl1pPr>
-            <a:lvl2pPr indent="-342900" lvl="1" marL="914400" marR="0" rtl="0" algn="l">
+            <a:lvl2pPr marL="914400" marR="0" lvl="1" indent="-342900" algn="l" rtl="0">
               <a:lnSpc>
                 <a:spcPct val="100000"/>
               </a:lnSpc>
@@ -5770,7 +5810,7 @@
               <a:buSzPts val="1800"/>
               <a:buFont typeface="Source Sans Pro"/>
               <a:buChar char="◉"/>
-              <a:defRPr b="0" i="0" sz="1800" u="none" cap="none" strike="noStrike">
+              <a:defRPr sz="1800" b="0" i="0" u="none" strike="noStrike" cap="none">
                 <a:solidFill>
                   <a:srgbClr val="28324A"/>
                 </a:solidFill>
@@ -5780,7 +5820,7 @@
                 <a:sym typeface="Source Sans Pro"/>
               </a:defRPr>
             </a:lvl2pPr>
-            <a:lvl3pPr indent="-342900" lvl="2" marL="1371600" marR="0" rtl="0" algn="l">
+            <a:lvl3pPr marL="1371600" marR="0" lvl="2" indent="-342900" algn="l" rtl="0">
               <a:lnSpc>
                 <a:spcPct val="100000"/>
               </a:lnSpc>
@@ -5796,7 +5836,7 @@
               <a:buSzPts val="1800"/>
               <a:buFont typeface="Source Sans Pro"/>
               <a:buChar char="■"/>
-              <a:defRPr b="0" i="0" sz="1800" u="none" cap="none" strike="noStrike">
+              <a:defRPr sz="1800" b="0" i="0" u="none" strike="noStrike" cap="none">
                 <a:solidFill>
                   <a:srgbClr val="28324A"/>
                 </a:solidFill>
@@ -5806,7 +5846,7 @@
                 <a:sym typeface="Source Sans Pro"/>
               </a:defRPr>
             </a:lvl3pPr>
-            <a:lvl4pPr indent="-342900" lvl="3" marL="1828800" marR="0" rtl="0" algn="l">
+            <a:lvl4pPr marL="1828800" marR="0" lvl="3" indent="-342900" algn="l" rtl="0">
               <a:lnSpc>
                 <a:spcPct val="100000"/>
               </a:lnSpc>
@@ -5822,7 +5862,7 @@
               <a:buSzPts val="1800"/>
               <a:buFont typeface="Source Sans Pro"/>
               <a:buChar char="●"/>
-              <a:defRPr b="0" i="0" sz="1800" u="none" cap="none" strike="noStrike">
+              <a:defRPr sz="1800" b="0" i="0" u="none" strike="noStrike" cap="none">
                 <a:solidFill>
                   <a:srgbClr val="28324A"/>
                 </a:solidFill>
@@ -5832,7 +5872,7 @@
                 <a:sym typeface="Source Sans Pro"/>
               </a:defRPr>
             </a:lvl4pPr>
-            <a:lvl5pPr indent="-342900" lvl="4" marL="2286000" marR="0" rtl="0" algn="l">
+            <a:lvl5pPr marL="2286000" marR="0" lvl="4" indent="-342900" algn="l" rtl="0">
               <a:lnSpc>
                 <a:spcPct val="100000"/>
               </a:lnSpc>
@@ -5848,7 +5888,7 @@
               <a:buSzPts val="1800"/>
               <a:buFont typeface="Source Sans Pro"/>
               <a:buChar char="○"/>
-              <a:defRPr b="0" i="0" sz="1800" u="none" cap="none" strike="noStrike">
+              <a:defRPr sz="1800" b="0" i="0" u="none" strike="noStrike" cap="none">
                 <a:solidFill>
                   <a:srgbClr val="28324A"/>
                 </a:solidFill>
@@ -5858,7 +5898,7 @@
                 <a:sym typeface="Source Sans Pro"/>
               </a:defRPr>
             </a:lvl5pPr>
-            <a:lvl6pPr indent="-342900" lvl="5" marL="2743200" marR="0" rtl="0" algn="l">
+            <a:lvl6pPr marL="2743200" marR="0" lvl="5" indent="-342900" algn="l" rtl="0">
               <a:lnSpc>
                 <a:spcPct val="100000"/>
               </a:lnSpc>
@@ -5874,7 +5914,7 @@
               <a:buSzPts val="1800"/>
               <a:buFont typeface="Source Sans Pro"/>
               <a:buChar char="■"/>
-              <a:defRPr b="0" i="0" sz="1800" u="none" cap="none" strike="noStrike">
+              <a:defRPr sz="1800" b="0" i="0" u="none" strike="noStrike" cap="none">
                 <a:solidFill>
                   <a:srgbClr val="28324A"/>
                 </a:solidFill>
@@ -5884,7 +5924,7 @@
                 <a:sym typeface="Source Sans Pro"/>
               </a:defRPr>
             </a:lvl6pPr>
-            <a:lvl7pPr indent="-342900" lvl="6" marL="3200400" marR="0" rtl="0" algn="l">
+            <a:lvl7pPr marL="3200400" marR="0" lvl="6" indent="-342900" algn="l" rtl="0">
               <a:lnSpc>
                 <a:spcPct val="100000"/>
               </a:lnSpc>
@@ -5900,7 +5940,7 @@
               <a:buSzPts val="1800"/>
               <a:buFont typeface="Source Sans Pro"/>
               <a:buChar char="●"/>
-              <a:defRPr b="0" i="0" sz="1800" u="none" cap="none" strike="noStrike">
+              <a:defRPr sz="1800" b="0" i="0" u="none" strike="noStrike" cap="none">
                 <a:solidFill>
                   <a:srgbClr val="28324A"/>
                 </a:solidFill>
@@ -5910,7 +5950,7 @@
                 <a:sym typeface="Source Sans Pro"/>
               </a:defRPr>
             </a:lvl7pPr>
-            <a:lvl8pPr indent="-342900" lvl="7" marL="3657600" marR="0" rtl="0" algn="l">
+            <a:lvl8pPr marL="3657600" marR="0" lvl="7" indent="-342900" algn="l" rtl="0">
               <a:lnSpc>
                 <a:spcPct val="100000"/>
               </a:lnSpc>
@@ -5926,7 +5966,7 @@
               <a:buSzPts val="1800"/>
               <a:buFont typeface="Source Sans Pro"/>
               <a:buChar char="○"/>
-              <a:defRPr b="0" i="0" sz="1800" u="none" cap="none" strike="noStrike">
+              <a:defRPr sz="1800" b="0" i="0" u="none" strike="noStrike" cap="none">
                 <a:solidFill>
                   <a:srgbClr val="28324A"/>
                 </a:solidFill>
@@ -5936,7 +5976,7 @@
                 <a:sym typeface="Source Sans Pro"/>
               </a:defRPr>
             </a:lvl8pPr>
-            <a:lvl9pPr indent="-342900" lvl="8" marL="4114800" marR="0" rtl="0" algn="l">
+            <a:lvl9pPr marL="4114800" marR="0" lvl="8" indent="-342900" algn="l" rtl="0">
               <a:lnSpc>
                 <a:spcPct val="100000"/>
               </a:lnSpc>
@@ -5952,7 +5992,7 @@
               <a:buSzPts val="1800"/>
               <a:buFont typeface="Source Sans Pro"/>
               <a:buChar char="■"/>
-              <a:defRPr b="0" i="0" sz="1800" u="none" cap="none" strike="noStrike">
+              <a:defRPr sz="1800" b="0" i="0" u="none" strike="noStrike" cap="none">
                 <a:solidFill>
                   <a:srgbClr val="28324A"/>
                 </a:solidFill>
@@ -5963,15 +6003,19 @@
               </a:defRPr>
             </a:lvl9pPr>
           </a:lstStyle>
-          <a:p/>
+          <a:p>
+            <a:endParaRPr/>
+          </a:p>
         </p:txBody>
       </p:sp>
       <p:sp>
         <p:nvSpPr>
           <p:cNvPr id="32" name="Google Shape;32;p1"/>
-          <p:cNvSpPr txBox="1"/>
+          <p:cNvSpPr txBox="1">
+            <a:spLocks noGrp="1"/>
+          </p:cNvSpPr>
           <p:nvPr>
-            <p:ph idx="12" type="sldNum"/>
+            <p:ph type="sldNum" idx="12"/>
           </p:nvPr>
         </p:nvSpPr>
         <p:spPr>
@@ -5988,11 +6032,11 @@
           </a:ln>
         </p:spPr>
         <p:txBody>
-          <a:bodyPr anchorCtr="0" anchor="t" bIns="91425" lIns="91425" spcFirstLastPara="1" rIns="91425" wrap="square" tIns="91425">
+          <a:bodyPr spcFirstLastPara="1" wrap="square" lIns="91425" tIns="91425" rIns="91425" bIns="91425" anchor="t" anchorCtr="0">
             <a:noAutofit/>
           </a:bodyPr>
           <a:lstStyle>
-            <a:lvl1pPr indent="0" lvl="0" marL="0" marR="0" rtl="0" algn="r">
+            <a:lvl1pPr marL="0" marR="0" lvl="0" indent="0" algn="r" rtl="0">
               <a:lnSpc>
                 <a:spcPct val="100000"/>
               </a:lnSpc>
@@ -6008,7 +6052,7 @@
               <a:buSzPts val="1000"/>
               <a:buFont typeface="Arial"/>
               <a:buNone/>
-              <a:defRPr b="0" i="0" sz="1000" u="none" cap="none" strike="noStrike">
+              <a:defRPr sz="1000" b="0" i="0" u="none" strike="noStrike" cap="none">
                 <a:solidFill>
                   <a:srgbClr val="FFFFFF"/>
                 </a:solidFill>
@@ -6018,7 +6062,7 @@
                 <a:sym typeface="Oswald"/>
               </a:defRPr>
             </a:lvl1pPr>
-            <a:lvl2pPr indent="0" lvl="1" marL="0" marR="0" rtl="0" algn="r">
+            <a:lvl2pPr marL="0" marR="0" lvl="1" indent="0" algn="r" rtl="0">
               <a:lnSpc>
                 <a:spcPct val="100000"/>
               </a:lnSpc>
@@ -6034,7 +6078,7 @@
               <a:buSzPts val="1000"/>
               <a:buFont typeface="Arial"/>
               <a:buNone/>
-              <a:defRPr b="0" i="0" sz="1000" u="none" cap="none" strike="noStrike">
+              <a:defRPr sz="1000" b="0" i="0" u="none" strike="noStrike" cap="none">
                 <a:solidFill>
                   <a:srgbClr val="FFFFFF"/>
                 </a:solidFill>
@@ -6044,7 +6088,7 @@
                 <a:sym typeface="Oswald"/>
               </a:defRPr>
             </a:lvl2pPr>
-            <a:lvl3pPr indent="0" lvl="2" marL="0" marR="0" rtl="0" algn="r">
+            <a:lvl3pPr marL="0" marR="0" lvl="2" indent="0" algn="r" rtl="0">
               <a:lnSpc>
                 <a:spcPct val="100000"/>
               </a:lnSpc>
@@ -6060,7 +6104,7 @@
               <a:buSzPts val="1000"/>
               <a:buFont typeface="Arial"/>
               <a:buNone/>
-              <a:defRPr b="0" i="0" sz="1000" u="none" cap="none" strike="noStrike">
+              <a:defRPr sz="1000" b="0" i="0" u="none" strike="noStrike" cap="none">
                 <a:solidFill>
                   <a:srgbClr val="FFFFFF"/>
                 </a:solidFill>
@@ -6070,7 +6114,7 @@
                 <a:sym typeface="Oswald"/>
               </a:defRPr>
             </a:lvl3pPr>
-            <a:lvl4pPr indent="0" lvl="3" marL="0" marR="0" rtl="0" algn="r">
+            <a:lvl4pPr marL="0" marR="0" lvl="3" indent="0" algn="r" rtl="0">
               <a:lnSpc>
                 <a:spcPct val="100000"/>
               </a:lnSpc>
@@ -6086,7 +6130,7 @@
               <a:buSzPts val="1000"/>
               <a:buFont typeface="Arial"/>
               <a:buNone/>
-              <a:defRPr b="0" i="0" sz="1000" u="none" cap="none" strike="noStrike">
+              <a:defRPr sz="1000" b="0" i="0" u="none" strike="noStrike" cap="none">
                 <a:solidFill>
                   <a:srgbClr val="FFFFFF"/>
                 </a:solidFill>
@@ -6096,7 +6140,7 @@
                 <a:sym typeface="Oswald"/>
               </a:defRPr>
             </a:lvl4pPr>
-            <a:lvl5pPr indent="0" lvl="4" marL="0" marR="0" rtl="0" algn="r">
+            <a:lvl5pPr marL="0" marR="0" lvl="4" indent="0" algn="r" rtl="0">
               <a:lnSpc>
                 <a:spcPct val="100000"/>
               </a:lnSpc>
@@ -6112,7 +6156,7 @@
               <a:buSzPts val="1000"/>
               <a:buFont typeface="Arial"/>
               <a:buNone/>
-              <a:defRPr b="0" i="0" sz="1000" u="none" cap="none" strike="noStrike">
+              <a:defRPr sz="1000" b="0" i="0" u="none" strike="noStrike" cap="none">
                 <a:solidFill>
                   <a:srgbClr val="FFFFFF"/>
                 </a:solidFill>
@@ -6122,7 +6166,7 @@
                 <a:sym typeface="Oswald"/>
               </a:defRPr>
             </a:lvl5pPr>
-            <a:lvl6pPr indent="0" lvl="5" marL="0" marR="0" rtl="0" algn="r">
+            <a:lvl6pPr marL="0" marR="0" lvl="5" indent="0" algn="r" rtl="0">
               <a:lnSpc>
                 <a:spcPct val="100000"/>
               </a:lnSpc>
@@ -6138,7 +6182,7 @@
               <a:buSzPts val="1000"/>
               <a:buFont typeface="Arial"/>
               <a:buNone/>
-              <a:defRPr b="0" i="0" sz="1000" u="none" cap="none" strike="noStrike">
+              <a:defRPr sz="1000" b="0" i="0" u="none" strike="noStrike" cap="none">
                 <a:solidFill>
                   <a:srgbClr val="FFFFFF"/>
                 </a:solidFill>
@@ -6148,7 +6192,7 @@
                 <a:sym typeface="Oswald"/>
               </a:defRPr>
             </a:lvl6pPr>
-            <a:lvl7pPr indent="0" lvl="6" marL="0" marR="0" rtl="0" algn="r">
+            <a:lvl7pPr marL="0" marR="0" lvl="6" indent="0" algn="r" rtl="0">
               <a:lnSpc>
                 <a:spcPct val="100000"/>
               </a:lnSpc>
@@ -6164,7 +6208,7 @@
               <a:buSzPts val="1000"/>
               <a:buFont typeface="Arial"/>
               <a:buNone/>
-              <a:defRPr b="0" i="0" sz="1000" u="none" cap="none" strike="noStrike">
+              <a:defRPr sz="1000" b="0" i="0" u="none" strike="noStrike" cap="none">
                 <a:solidFill>
                   <a:srgbClr val="FFFFFF"/>
                 </a:solidFill>
@@ -6174,7 +6218,7 @@
                 <a:sym typeface="Oswald"/>
               </a:defRPr>
             </a:lvl7pPr>
-            <a:lvl8pPr indent="0" lvl="7" marL="0" marR="0" rtl="0" algn="r">
+            <a:lvl8pPr marL="0" marR="0" lvl="7" indent="0" algn="r" rtl="0">
               <a:lnSpc>
                 <a:spcPct val="100000"/>
               </a:lnSpc>
@@ -6190,7 +6234,7 @@
               <a:buSzPts val="1000"/>
               <a:buFont typeface="Arial"/>
               <a:buNone/>
-              <a:defRPr b="0" i="0" sz="1000" u="none" cap="none" strike="noStrike">
+              <a:defRPr sz="1000" b="0" i="0" u="none" strike="noStrike" cap="none">
                 <a:solidFill>
                   <a:srgbClr val="FFFFFF"/>
                 </a:solidFill>
@@ -6200,7 +6244,7 @@
                 <a:sym typeface="Oswald"/>
               </a:defRPr>
             </a:lvl8pPr>
-            <a:lvl9pPr indent="0" lvl="8" marL="0" marR="0" rtl="0" algn="r">
+            <a:lvl9pPr marL="0" marR="0" lvl="8" indent="0" algn="r" rtl="0">
               <a:lnSpc>
                 <a:spcPct val="100000"/>
               </a:lnSpc>
@@ -6216,7 +6260,7 @@
               <a:buSzPts val="1000"/>
               <a:buFont typeface="Arial"/>
               <a:buNone/>
-              <a:defRPr b="0" i="0" sz="1000" u="none" cap="none" strike="noStrike">
+              <a:defRPr sz="1000" b="0" i="0" u="none" strike="noStrike" cap="none">
                 <a:solidFill>
                   <a:srgbClr val="FFFFFF"/>
                 </a:solidFill>
@@ -6228,7 +6272,7 @@
             </a:lvl9pPr>
           </a:lstStyle>
           <a:p>
-            <a:pPr indent="0" lvl="0" marL="0" rtl="0" algn="r">
+            <a:pPr marL="0" lvl="0" indent="0" algn="r" rtl="0">
               <a:spcBef>
                 <a:spcPts val="0"/>
               </a:spcBef>
@@ -6239,7 +6283,7 @@
             </a:pPr>
             <a:fld id="{00000000-1234-1234-1234-123412341234}" type="slidenum">
               <a:rPr lang="es-MX"/>
-              <a:t>‹#›</a:t>
+              <a:t>‹Nº›</a:t>
             </a:fld>
             <a:endParaRPr/>
           </a:p>
@@ -6247,17 +6291,17 @@
       </p:sp>
     </p:spTree>
   </p:cSld>
-  <p:clrMap accent1="accent1" accent2="accent2" accent3="accent3" accent4="accent4" accent5="accent5" accent6="accent6" bg1="lt1" bg2="dk2" tx1="dk1" tx2="lt2" folHlink="folHlink" hlink="hlink"/>
+  <p:clrMap bg1="lt1" tx1="dk1" bg2="dk2" tx2="lt2" accent1="accent1" accent2="accent2" accent3="accent3" accent4="accent4" accent5="accent5" accent6="accent6" hlink="hlink" folHlink="folHlink"/>
   <p:sldLayoutIdLst>
     <p:sldLayoutId id="2147483648" r:id="rId1"/>
   </p:sldLayoutIdLst>
   <p:transition>
     <p:fade thruBlk="1"/>
   </p:transition>
-  <p:hf dt="0" ftr="0" hdr="0"/>
+  <p:hf hdr="0" ftr="0" dt="0"/>
   <p:txStyles>
     <p:titleStyle>
-      <a:defPPr lvl="0" marR="0" rtl="0" algn="l">
+      <a:defPPr marR="0" lvl="0" algn="l" rtl="0">
         <a:lnSpc>
           <a:spcPct val="100000"/>
         </a:lnSpc>
@@ -6268,7 +6312,7 @@
           <a:spcPts val="0"/>
         </a:spcAft>
       </a:defPPr>
-      <a:lvl1pPr lvl="0" marR="0" rtl="0" algn="l">
+      <a:lvl1pPr marR="0" lvl="0" algn="l" rtl="0">
         <a:lnSpc>
           <a:spcPct val="100000"/>
         </a:lnSpc>
@@ -6282,7 +6326,7 @@
           <a:srgbClr val="000000"/>
         </a:buClr>
         <a:buFont typeface="Arial"/>
-        <a:defRPr b="0" i="0" sz="1400" u="none" cap="none" strike="noStrike">
+        <a:defRPr sz="1400" b="0" i="0" u="none" strike="noStrike" cap="none">
           <a:solidFill>
             <a:srgbClr val="000000"/>
           </a:solidFill>
@@ -6292,7 +6336,7 @@
           <a:sym typeface="Arial"/>
         </a:defRPr>
       </a:lvl1pPr>
-      <a:lvl2pPr lvl="1" marR="0" rtl="0" algn="l">
+      <a:lvl2pPr marR="0" lvl="1" algn="l" rtl="0">
         <a:lnSpc>
           <a:spcPct val="100000"/>
         </a:lnSpc>
@@ -6306,7 +6350,7 @@
           <a:srgbClr val="000000"/>
         </a:buClr>
         <a:buFont typeface="Arial"/>
-        <a:defRPr b="0" i="0" sz="1400" u="none" cap="none" strike="noStrike">
+        <a:defRPr sz="1400" b="0" i="0" u="none" strike="noStrike" cap="none">
           <a:solidFill>
             <a:srgbClr val="000000"/>
           </a:solidFill>
@@ -6316,7 +6360,7 @@
           <a:sym typeface="Arial"/>
         </a:defRPr>
       </a:lvl2pPr>
-      <a:lvl3pPr lvl="2" marR="0" rtl="0" algn="l">
+      <a:lvl3pPr marR="0" lvl="2" algn="l" rtl="0">
         <a:lnSpc>
           <a:spcPct val="100000"/>
         </a:lnSpc>
@@ -6330,7 +6374,7 @@
           <a:srgbClr val="000000"/>
         </a:buClr>
         <a:buFont typeface="Arial"/>
-        <a:defRPr b="0" i="0" sz="1400" u="none" cap="none" strike="noStrike">
+        <a:defRPr sz="1400" b="0" i="0" u="none" strike="noStrike" cap="none">
           <a:solidFill>
             <a:srgbClr val="000000"/>
           </a:solidFill>
@@ -6340,7 +6384,7 @@
           <a:sym typeface="Arial"/>
         </a:defRPr>
       </a:lvl3pPr>
-      <a:lvl4pPr lvl="3" marR="0" rtl="0" algn="l">
+      <a:lvl4pPr marR="0" lvl="3" algn="l" rtl="0">
         <a:lnSpc>
           <a:spcPct val="100000"/>
         </a:lnSpc>
@@ -6354,7 +6398,7 @@
           <a:srgbClr val="000000"/>
         </a:buClr>
         <a:buFont typeface="Arial"/>
-        <a:defRPr b="0" i="0" sz="1400" u="none" cap="none" strike="noStrike">
+        <a:defRPr sz="1400" b="0" i="0" u="none" strike="noStrike" cap="none">
           <a:solidFill>
             <a:srgbClr val="000000"/>
           </a:solidFill>
@@ -6364,7 +6408,7 @@
           <a:sym typeface="Arial"/>
         </a:defRPr>
       </a:lvl4pPr>
-      <a:lvl5pPr lvl="4" marR="0" rtl="0" algn="l">
+      <a:lvl5pPr marR="0" lvl="4" algn="l" rtl="0">
         <a:lnSpc>
           <a:spcPct val="100000"/>
         </a:lnSpc>
@@ -6378,7 +6422,7 @@
           <a:srgbClr val="000000"/>
         </a:buClr>
         <a:buFont typeface="Arial"/>
-        <a:defRPr b="0" i="0" sz="1400" u="none" cap="none" strike="noStrike">
+        <a:defRPr sz="1400" b="0" i="0" u="none" strike="noStrike" cap="none">
           <a:solidFill>
             <a:srgbClr val="000000"/>
           </a:solidFill>
@@ -6388,7 +6432,7 @@
           <a:sym typeface="Arial"/>
         </a:defRPr>
       </a:lvl5pPr>
-      <a:lvl6pPr lvl="5" marR="0" rtl="0" algn="l">
+      <a:lvl6pPr marR="0" lvl="5" algn="l" rtl="0">
         <a:lnSpc>
           <a:spcPct val="100000"/>
         </a:lnSpc>
@@ -6402,7 +6446,7 @@
           <a:srgbClr val="000000"/>
         </a:buClr>
         <a:buFont typeface="Arial"/>
-        <a:defRPr b="0" i="0" sz="1400" u="none" cap="none" strike="noStrike">
+        <a:defRPr sz="1400" b="0" i="0" u="none" strike="noStrike" cap="none">
           <a:solidFill>
             <a:srgbClr val="000000"/>
           </a:solidFill>
@@ -6412,7 +6456,7 @@
           <a:sym typeface="Arial"/>
         </a:defRPr>
       </a:lvl6pPr>
-      <a:lvl7pPr lvl="6" marR="0" rtl="0" algn="l">
+      <a:lvl7pPr marR="0" lvl="6" algn="l" rtl="0">
         <a:lnSpc>
           <a:spcPct val="100000"/>
         </a:lnSpc>
@@ -6426,7 +6470,7 @@
           <a:srgbClr val="000000"/>
         </a:buClr>
         <a:buFont typeface="Arial"/>
-        <a:defRPr b="0" i="0" sz="1400" u="none" cap="none" strike="noStrike">
+        <a:defRPr sz="1400" b="0" i="0" u="none" strike="noStrike" cap="none">
           <a:solidFill>
             <a:srgbClr val="000000"/>
           </a:solidFill>
@@ -6436,7 +6480,7 @@
           <a:sym typeface="Arial"/>
         </a:defRPr>
       </a:lvl7pPr>
-      <a:lvl8pPr lvl="7" marR="0" rtl="0" algn="l">
+      <a:lvl8pPr marR="0" lvl="7" algn="l" rtl="0">
         <a:lnSpc>
           <a:spcPct val="100000"/>
         </a:lnSpc>
@@ -6450,7 +6494,7 @@
           <a:srgbClr val="000000"/>
         </a:buClr>
         <a:buFont typeface="Arial"/>
-        <a:defRPr b="0" i="0" sz="1400" u="none" cap="none" strike="noStrike">
+        <a:defRPr sz="1400" b="0" i="0" u="none" strike="noStrike" cap="none">
           <a:solidFill>
             <a:srgbClr val="000000"/>
           </a:solidFill>
@@ -6460,7 +6504,7 @@
           <a:sym typeface="Arial"/>
         </a:defRPr>
       </a:lvl8pPr>
-      <a:lvl9pPr lvl="8" marR="0" rtl="0" algn="l">
+      <a:lvl9pPr marR="0" lvl="8" algn="l" rtl="0">
         <a:lnSpc>
           <a:spcPct val="100000"/>
         </a:lnSpc>
@@ -6474,7 +6518,7 @@
           <a:srgbClr val="000000"/>
         </a:buClr>
         <a:buFont typeface="Arial"/>
-        <a:defRPr b="0" i="0" sz="1400" u="none" cap="none" strike="noStrike">
+        <a:defRPr sz="1400" b="0" i="0" u="none" strike="noStrike" cap="none">
           <a:solidFill>
             <a:srgbClr val="000000"/>
           </a:solidFill>
@@ -6486,7 +6530,7 @@
       </a:lvl9pPr>
     </p:titleStyle>
     <p:bodyStyle>
-      <a:defPPr lvl="0" marR="0" rtl="0" algn="l">
+      <a:defPPr marR="0" lvl="0" algn="l" rtl="0">
         <a:lnSpc>
           <a:spcPct val="100000"/>
         </a:lnSpc>
@@ -6497,7 +6541,7 @@
           <a:spcPts val="0"/>
         </a:spcAft>
       </a:defPPr>
-      <a:lvl1pPr lvl="0" marR="0" rtl="0" algn="l">
+      <a:lvl1pPr marR="0" lvl="0" algn="l" rtl="0">
         <a:lnSpc>
           <a:spcPct val="100000"/>
         </a:lnSpc>
@@ -6511,7 +6555,7 @@
           <a:srgbClr val="000000"/>
         </a:buClr>
         <a:buFont typeface="Arial"/>
-        <a:defRPr b="0" i="0" sz="1400" u="none" cap="none" strike="noStrike">
+        <a:defRPr sz="1400" b="0" i="0" u="none" strike="noStrike" cap="none">
           <a:solidFill>
             <a:srgbClr val="000000"/>
           </a:solidFill>
@@ -6521,7 +6565,7 @@
           <a:sym typeface="Arial"/>
         </a:defRPr>
       </a:lvl1pPr>
-      <a:lvl2pPr lvl="1" marR="0" rtl="0" algn="l">
+      <a:lvl2pPr marR="0" lvl="1" algn="l" rtl="0">
         <a:lnSpc>
           <a:spcPct val="100000"/>
         </a:lnSpc>
@@ -6535,7 +6579,7 @@
           <a:srgbClr val="000000"/>
         </a:buClr>
         <a:buFont typeface="Arial"/>
-        <a:defRPr b="0" i="0" sz="1400" u="none" cap="none" strike="noStrike">
+        <a:defRPr sz="1400" b="0" i="0" u="none" strike="noStrike" cap="none">
           <a:solidFill>
             <a:srgbClr val="000000"/>
           </a:solidFill>
@@ -6545,7 +6589,7 @@
           <a:sym typeface="Arial"/>
         </a:defRPr>
       </a:lvl2pPr>
-      <a:lvl3pPr lvl="2" marR="0" rtl="0" algn="l">
+      <a:lvl3pPr marR="0" lvl="2" algn="l" rtl="0">
         <a:lnSpc>
           <a:spcPct val="100000"/>
         </a:lnSpc>
@@ -6559,7 +6603,7 @@
           <a:srgbClr val="000000"/>
         </a:buClr>
         <a:buFont typeface="Arial"/>
-        <a:defRPr b="0" i="0" sz="1400" u="none" cap="none" strike="noStrike">
+        <a:defRPr sz="1400" b="0" i="0" u="none" strike="noStrike" cap="none">
           <a:solidFill>
             <a:srgbClr val="000000"/>
           </a:solidFill>
@@ -6569,7 +6613,7 @@
           <a:sym typeface="Arial"/>
         </a:defRPr>
       </a:lvl3pPr>
-      <a:lvl4pPr lvl="3" marR="0" rtl="0" algn="l">
+      <a:lvl4pPr marR="0" lvl="3" algn="l" rtl="0">
         <a:lnSpc>
           <a:spcPct val="100000"/>
         </a:lnSpc>
@@ -6583,7 +6627,7 @@
           <a:srgbClr val="000000"/>
         </a:buClr>
         <a:buFont typeface="Arial"/>
-        <a:defRPr b="0" i="0" sz="1400" u="none" cap="none" strike="noStrike">
+        <a:defRPr sz="1400" b="0" i="0" u="none" strike="noStrike" cap="none">
           <a:solidFill>
             <a:srgbClr val="000000"/>
           </a:solidFill>
@@ -6593,7 +6637,7 @@
           <a:sym typeface="Arial"/>
         </a:defRPr>
       </a:lvl4pPr>
-      <a:lvl5pPr lvl="4" marR="0" rtl="0" algn="l">
+      <a:lvl5pPr marR="0" lvl="4" algn="l" rtl="0">
         <a:lnSpc>
           <a:spcPct val="100000"/>
         </a:lnSpc>
@@ -6607,7 +6651,7 @@
           <a:srgbClr val="000000"/>
         </a:buClr>
         <a:buFont typeface="Arial"/>
-        <a:defRPr b="0" i="0" sz="1400" u="none" cap="none" strike="noStrike">
+        <a:defRPr sz="1400" b="0" i="0" u="none" strike="noStrike" cap="none">
           <a:solidFill>
             <a:srgbClr val="000000"/>
           </a:solidFill>
@@ -6617,7 +6661,7 @@
           <a:sym typeface="Arial"/>
         </a:defRPr>
       </a:lvl5pPr>
-      <a:lvl6pPr lvl="5" marR="0" rtl="0" algn="l">
+      <a:lvl6pPr marR="0" lvl="5" algn="l" rtl="0">
         <a:lnSpc>
           <a:spcPct val="100000"/>
         </a:lnSpc>
@@ -6631,7 +6675,7 @@
           <a:srgbClr val="000000"/>
         </a:buClr>
         <a:buFont typeface="Arial"/>
-        <a:defRPr b="0" i="0" sz="1400" u="none" cap="none" strike="noStrike">
+        <a:defRPr sz="1400" b="0" i="0" u="none" strike="noStrike" cap="none">
           <a:solidFill>
             <a:srgbClr val="000000"/>
           </a:solidFill>
@@ -6641,7 +6685,7 @@
           <a:sym typeface="Arial"/>
         </a:defRPr>
       </a:lvl6pPr>
-      <a:lvl7pPr lvl="6" marR="0" rtl="0" algn="l">
+      <a:lvl7pPr marR="0" lvl="6" algn="l" rtl="0">
         <a:lnSpc>
           <a:spcPct val="100000"/>
         </a:lnSpc>
@@ -6655,7 +6699,7 @@
           <a:srgbClr val="000000"/>
         </a:buClr>
         <a:buFont typeface="Arial"/>
-        <a:defRPr b="0" i="0" sz="1400" u="none" cap="none" strike="noStrike">
+        <a:defRPr sz="1400" b="0" i="0" u="none" strike="noStrike" cap="none">
           <a:solidFill>
             <a:srgbClr val="000000"/>
           </a:solidFill>
@@ -6665,7 +6709,7 @@
           <a:sym typeface="Arial"/>
         </a:defRPr>
       </a:lvl7pPr>
-      <a:lvl8pPr lvl="7" marR="0" rtl="0" algn="l">
+      <a:lvl8pPr marR="0" lvl="7" algn="l" rtl="0">
         <a:lnSpc>
           <a:spcPct val="100000"/>
         </a:lnSpc>
@@ -6679,7 +6723,7 @@
           <a:srgbClr val="000000"/>
         </a:buClr>
         <a:buFont typeface="Arial"/>
-        <a:defRPr b="0" i="0" sz="1400" u="none" cap="none" strike="noStrike">
+        <a:defRPr sz="1400" b="0" i="0" u="none" strike="noStrike" cap="none">
           <a:solidFill>
             <a:srgbClr val="000000"/>
           </a:solidFill>
@@ -6689,7 +6733,7 @@
           <a:sym typeface="Arial"/>
         </a:defRPr>
       </a:lvl8pPr>
-      <a:lvl9pPr lvl="8" marR="0" rtl="0" algn="l">
+      <a:lvl9pPr marR="0" lvl="8" algn="l" rtl="0">
         <a:lnSpc>
           <a:spcPct val="100000"/>
         </a:lnSpc>
@@ -6703,7 +6747,7 @@
           <a:srgbClr val="000000"/>
         </a:buClr>
         <a:buFont typeface="Arial"/>
-        <a:defRPr b="0" i="0" sz="1400" u="none" cap="none" strike="noStrike">
+        <a:defRPr sz="1400" b="0" i="0" u="none" strike="noStrike" cap="none">
           <a:solidFill>
             <a:srgbClr val="000000"/>
           </a:solidFill>
@@ -6715,7 +6759,7 @@
       </a:lvl9pPr>
     </p:bodyStyle>
     <p:otherStyle>
-      <a:defPPr lvl="0" marR="0" rtl="0" algn="l">
+      <a:defPPr marR="0" lvl="0" algn="l" rtl="0">
         <a:lnSpc>
           <a:spcPct val="100000"/>
         </a:lnSpc>
@@ -6726,7 +6770,7 @@
           <a:spcPts val="0"/>
         </a:spcAft>
       </a:defPPr>
-      <a:lvl1pPr lvl="0" marR="0" rtl="0" algn="l">
+      <a:lvl1pPr marR="0" lvl="0" algn="l" rtl="0">
         <a:lnSpc>
           <a:spcPct val="100000"/>
         </a:lnSpc>
@@ -6740,7 +6784,7 @@
           <a:srgbClr val="000000"/>
         </a:buClr>
         <a:buFont typeface="Arial"/>
-        <a:defRPr b="0" i="0" sz="1400" u="none" cap="none" strike="noStrike">
+        <a:defRPr sz="1400" b="0" i="0" u="none" strike="noStrike" cap="none">
           <a:solidFill>
             <a:srgbClr val="000000"/>
           </a:solidFill>
@@ -6750,7 +6794,7 @@
           <a:sym typeface="Arial"/>
         </a:defRPr>
       </a:lvl1pPr>
-      <a:lvl2pPr lvl="1" marR="0" rtl="0" algn="l">
+      <a:lvl2pPr marR="0" lvl="1" algn="l" rtl="0">
         <a:lnSpc>
           <a:spcPct val="100000"/>
         </a:lnSpc>
@@ -6764,7 +6808,7 @@
           <a:srgbClr val="000000"/>
         </a:buClr>
         <a:buFont typeface="Arial"/>
-        <a:defRPr b="0" i="0" sz="1400" u="none" cap="none" strike="noStrike">
+        <a:defRPr sz="1400" b="0" i="0" u="none" strike="noStrike" cap="none">
           <a:solidFill>
             <a:srgbClr val="000000"/>
           </a:solidFill>
@@ -6774,7 +6818,7 @@
           <a:sym typeface="Arial"/>
         </a:defRPr>
       </a:lvl2pPr>
-      <a:lvl3pPr lvl="2" marR="0" rtl="0" algn="l">
+      <a:lvl3pPr marR="0" lvl="2" algn="l" rtl="0">
         <a:lnSpc>
           <a:spcPct val="100000"/>
         </a:lnSpc>
@@ -6788,7 +6832,7 @@
           <a:srgbClr val="000000"/>
         </a:buClr>
         <a:buFont typeface="Arial"/>
-        <a:defRPr b="0" i="0" sz="1400" u="none" cap="none" strike="noStrike">
+        <a:defRPr sz="1400" b="0" i="0" u="none" strike="noStrike" cap="none">
           <a:solidFill>
             <a:srgbClr val="000000"/>
           </a:solidFill>
@@ -6798,7 +6842,7 @@
           <a:sym typeface="Arial"/>
         </a:defRPr>
       </a:lvl3pPr>
-      <a:lvl4pPr lvl="3" marR="0" rtl="0" algn="l">
+      <a:lvl4pPr marR="0" lvl="3" algn="l" rtl="0">
         <a:lnSpc>
           <a:spcPct val="100000"/>
         </a:lnSpc>
@@ -6812,7 +6856,7 @@
           <a:srgbClr val="000000"/>
         </a:buClr>
         <a:buFont typeface="Arial"/>
-        <a:defRPr b="0" i="0" sz="1400" u="none" cap="none" strike="noStrike">
+        <a:defRPr sz="1400" b="0" i="0" u="none" strike="noStrike" cap="none">
           <a:solidFill>
             <a:srgbClr val="000000"/>
           </a:solidFill>
@@ -6822,7 +6866,7 @@
           <a:sym typeface="Arial"/>
         </a:defRPr>
       </a:lvl4pPr>
-      <a:lvl5pPr lvl="4" marR="0" rtl="0" algn="l">
+      <a:lvl5pPr marR="0" lvl="4" algn="l" rtl="0">
         <a:lnSpc>
           <a:spcPct val="100000"/>
         </a:lnSpc>
@@ -6836,7 +6880,7 @@
           <a:srgbClr val="000000"/>
         </a:buClr>
         <a:buFont typeface="Arial"/>
-        <a:defRPr b="0" i="0" sz="1400" u="none" cap="none" strike="noStrike">
+        <a:defRPr sz="1400" b="0" i="0" u="none" strike="noStrike" cap="none">
           <a:solidFill>
             <a:srgbClr val="000000"/>
           </a:solidFill>
@@ -6846,7 +6890,7 @@
           <a:sym typeface="Arial"/>
         </a:defRPr>
       </a:lvl5pPr>
-      <a:lvl6pPr lvl="5" marR="0" rtl="0" algn="l">
+      <a:lvl6pPr marR="0" lvl="5" algn="l" rtl="0">
         <a:lnSpc>
           <a:spcPct val="100000"/>
         </a:lnSpc>
@@ -6860,7 +6904,7 @@
           <a:srgbClr val="000000"/>
         </a:buClr>
         <a:buFont typeface="Arial"/>
-        <a:defRPr b="0" i="0" sz="1400" u="none" cap="none" strike="noStrike">
+        <a:defRPr sz="1400" b="0" i="0" u="none" strike="noStrike" cap="none">
           <a:solidFill>
             <a:srgbClr val="000000"/>
           </a:solidFill>
@@ -6870,7 +6914,7 @@
           <a:sym typeface="Arial"/>
         </a:defRPr>
       </a:lvl6pPr>
-      <a:lvl7pPr lvl="6" marR="0" rtl="0" algn="l">
+      <a:lvl7pPr marR="0" lvl="6" algn="l" rtl="0">
         <a:lnSpc>
           <a:spcPct val="100000"/>
         </a:lnSpc>
@@ -6884,7 +6928,7 @@
           <a:srgbClr val="000000"/>
         </a:buClr>
         <a:buFont typeface="Arial"/>
-        <a:defRPr b="0" i="0" sz="1400" u="none" cap="none" strike="noStrike">
+        <a:defRPr sz="1400" b="0" i="0" u="none" strike="noStrike" cap="none">
           <a:solidFill>
             <a:srgbClr val="000000"/>
           </a:solidFill>
@@ -6894,7 +6938,7 @@
           <a:sym typeface="Arial"/>
         </a:defRPr>
       </a:lvl7pPr>
-      <a:lvl8pPr lvl="7" marR="0" rtl="0" algn="l">
+      <a:lvl8pPr marR="0" lvl="7" algn="l" rtl="0">
         <a:lnSpc>
           <a:spcPct val="100000"/>
         </a:lnSpc>
@@ -6908,7 +6952,7 @@
           <a:srgbClr val="000000"/>
         </a:buClr>
         <a:buFont typeface="Arial"/>
-        <a:defRPr b="0" i="0" sz="1400" u="none" cap="none" strike="noStrike">
+        <a:defRPr sz="1400" b="0" i="0" u="none" strike="noStrike" cap="none">
           <a:solidFill>
             <a:srgbClr val="000000"/>
           </a:solidFill>
@@ -6918,7 +6962,7 @@
           <a:sym typeface="Arial"/>
         </a:defRPr>
       </a:lvl8pPr>
-      <a:lvl9pPr lvl="8" marR="0" rtl="0" algn="l">
+      <a:lvl9pPr marR="0" lvl="8" algn="l" rtl="0">
         <a:lnSpc>
           <a:spcPct val="100000"/>
         </a:lnSpc>
@@ -6932,7 +6976,7 @@
           <a:srgbClr val="000000"/>
         </a:buClr>
         <a:buFont typeface="Arial"/>
-        <a:defRPr b="0" i="0" sz="1400" u="none" cap="none" strike="noStrike">
+        <a:defRPr sz="1400" b="0" i="0" u="none" strike="noStrike" cap="none">
           <a:solidFill>
             <a:srgbClr val="000000"/>
           </a:solidFill>
@@ -6948,11 +6992,11 @@
 </file>
 
 <file path=ppt/slides/slide1.xml><?xml version="1.0" encoding="utf-8"?>
-<p:sld xmlns:a="http://schemas.openxmlformats.org/drawingml/2006/main" xmlns:r="http://schemas.openxmlformats.org/officeDocument/2006/relationships" xmlns:mc="http://schemas.openxmlformats.org/markup-compatibility/2006" xmlns:mv="urn:schemas-microsoft-com:mac:vml" xmlns:p="http://schemas.openxmlformats.org/presentationml/2006/main" xmlns:c="http://schemas.openxmlformats.org/drawingml/2006/chart" xmlns:dgm="http://schemas.openxmlformats.org/drawingml/2006/diagram" xmlns:o="urn:schemas-microsoft-com:office:office" xmlns:v="urn:schemas-microsoft-com:vml" xmlns:pvml="urn:schemas-microsoft-com:office:powerpoint" xmlns:com="http://schemas.openxmlformats.org/drawingml/2006/compatibility" xmlns:p14="http://schemas.microsoft.com/office/powerpoint/2010/main" xmlns:p15="http://schemas.microsoft.com/office/powerpoint/2012/main">
+<p:sld xmlns:a="http://schemas.openxmlformats.org/drawingml/2006/main" xmlns:r="http://schemas.openxmlformats.org/officeDocument/2006/relationships" xmlns:p="http://schemas.openxmlformats.org/presentationml/2006/main">
   <p:cSld>
     <p:spTree>
       <p:nvGrpSpPr>
-        <p:cNvPr id="79" name="Shape 79"/>
+        <p:cNvPr id="1" name="Shape 79"/>
         <p:cNvGrpSpPr/>
         <p:nvPr/>
       </p:nvGrpSpPr>
@@ -6967,7 +7011,9 @@
       <p:sp>
         <p:nvSpPr>
           <p:cNvPr id="80" name="Google Shape;80;p3"/>
-          <p:cNvSpPr txBox="1"/>
+          <p:cNvSpPr txBox="1">
+            <a:spLocks noGrp="1"/>
+          </p:cNvSpPr>
           <p:nvPr>
             <p:ph type="title"/>
           </p:nvPr>
@@ -6986,12 +7032,12 @@
           </a:ln>
         </p:spPr>
         <p:txBody>
-          <a:bodyPr anchorCtr="0" anchor="b" bIns="91425" lIns="91425" spcFirstLastPara="1" rIns="91425" wrap="square" tIns="91425">
+          <a:bodyPr spcFirstLastPara="1" wrap="square" lIns="91425" tIns="91425" rIns="91425" bIns="91425" anchor="b" anchorCtr="0">
             <a:noAutofit/>
           </a:bodyPr>
           <a:lstStyle/>
           <a:p>
-            <a:pPr indent="0" lvl="0" marL="0" rtl="0" algn="l">
+            <a:pPr marL="0" lvl="0" indent="0" algn="l" rtl="0">
               <a:lnSpc>
                 <a:spcPct val="100000"/>
               </a:lnSpc>
@@ -7005,7 +7051,7 @@
               <a:buNone/>
             </a:pPr>
             <a:r>
-              <a:rPr lang="es-MX" sz="4400">
+              <a:rPr lang="es-MX" sz="4400" dirty="0" err="1">
                 <a:solidFill>
                   <a:srgbClr val="1155CC"/>
                 </a:solidFill>
@@ -7017,7 +7063,7 @@
               <a:t>B</a:t>
             </a:r>
             <a:r>
-              <a:rPr lang="es-MX" sz="4400">
+              <a:rPr lang="es-MX" sz="4400" dirty="0" err="1">
                 <a:solidFill>
                   <a:srgbClr val="000000"/>
                 </a:solidFill>
@@ -7026,10 +7072,22 @@
                 <a:cs typeface="Yanone Kaffeesatz"/>
                 <a:sym typeface="Yanone Kaffeesatz"/>
               </a:rPr>
-              <a:t>etter </a:t>
+              <a:t>etter</a:t>
             </a:r>
             <a:r>
-              <a:rPr lang="es-MX" sz="4400">
+              <a:rPr lang="es-MX" sz="4400" dirty="0">
+                <a:solidFill>
+                  <a:srgbClr val="000000"/>
+                </a:solidFill>
+                <a:latin typeface="Yanone Kaffeesatz"/>
+                <a:ea typeface="Yanone Kaffeesatz"/>
+                <a:cs typeface="Yanone Kaffeesatz"/>
+                <a:sym typeface="Yanone Kaffeesatz"/>
+              </a:rPr>
+              <a:t> </a:t>
+            </a:r>
+            <a:r>
+              <a:rPr lang="es-MX" sz="4400" dirty="0">
                 <a:solidFill>
                   <a:srgbClr val="1155CC"/>
                 </a:solidFill>
@@ -7041,7 +7099,7 @@
               <a:t>2</a:t>
             </a:r>
             <a:r>
-              <a:rPr lang="es-MX" sz="4400">
+              <a:rPr lang="es-MX" sz="4400" dirty="0">
                 <a:solidFill>
                   <a:srgbClr val="000000"/>
                 </a:solidFill>
@@ -7050,11 +7108,23 @@
                 <a:cs typeface="Yanone Kaffeesatz"/>
                 <a:sym typeface="Yanone Kaffeesatz"/>
               </a:rPr>
-              <a:t>gether.</a:t>
+              <a:t>gether</a:t>
             </a:r>
-            <a:endParaRPr>
+            <a:r>
+              <a:rPr lang="es-MX" sz="4400" dirty="0">
+                <a:solidFill>
+                  <a:srgbClr val="1155CC"/>
+                </a:solidFill>
+                <a:latin typeface="Yanone Kaffeesatz"/>
+                <a:ea typeface="Yanone Kaffeesatz"/>
+                <a:cs typeface="Yanone Kaffeesatz"/>
+                <a:sym typeface="Yanone Kaffeesatz"/>
+              </a:rPr>
+              <a:t>.</a:t>
+            </a:r>
+            <a:endParaRPr dirty="0">
               <a:solidFill>
-                <a:srgbClr val="000000"/>
+                <a:srgbClr val="1155CC"/>
               </a:solidFill>
               <a:latin typeface="Yanone Kaffeesatz"/>
               <a:ea typeface="Yanone Kaffeesatz"/>
@@ -7067,9 +7137,11 @@
       <p:sp>
         <p:nvSpPr>
           <p:cNvPr id="81" name="Google Shape;81;p3"/>
-          <p:cNvSpPr txBox="1"/>
+          <p:cNvSpPr txBox="1">
+            <a:spLocks noGrp="1"/>
+          </p:cNvSpPr>
           <p:nvPr>
-            <p:ph idx="12" type="sldNum"/>
+            <p:ph type="sldNum" idx="12"/>
           </p:nvPr>
         </p:nvSpPr>
         <p:spPr>
@@ -7086,12 +7158,12 @@
           </a:ln>
         </p:spPr>
         <p:txBody>
-          <a:bodyPr anchorCtr="0" anchor="t" bIns="91425" lIns="91425" spcFirstLastPara="1" rIns="91425" wrap="square" tIns="91425">
+          <a:bodyPr spcFirstLastPara="1" wrap="square" lIns="91425" tIns="91425" rIns="91425" bIns="91425" anchor="t" anchorCtr="0">
             <a:noAutofit/>
           </a:bodyPr>
           <a:lstStyle/>
           <a:p>
-            <a:pPr indent="0" lvl="0" marL="0" rtl="0" algn="r">
+            <a:pPr marL="0" lvl="0" indent="0" algn="r" rtl="0">
               <a:lnSpc>
                 <a:spcPct val="100000"/>
               </a:lnSpc>
@@ -7106,7 +7178,7 @@
             </a:pPr>
             <a:fld id="{00000000-1234-1234-1234-123412341234}" type="slidenum">
               <a:rPr lang="es-MX"/>
-              <a:t>‹#›</a:t>
+              <a:t>1</a:t>
             </a:fld>
             <a:endParaRPr/>
           </a:p>
@@ -7122,7 +7194,7 @@
           <a:blip r:embed="rId3">
             <a:alphaModFix/>
           </a:blip>
-          <a:srcRect b="0" l="0" r="0" t="0"/>
+          <a:srcRect/>
           <a:stretch/>
         </p:blipFill>
         <p:spPr>
@@ -7154,17 +7226,17 @@
             <a:avLst/>
           </a:prstGeom>
           <a:noFill/>
-          <a:ln cap="flat" cmpd="sng" w="25400">
+          <a:ln w="25400" cap="flat" cmpd="sng">
             <a:solidFill>
               <a:schemeClr val="accent1"/>
             </a:solidFill>
             <a:prstDash val="solid"/>
             <a:round/>
-            <a:headEnd len="sm" w="sm" type="none"/>
-            <a:tailEnd len="sm" w="sm" type="none"/>
+            <a:headEnd type="none" w="sm" len="sm"/>
+            <a:tailEnd type="none" w="sm" len="sm"/>
           </a:ln>
           <a:effectLst>
-            <a:outerShdw blurRad="40000" rotWithShape="0" dir="5400000" dist="20000">
+            <a:outerShdw blurRad="40000" dist="20000" dir="5400000" rotWithShape="0">
               <a:srgbClr val="000000">
                 <a:alpha val="37647"/>
               </a:srgbClr>
@@ -7192,12 +7264,12 @@
           </a:ln>
         </p:spPr>
         <p:txBody>
-          <a:bodyPr anchorCtr="0" anchor="t" bIns="45700" lIns="91425" spcFirstLastPara="1" rIns="91425" wrap="square" tIns="45700">
+          <a:bodyPr spcFirstLastPara="1" wrap="square" lIns="91425" tIns="45700" rIns="91425" bIns="45700" anchor="t" anchorCtr="0">
             <a:noAutofit/>
           </a:bodyPr>
           <a:lstStyle/>
           <a:p>
-            <a:pPr indent="0" lvl="0" marL="0" marR="0" rtl="0" algn="l">
+            <a:pPr marL="0" marR="0" lvl="0" indent="0" algn="l" rtl="0">
               <a:lnSpc>
                 <a:spcPct val="100000"/>
               </a:lnSpc>
@@ -7210,7 +7282,7 @@
               <a:buNone/>
             </a:pPr>
             <a:r>
-              <a:rPr b="1" i="0" lang="es-MX" sz="4400" u="none" cap="none" strike="noStrike">
+              <a:rPr lang="es-MX" sz="4400" b="1" i="0" u="none" strike="noStrike" cap="none">
                 <a:solidFill>
                   <a:srgbClr val="1155CC"/>
                 </a:solidFill>
@@ -7222,7 +7294,7 @@
               <a:t>M</a:t>
             </a:r>
             <a:r>
-              <a:rPr b="1" i="0" lang="es-MX" sz="4400" u="none" cap="none" strike="noStrike">
+              <a:rPr lang="es-MX" sz="4400" b="1" i="0" u="none" strike="noStrike" cap="none">
                 <a:solidFill>
                   <a:srgbClr val="000000"/>
                 </a:solidFill>
@@ -7234,7 +7306,7 @@
               <a:t>auricio </a:t>
             </a:r>
             <a:r>
-              <a:rPr b="1" i="0" lang="es-MX" sz="4400" u="none" cap="none" strike="noStrike">
+              <a:rPr lang="es-MX" sz="4400" b="1" i="0" u="none" strike="noStrike" cap="none">
                 <a:solidFill>
                   <a:srgbClr val="1155CC"/>
                 </a:solidFill>
@@ -7246,7 +7318,7 @@
               <a:t>R</a:t>
             </a:r>
             <a:r>
-              <a:rPr b="1" i="0" lang="es-MX" sz="4400" u="none" cap="none" strike="noStrike">
+              <a:rPr lang="es-MX" sz="4400" b="1" i="0" u="none" strike="noStrike" cap="none">
                 <a:solidFill>
                   <a:srgbClr val="000000"/>
                 </a:solidFill>
@@ -7260,7 +7332,7 @@
             <a:endParaRPr/>
           </a:p>
           <a:p>
-            <a:pPr indent="0" lvl="0" marL="0" marR="0" rtl="0" algn="l">
+            <a:pPr marL="0" marR="0" lvl="0" indent="0" algn="l" rtl="0">
               <a:lnSpc>
                 <a:spcPct val="100000"/>
               </a:lnSpc>
@@ -7273,7 +7345,7 @@
               <a:buNone/>
             </a:pPr>
             <a:r>
-              <a:rPr b="1" i="0" lang="es-MX" sz="4400" u="none" cap="none" strike="noStrike">
+              <a:rPr lang="es-MX" sz="4400" b="1" i="0" u="none" strike="noStrike" cap="none">
                 <a:solidFill>
                   <a:srgbClr val="1155CC"/>
                 </a:solidFill>
@@ -7285,7 +7357,7 @@
               <a:t>E</a:t>
             </a:r>
             <a:r>
-              <a:rPr b="1" i="0" lang="es-MX" sz="4400" u="none" cap="none" strike="noStrike">
+              <a:rPr lang="es-MX" sz="4400" b="1" i="0" u="none" strike="noStrike" cap="none">
                 <a:solidFill>
                   <a:srgbClr val="000000"/>
                 </a:solidFill>
@@ -7297,7 +7369,7 @@
               <a:t>dwin </a:t>
             </a:r>
             <a:r>
-              <a:rPr b="1" i="0" lang="es-MX" sz="4400" u="none" cap="none" strike="noStrike">
+              <a:rPr lang="es-MX" sz="4400" b="1" i="0" u="none" strike="noStrike" cap="none">
                 <a:solidFill>
                   <a:srgbClr val="1155CC"/>
                 </a:solidFill>
@@ -7309,7 +7381,7 @@
               <a:t>F</a:t>
             </a:r>
             <a:r>
-              <a:rPr b="1" i="0" lang="es-MX" sz="4400" u="none" cap="none" strike="noStrike">
+              <a:rPr lang="es-MX" sz="4400" b="1" i="0" u="none" strike="noStrike" cap="none">
                 <a:solidFill>
                   <a:srgbClr val="000000"/>
                 </a:solidFill>
@@ -7323,7 +7395,7 @@
             <a:endParaRPr/>
           </a:p>
           <a:p>
-            <a:pPr indent="0" lvl="0" marL="0" marR="0" rtl="0" algn="l">
+            <a:pPr marL="0" marR="0" lvl="0" indent="0" algn="l" rtl="0">
               <a:lnSpc>
                 <a:spcPct val="100000"/>
               </a:lnSpc>
@@ -7336,7 +7408,7 @@
               <a:buNone/>
             </a:pPr>
             <a:r>
-              <a:rPr b="1" i="0" lang="es-MX" sz="4400" u="none" cap="none" strike="noStrike">
+              <a:rPr lang="es-MX" sz="4400" b="1" i="0" u="none" strike="noStrike" cap="none">
                 <a:solidFill>
                   <a:srgbClr val="1155CC"/>
                 </a:solidFill>
@@ -7348,7 +7420,7 @@
               <a:t>K</a:t>
             </a:r>
             <a:r>
-              <a:rPr b="1" i="0" lang="es-MX" sz="4400" u="none" cap="none" strike="noStrike">
+              <a:rPr lang="es-MX" sz="4400" b="1" i="0" u="none" strike="noStrike" cap="none">
                 <a:solidFill>
                   <a:srgbClr val="000000"/>
                 </a:solidFill>
@@ -7360,7 +7432,7 @@
               <a:t>irbey </a:t>
             </a:r>
             <a:r>
-              <a:rPr b="1" i="0" lang="es-MX" sz="4400" u="none" cap="none" strike="noStrike">
+              <a:rPr lang="es-MX" sz="4400" b="1" i="0" u="none" strike="noStrike" cap="none">
                 <a:solidFill>
                   <a:srgbClr val="1155CC"/>
                 </a:solidFill>
@@ -7372,7 +7444,7 @@
               <a:t>G</a:t>
             </a:r>
             <a:r>
-              <a:rPr b="1" i="0" lang="es-MX" sz="4400" u="none" cap="none" strike="noStrike">
+              <a:rPr lang="es-MX" sz="4400" b="1" i="0" u="none" strike="noStrike" cap="none">
                 <a:solidFill>
                   <a:srgbClr val="000000"/>
                 </a:solidFill>
@@ -7386,7 +7458,7 @@
             <a:endParaRPr/>
           </a:p>
           <a:p>
-            <a:pPr indent="0" lvl="0" marL="0" marR="0" rtl="0" algn="l">
+            <a:pPr marL="0" marR="0" lvl="0" indent="0" algn="l" rtl="0">
               <a:lnSpc>
                 <a:spcPct val="100000"/>
               </a:lnSpc>
@@ -7399,7 +7471,7 @@
               <a:buNone/>
             </a:pPr>
             <a:r>
-              <a:rPr b="1" i="0" lang="es-MX" sz="4400" u="none" cap="none" strike="noStrike">
+              <a:rPr lang="es-MX" sz="4400" b="1" i="0" u="none" strike="noStrike" cap="none">
                 <a:solidFill>
                   <a:srgbClr val="1155CC"/>
                 </a:solidFill>
@@ -7411,7 +7483,7 @@
               <a:t>J</a:t>
             </a:r>
             <a:r>
-              <a:rPr b="1" i="0" lang="es-MX" sz="4400" u="none" cap="none" strike="noStrike">
+              <a:rPr lang="es-MX" sz="4400" b="1" i="0" u="none" strike="noStrike" cap="none">
                 <a:solidFill>
                   <a:srgbClr val="000000"/>
                 </a:solidFill>
@@ -7423,7 +7495,7 @@
               <a:t>orge </a:t>
             </a:r>
             <a:r>
-              <a:rPr b="1" i="0" lang="es-MX" sz="4400" u="none" cap="none" strike="noStrike">
+              <a:rPr lang="es-MX" sz="4400" b="1" i="0" u="none" strike="noStrike" cap="none">
                 <a:solidFill>
                   <a:srgbClr val="1155CC"/>
                 </a:solidFill>
@@ -7435,7 +7507,7 @@
               <a:t>C</a:t>
             </a:r>
             <a:r>
-              <a:rPr b="1" i="0" lang="es-MX" sz="4400" u="none" cap="none" strike="noStrike">
+              <a:rPr lang="es-MX" sz="4400" b="1" i="0" u="none" strike="noStrike" cap="none">
                 <a:solidFill>
                   <a:srgbClr val="000000"/>
                 </a:solidFill>
@@ -7459,11 +7531,11 @@
 </file>
 
 <file path=ppt/slides/slide2.xml><?xml version="1.0" encoding="utf-8"?>
-<p:sld xmlns:a="http://schemas.openxmlformats.org/drawingml/2006/main" xmlns:r="http://schemas.openxmlformats.org/officeDocument/2006/relationships" xmlns:mc="http://schemas.openxmlformats.org/markup-compatibility/2006" xmlns:mv="urn:schemas-microsoft-com:mac:vml" xmlns:p="http://schemas.openxmlformats.org/presentationml/2006/main" xmlns:c="http://schemas.openxmlformats.org/drawingml/2006/chart" xmlns:dgm="http://schemas.openxmlformats.org/drawingml/2006/diagram" xmlns:o="urn:schemas-microsoft-com:office:office" xmlns:v="urn:schemas-microsoft-com:vml" xmlns:pvml="urn:schemas-microsoft-com:office:powerpoint" xmlns:com="http://schemas.openxmlformats.org/drawingml/2006/compatibility" xmlns:p14="http://schemas.microsoft.com/office/powerpoint/2010/main" xmlns:p15="http://schemas.microsoft.com/office/powerpoint/2012/main">
+<p:sld xmlns:a="http://schemas.openxmlformats.org/drawingml/2006/main" xmlns:r="http://schemas.openxmlformats.org/officeDocument/2006/relationships" xmlns:p="http://schemas.openxmlformats.org/presentationml/2006/main">
   <p:cSld>
     <p:spTree>
       <p:nvGrpSpPr>
-        <p:cNvPr id="88" name="Shape 88"/>
+        <p:cNvPr id="1" name="Shape 88"/>
         <p:cNvGrpSpPr/>
         <p:nvPr/>
       </p:nvGrpSpPr>
@@ -7478,7 +7550,9 @@
       <p:sp>
         <p:nvSpPr>
           <p:cNvPr id="89" name="Google Shape;89;p4"/>
-          <p:cNvSpPr txBox="1"/>
+          <p:cNvSpPr txBox="1">
+            <a:spLocks noGrp="1"/>
+          </p:cNvSpPr>
           <p:nvPr>
             <p:ph type="title"/>
           </p:nvPr>
@@ -7497,12 +7571,12 @@
           </a:ln>
         </p:spPr>
         <p:txBody>
-          <a:bodyPr anchorCtr="0" anchor="b" bIns="91425" lIns="91425" spcFirstLastPara="1" rIns="91425" wrap="square" tIns="91425">
+          <a:bodyPr spcFirstLastPara="1" wrap="square" lIns="91425" tIns="91425" rIns="91425" bIns="91425" anchor="b" anchorCtr="0">
             <a:noAutofit/>
           </a:bodyPr>
           <a:lstStyle/>
           <a:p>
-            <a:pPr indent="0" lvl="0" marL="0" rtl="0" algn="l">
+            <a:pPr marL="0" lvl="0" indent="0" algn="l" rtl="0">
               <a:lnSpc>
                 <a:spcPct val="100000"/>
               </a:lnSpc>
@@ -7546,9 +7620,11 @@
       <p:sp>
         <p:nvSpPr>
           <p:cNvPr id="90" name="Google Shape;90;p4"/>
-          <p:cNvSpPr txBox="1"/>
+          <p:cNvSpPr txBox="1">
+            <a:spLocks noGrp="1"/>
+          </p:cNvSpPr>
           <p:nvPr>
-            <p:ph idx="1" type="body"/>
+            <p:ph type="body" idx="1"/>
           </p:nvPr>
         </p:nvSpPr>
         <p:spPr>
@@ -7565,12 +7641,12 @@
           </a:ln>
         </p:spPr>
         <p:txBody>
-          <a:bodyPr anchorCtr="0" anchor="t" bIns="91425" lIns="91425" spcFirstLastPara="1" rIns="91425" wrap="square" tIns="91425">
+          <a:bodyPr spcFirstLastPara="1" wrap="square" lIns="91425" tIns="91425" rIns="91425" bIns="91425" anchor="t" anchorCtr="0">
             <a:noAutofit/>
           </a:bodyPr>
           <a:lstStyle/>
           <a:p>
-            <a:pPr indent="-355600" lvl="0" marL="457200" rtl="0" algn="l">
+            <a:pPr marL="457200" lvl="0" indent="-355600" algn="l" rtl="0">
               <a:lnSpc>
                 <a:spcPct val="100000"/>
               </a:lnSpc>
@@ -7584,7 +7660,7 @@
               <a:buChar char="◉"/>
             </a:pPr>
             <a:r>
-              <a:rPr b="1" lang="es-MX" sz="2800">
+              <a:rPr lang="es-MX" sz="2800" b="1">
                 <a:solidFill>
                   <a:srgbClr val="1155CC"/>
                 </a:solidFill>
@@ -7596,7 +7672,7 @@
               <a:t>C</a:t>
             </a:r>
             <a:r>
-              <a:rPr b="1" lang="es-MX" sz="2800">
+              <a:rPr lang="es-MX" sz="2800" b="1">
                 <a:latin typeface="Yanone Kaffeesatz"/>
                 <a:ea typeface="Yanone Kaffeesatz"/>
                 <a:cs typeface="Yanone Kaffeesatz"/>
@@ -7607,7 +7683,7 @@
             <a:endParaRPr/>
           </a:p>
           <a:p>
-            <a:pPr indent="-355600" lvl="0" marL="457200" rtl="0" algn="l">
+            <a:pPr marL="457200" lvl="0" indent="-355600" algn="l" rtl="0">
               <a:lnSpc>
                 <a:spcPct val="100000"/>
               </a:lnSpc>
@@ -7621,7 +7697,7 @@
               <a:buChar char="◉"/>
             </a:pPr>
             <a:r>
-              <a:rPr b="1" lang="es-MX" sz="2800">
+              <a:rPr lang="es-MX" sz="2800" b="1">
                 <a:solidFill>
                   <a:srgbClr val="1155CC"/>
                 </a:solidFill>
@@ -7633,7 +7709,7 @@
               <a:t>D</a:t>
             </a:r>
             <a:r>
-              <a:rPr b="1" lang="es-MX" sz="2800">
+              <a:rPr lang="es-MX" sz="2800" b="1">
                 <a:latin typeface="Yanone Kaffeesatz"/>
                 <a:ea typeface="Yanone Kaffeesatz"/>
                 <a:cs typeface="Yanone Kaffeesatz"/>
@@ -7644,7 +7720,7 @@
             <a:endParaRPr/>
           </a:p>
           <a:p>
-            <a:pPr indent="-355600" lvl="0" marL="457200" rtl="0" algn="l">
+            <a:pPr marL="457200" lvl="0" indent="-355600" algn="l" rtl="0">
               <a:lnSpc>
                 <a:spcPct val="100000"/>
               </a:lnSpc>
@@ -7658,7 +7734,7 @@
               <a:buChar char="◉"/>
             </a:pPr>
             <a:r>
-              <a:rPr b="1" lang="es-MX" sz="2800">
+              <a:rPr lang="es-MX" sz="2800" b="1">
                 <a:solidFill>
                   <a:srgbClr val="1155CC"/>
                 </a:solidFill>
@@ -7670,7 +7746,7 @@
               <a:t>S</a:t>
             </a:r>
             <a:r>
-              <a:rPr b="1" lang="es-MX" sz="2800">
+              <a:rPr lang="es-MX" sz="2800" b="1">
                 <a:latin typeface="Yanone Kaffeesatz"/>
                 <a:ea typeface="Yanone Kaffeesatz"/>
                 <a:cs typeface="Yanone Kaffeesatz"/>
@@ -7681,7 +7757,7 @@
             <a:endParaRPr/>
           </a:p>
           <a:p>
-            <a:pPr indent="-355600" lvl="0" marL="457200" rtl="0" algn="l">
+            <a:pPr marL="457200" lvl="0" indent="-355600" algn="l" rtl="0">
               <a:lnSpc>
                 <a:spcPct val="100000"/>
               </a:lnSpc>
@@ -7695,7 +7771,7 @@
               <a:buChar char="◉"/>
             </a:pPr>
             <a:r>
-              <a:rPr b="1" lang="es-MX" sz="2800">
+              <a:rPr lang="es-MX" sz="2800" b="1">
                 <a:solidFill>
                   <a:srgbClr val="1155CC"/>
                 </a:solidFill>
@@ -7707,7 +7783,7 @@
               <a:t>G</a:t>
             </a:r>
             <a:r>
-              <a:rPr b="1" lang="es-MX" sz="2800">
+              <a:rPr lang="es-MX" sz="2800" b="1">
                 <a:latin typeface="Yanone Kaffeesatz"/>
                 <a:ea typeface="Yanone Kaffeesatz"/>
                 <a:cs typeface="Yanone Kaffeesatz"/>
@@ -7726,7 +7802,7 @@
       </p:sp>
       <p:pic>
         <p:nvPicPr>
-          <p:cNvPr descr="Imagen que contiene colorido&#10;&#10;Descripción generada automáticamente" id="91" name="Google Shape;91;p4"/>
+          <p:cNvPr id="91" name="Google Shape;91;p4" descr="Imagen que contiene colorido&#10;&#10;Descripción generada automáticamente"/>
           <p:cNvPicPr preferRelativeResize="0"/>
           <p:nvPr/>
         </p:nvPicPr>
@@ -7734,7 +7810,7 @@
           <a:blip r:embed="rId3">
             <a:alphaModFix/>
           </a:blip>
-          <a:srcRect b="0" l="0" r="0" t="0"/>
+          <a:srcRect/>
           <a:stretch/>
         </p:blipFill>
         <p:spPr>
@@ -7771,12 +7847,12 @@
           </a:ln>
         </p:spPr>
         <p:txBody>
-          <a:bodyPr anchorCtr="0" anchor="t" bIns="45700" lIns="91425" spcFirstLastPara="1" rIns="91425" wrap="square" tIns="45700">
+          <a:bodyPr spcFirstLastPara="1" wrap="square" lIns="91425" tIns="45700" rIns="91425" bIns="45700" anchor="t" anchorCtr="0">
             <a:noAutofit/>
           </a:bodyPr>
           <a:lstStyle/>
           <a:p>
-            <a:pPr indent="0" lvl="0" marL="0" marR="0" rtl="0" algn="l">
+            <a:pPr marL="0" marR="0" lvl="0" indent="0" algn="l" rtl="0">
               <a:lnSpc>
                 <a:spcPct val="100000"/>
               </a:lnSpc>
@@ -7789,7 +7865,7 @@
               <a:buNone/>
             </a:pPr>
             <a:r>
-              <a:rPr b="0" i="0" lang="es-MX" sz="3200" u="none" cap="none" strike="noStrike">
+              <a:rPr lang="es-MX" sz="3200" b="0" i="0" u="none" strike="noStrike" cap="none">
                 <a:solidFill>
                   <a:srgbClr val="1155CC"/>
                 </a:solidFill>
@@ -7801,7 +7877,7 @@
               <a:t>4</a:t>
             </a:r>
             <a:r>
-              <a:rPr b="0" i="0" lang="es-MX" sz="3200" u="none" cap="none" strike="noStrike">
+              <a:rPr lang="es-MX" sz="3200" b="0" i="0" u="none" strike="noStrike" cap="none">
                 <a:solidFill>
                   <a:srgbClr val="000000"/>
                 </a:solidFill>
@@ -7824,32 +7900,32 @@
   <p:timing>
     <p:tnLst>
       <p:par>
-        <p:cTn dur="indefinite" nodeType="tmRoot" restart="never">
+        <p:cTn id="1" dur="indefinite" restart="never" nodeType="tmRoot">
           <p:childTnLst>
             <p:seq concurrent="1" nextAc="seek">
-              <p:cTn dur="indefinite" id="2" nodeType="mainSeq">
+              <p:cTn id="2" dur="indefinite" nodeType="mainSeq">
                 <p:childTnLst>
                   <p:par>
-                    <p:cTn fill="hold">
+                    <p:cTn id="3" fill="hold">
                       <p:stCondLst>
                         <p:cond delay="indefinite"/>
                       </p:stCondLst>
                       <p:childTnLst>
                         <p:par>
-                          <p:cTn fill="hold">
+                          <p:cTn id="4" fill="hold">
                             <p:stCondLst>
                               <p:cond delay="0"/>
                             </p:stCondLst>
                             <p:childTnLst>
                               <p:par>
-                                <p:cTn fill="hold" nodeType="clickEffect" presetClass="entr" presetID="1" presetSubtype="0">
+                                <p:cTn id="5" presetID="1" presetClass="entr" presetSubtype="0" fill="hold" nodeType="clickEffect">
                                   <p:stCondLst>
                                     <p:cond delay="0"/>
                                   </p:stCondLst>
                                   <p:childTnLst>
                                     <p:set>
                                       <p:cBhvr>
-                                        <p:cTn dur="1" fill="hold">
+                                        <p:cTn id="6" dur="1" fill="hold">
                                           <p:stCondLst>
                                             <p:cond delay="0"/>
                                           </p:stCondLst>
@@ -7877,14 +7953,14 @@
                 </p:childTnLst>
               </p:cTn>
               <p:prevCondLst>
-                <p:cond evt="onPrev">
+                <p:cond evt="onPrev" delay="0">
                   <p:tgtEl>
                     <p:sldTgt/>
                   </p:tgtEl>
                 </p:cond>
               </p:prevCondLst>
               <p:nextCondLst>
-                <p:cond evt="onNext">
+                <p:cond evt="onNext" delay="0">
                   <p:tgtEl>
                     <p:sldTgt/>
                   </p:tgtEl>
@@ -7900,11 +7976,11 @@
 </file>
 
 <file path=ppt/slides/slide3.xml><?xml version="1.0" encoding="utf-8"?>
-<p:sld xmlns:a="http://schemas.openxmlformats.org/drawingml/2006/main" xmlns:r="http://schemas.openxmlformats.org/officeDocument/2006/relationships" xmlns:mc="http://schemas.openxmlformats.org/markup-compatibility/2006" xmlns:mv="urn:schemas-microsoft-com:mac:vml" xmlns:p="http://schemas.openxmlformats.org/presentationml/2006/main" xmlns:c="http://schemas.openxmlformats.org/drawingml/2006/chart" xmlns:dgm="http://schemas.openxmlformats.org/drawingml/2006/diagram" xmlns:o="urn:schemas-microsoft-com:office:office" xmlns:v="urn:schemas-microsoft-com:vml" xmlns:pvml="urn:schemas-microsoft-com:office:powerpoint" xmlns:com="http://schemas.openxmlformats.org/drawingml/2006/compatibility" xmlns:p14="http://schemas.microsoft.com/office/powerpoint/2010/main" xmlns:p15="http://schemas.microsoft.com/office/powerpoint/2012/main">
+<p:sld xmlns:a="http://schemas.openxmlformats.org/drawingml/2006/main" xmlns:r="http://schemas.openxmlformats.org/officeDocument/2006/relationships" xmlns:p="http://schemas.openxmlformats.org/presentationml/2006/main">
   <p:cSld>
     <p:spTree>
       <p:nvGrpSpPr>
-        <p:cNvPr id="96" name="Shape 96"/>
+        <p:cNvPr id="1" name="Shape 96"/>
         <p:cNvGrpSpPr/>
         <p:nvPr/>
       </p:nvGrpSpPr>
@@ -7919,7 +7995,9 @@
       <p:sp>
         <p:nvSpPr>
           <p:cNvPr id="97" name="Google Shape;97;p5"/>
-          <p:cNvSpPr txBox="1"/>
+          <p:cNvSpPr txBox="1">
+            <a:spLocks noGrp="1"/>
+          </p:cNvSpPr>
           <p:nvPr>
             <p:ph type="title"/>
           </p:nvPr>
@@ -7938,12 +8016,12 @@
           </a:ln>
         </p:spPr>
         <p:txBody>
-          <a:bodyPr anchorCtr="0" anchor="b" bIns="91425" lIns="91425" spcFirstLastPara="1" rIns="91425" wrap="square" tIns="91425">
+          <a:bodyPr spcFirstLastPara="1" wrap="square" lIns="91425" tIns="91425" rIns="91425" bIns="91425" anchor="b" anchorCtr="0">
             <a:noAutofit/>
           </a:bodyPr>
           <a:lstStyle/>
           <a:p>
-            <a:pPr indent="0" lvl="0" marL="0" rtl="0" algn="ctr">
+            <a:pPr marL="0" lvl="0" indent="0" algn="ctr" rtl="0">
               <a:lnSpc>
                 <a:spcPct val="100000"/>
               </a:lnSpc>
@@ -7987,9 +8065,11 @@
       <p:sp>
         <p:nvSpPr>
           <p:cNvPr id="98" name="Google Shape;98;p5"/>
-          <p:cNvSpPr txBox="1"/>
+          <p:cNvSpPr txBox="1">
+            <a:spLocks noGrp="1"/>
+          </p:cNvSpPr>
           <p:nvPr>
-            <p:ph idx="1" type="body"/>
+            <p:ph type="body" idx="1"/>
           </p:nvPr>
         </p:nvSpPr>
         <p:spPr>
@@ -8006,12 +8086,12 @@
           </a:ln>
         </p:spPr>
         <p:txBody>
-          <a:bodyPr anchorCtr="0" anchor="t" bIns="91425" lIns="91425" spcFirstLastPara="1" rIns="91425" wrap="square" tIns="91425">
+          <a:bodyPr spcFirstLastPara="1" wrap="square" lIns="91425" tIns="91425" rIns="91425" bIns="91425" anchor="t" anchorCtr="0">
             <a:noAutofit/>
           </a:bodyPr>
           <a:lstStyle/>
           <a:p>
-            <a:pPr indent="-355600" lvl="0" marL="457200" rtl="0" algn="l">
+            <a:pPr marL="457200" lvl="0" indent="-355600" algn="l" rtl="0">
               <a:lnSpc>
                 <a:spcPct val="100000"/>
               </a:lnSpc>
@@ -8048,7 +8128,7 @@
             <a:endParaRPr/>
           </a:p>
           <a:p>
-            <a:pPr indent="-355600" lvl="0" marL="457200" rtl="0" algn="l">
+            <a:pPr marL="457200" lvl="0" indent="-355600" algn="l" rtl="0">
               <a:lnSpc>
                 <a:spcPct val="100000"/>
               </a:lnSpc>
@@ -8085,7 +8165,7 @@
             <a:endParaRPr/>
           </a:p>
           <a:p>
-            <a:pPr indent="-355600" lvl="0" marL="457200" rtl="0" algn="l">
+            <a:pPr marL="457200" lvl="0" indent="-355600" algn="l" rtl="0">
               <a:lnSpc>
                 <a:spcPct val="100000"/>
               </a:lnSpc>
@@ -8122,7 +8202,7 @@
             <a:endParaRPr/>
           </a:p>
           <a:p>
-            <a:pPr indent="-355600" lvl="0" marL="457200" rtl="0" algn="l">
+            <a:pPr marL="457200" lvl="0" indent="-355600" algn="l" rtl="0">
               <a:lnSpc>
                 <a:spcPct val="100000"/>
               </a:lnSpc>
@@ -8159,7 +8239,7 @@
             <a:endParaRPr/>
           </a:p>
           <a:p>
-            <a:pPr indent="-355600" lvl="0" marL="457200" rtl="0" algn="l">
+            <a:pPr marL="457200" lvl="0" indent="-355600" algn="l" rtl="0">
               <a:lnSpc>
                 <a:spcPct val="100000"/>
               </a:lnSpc>
@@ -8196,7 +8276,7 @@
             <a:endParaRPr/>
           </a:p>
           <a:p>
-            <a:pPr indent="-355600" lvl="0" marL="457200" rtl="0" algn="l">
+            <a:pPr marL="457200" lvl="0" indent="-355600" algn="l" rtl="0">
               <a:lnSpc>
                 <a:spcPct val="100000"/>
               </a:lnSpc>
@@ -8233,7 +8313,7 @@
             <a:endParaRPr/>
           </a:p>
           <a:p>
-            <a:pPr indent="-228600" lvl="0" marL="457200" rtl="0" algn="l">
+            <a:pPr marL="457200" lvl="0" indent="-228600" algn="l" rtl="0">
               <a:lnSpc>
                 <a:spcPct val="100000"/>
               </a:lnSpc>
@@ -8246,13 +8326,10 @@
               <a:buSzPts val="2000"/>
               <a:buNone/>
             </a:pPr>
-            <a:r>
-              <a:t/>
-            </a:r>
             <a:endParaRPr/>
           </a:p>
           <a:p>
-            <a:pPr indent="-228600" lvl="0" marL="457200" rtl="0" algn="l">
+            <a:pPr marL="457200" lvl="0" indent="-228600" algn="l" rtl="0">
               <a:lnSpc>
                 <a:spcPct val="100000"/>
               </a:lnSpc>
@@ -8265,9 +8342,6 @@
               <a:buSzPts val="2000"/>
               <a:buNone/>
             </a:pPr>
-            <a:r>
-              <a:t/>
-            </a:r>
             <a:endParaRPr/>
           </a:p>
         </p:txBody>
@@ -8282,7 +8356,7 @@
           <a:blip r:embed="rId3">
             <a:alphaModFix/>
           </a:blip>
-          <a:srcRect b="0" l="0" r="0" t="0"/>
+          <a:srcRect/>
           <a:stretch/>
         </p:blipFill>
         <p:spPr>
@@ -8308,11 +8382,11 @@
 </file>
 
 <file path=ppt/slides/slide4.xml><?xml version="1.0" encoding="utf-8"?>
-<p:sld xmlns:a="http://schemas.openxmlformats.org/drawingml/2006/main" xmlns:r="http://schemas.openxmlformats.org/officeDocument/2006/relationships" xmlns:mc="http://schemas.openxmlformats.org/markup-compatibility/2006" xmlns:mv="urn:schemas-microsoft-com:mac:vml" xmlns:p="http://schemas.openxmlformats.org/presentationml/2006/main" xmlns:c="http://schemas.openxmlformats.org/drawingml/2006/chart" xmlns:dgm="http://schemas.openxmlformats.org/drawingml/2006/diagram" xmlns:o="urn:schemas-microsoft-com:office:office" xmlns:v="urn:schemas-microsoft-com:vml" xmlns:pvml="urn:schemas-microsoft-com:office:powerpoint" xmlns:com="http://schemas.openxmlformats.org/drawingml/2006/compatibility" xmlns:p14="http://schemas.microsoft.com/office/powerpoint/2010/main" xmlns:p15="http://schemas.microsoft.com/office/powerpoint/2012/main">
+<p:sld xmlns:a="http://schemas.openxmlformats.org/drawingml/2006/main" xmlns:r="http://schemas.openxmlformats.org/officeDocument/2006/relationships" xmlns:p="http://schemas.openxmlformats.org/presentationml/2006/main">
   <p:cSld>
     <p:spTree>
       <p:nvGrpSpPr>
-        <p:cNvPr id="103" name="Shape 103"/>
+        <p:cNvPr id="1" name="Shape 103"/>
         <p:cNvGrpSpPr/>
         <p:nvPr/>
       </p:nvGrpSpPr>
@@ -8327,7 +8401,9 @@
       <p:sp>
         <p:nvSpPr>
           <p:cNvPr id="104" name="Google Shape;104;p6"/>
-          <p:cNvSpPr txBox="1"/>
+          <p:cNvSpPr txBox="1">
+            <a:spLocks noGrp="1"/>
+          </p:cNvSpPr>
           <p:nvPr>
             <p:ph type="title"/>
           </p:nvPr>
@@ -8346,12 +8422,12 @@
           </a:ln>
         </p:spPr>
         <p:txBody>
-          <a:bodyPr anchorCtr="0" anchor="b" bIns="91425" lIns="91425" spcFirstLastPara="1" rIns="91425" wrap="square" tIns="91425">
+          <a:bodyPr spcFirstLastPara="1" wrap="square" lIns="91425" tIns="91425" rIns="91425" bIns="91425" anchor="b" anchorCtr="0">
             <a:noAutofit/>
           </a:bodyPr>
           <a:lstStyle/>
           <a:p>
-            <a:pPr indent="0" lvl="0" marL="0" rtl="0" algn="ctr">
+            <a:pPr marL="0" lvl="0" indent="0" algn="ctr" rtl="0">
               <a:lnSpc>
                 <a:spcPct val="100000"/>
               </a:lnSpc>
@@ -8443,9 +8519,11 @@
       <p:sp>
         <p:nvSpPr>
           <p:cNvPr id="105" name="Google Shape;105;p6"/>
-          <p:cNvSpPr txBox="1"/>
+          <p:cNvSpPr txBox="1">
+            <a:spLocks noGrp="1"/>
+          </p:cNvSpPr>
           <p:nvPr>
-            <p:ph idx="1" type="body"/>
+            <p:ph type="body" idx="1"/>
           </p:nvPr>
         </p:nvSpPr>
         <p:spPr>
@@ -8462,12 +8540,12 @@
           </a:ln>
         </p:spPr>
         <p:txBody>
-          <a:bodyPr anchorCtr="0" anchor="t" bIns="91425" lIns="91425" spcFirstLastPara="1" rIns="91425" wrap="square" tIns="91425">
+          <a:bodyPr spcFirstLastPara="1" wrap="square" lIns="91425" tIns="91425" rIns="91425" bIns="91425" anchor="t" anchorCtr="0">
             <a:noAutofit/>
           </a:bodyPr>
           <a:lstStyle/>
           <a:p>
-            <a:pPr indent="-355600" lvl="0" marL="457200" rtl="0" algn="l">
+            <a:pPr marL="457200" lvl="0" indent="-355600" algn="l" rtl="0">
               <a:lnSpc>
                 <a:spcPct val="100000"/>
               </a:lnSpc>
@@ -8507,7 +8585,7 @@
             <a:endParaRPr/>
           </a:p>
           <a:p>
-            <a:pPr indent="-355600" lvl="0" marL="457200" rtl="0" algn="l">
+            <a:pPr marL="457200" lvl="0" indent="-355600" algn="l" rtl="0">
               <a:lnSpc>
                 <a:spcPct val="100000"/>
               </a:lnSpc>
@@ -8547,7 +8625,7 @@
             <a:endParaRPr/>
           </a:p>
           <a:p>
-            <a:pPr indent="-355600" lvl="0" marL="457200" rtl="0" algn="l">
+            <a:pPr marL="457200" lvl="0" indent="-355600" algn="l" rtl="0">
               <a:lnSpc>
                 <a:spcPct val="100000"/>
               </a:lnSpc>
@@ -8587,7 +8665,7 @@
             <a:endParaRPr/>
           </a:p>
           <a:p>
-            <a:pPr indent="-355600" lvl="0" marL="457200" rtl="0" algn="l">
+            <a:pPr marL="457200" lvl="0" indent="-355600" algn="l" rtl="0">
               <a:lnSpc>
                 <a:spcPct val="100000"/>
               </a:lnSpc>
@@ -8630,7 +8708,7 @@
       </p:sp>
       <p:pic>
         <p:nvPicPr>
-          <p:cNvPr descr="Imagen que contiene gráficos vectoriales&#10;&#10;Descripción generada automáticamente" id="106" name="Google Shape;106;p6"/>
+          <p:cNvPr id="106" name="Google Shape;106;p6" descr="Imagen que contiene gráficos vectoriales&#10;&#10;Descripción generada automáticamente"/>
           <p:cNvPicPr preferRelativeResize="0"/>
           <p:nvPr/>
         </p:nvPicPr>
@@ -8638,7 +8716,7 @@
           <a:blip r:embed="rId3">
             <a:alphaModFix/>
           </a:blip>
-          <a:srcRect b="0" l="0" r="0" t="0"/>
+          <a:srcRect/>
           <a:stretch/>
         </p:blipFill>
         <p:spPr>
@@ -8663,32 +8741,32 @@
   <p:timing>
     <p:tnLst>
       <p:par>
-        <p:cTn dur="indefinite" nodeType="tmRoot" restart="never">
+        <p:cTn id="1" dur="indefinite" restart="never" nodeType="tmRoot">
           <p:childTnLst>
             <p:seq concurrent="1" nextAc="seek">
-              <p:cTn dur="indefinite" id="2" nodeType="mainSeq">
+              <p:cTn id="2" dur="indefinite" nodeType="mainSeq">
                 <p:childTnLst>
                   <p:par>
-                    <p:cTn fill="hold">
+                    <p:cTn id="3" fill="hold">
                       <p:stCondLst>
                         <p:cond delay="indefinite"/>
                       </p:stCondLst>
                       <p:childTnLst>
                         <p:par>
-                          <p:cTn fill="hold">
+                          <p:cTn id="4" fill="hold">
                             <p:stCondLst>
                               <p:cond delay="0"/>
                             </p:stCondLst>
                             <p:childTnLst>
                               <p:par>
-                                <p:cTn fill="hold" nodeType="clickEffect" presetClass="entr" presetID="1" presetSubtype="0">
+                                <p:cTn id="5" presetID="1" presetClass="entr" presetSubtype="0" fill="hold" nodeType="clickEffect">
                                   <p:stCondLst>
                                     <p:cond delay="0"/>
                                   </p:stCondLst>
                                   <p:childTnLst>
                                     <p:set>
                                       <p:cBhvr>
-                                        <p:cTn dur="1" fill="hold">
+                                        <p:cTn id="6" dur="1" fill="hold">
                                           <p:stCondLst>
                                             <p:cond delay="0"/>
                                           </p:stCondLst>
@@ -8696,7 +8774,7 @@
                                         <p:tgtEl>
                                           <p:spTgt spid="105">
                                             <p:txEl>
-                                              <p:pRg end="0" st="0"/>
+                                              <p:pRg st="0" end="0"/>
                                             </p:txEl>
                                           </p:spTgt>
                                         </p:tgtEl>
@@ -8718,26 +8796,26 @@
                     </p:cTn>
                   </p:par>
                   <p:par>
-                    <p:cTn fill="hold">
+                    <p:cTn id="7" fill="hold">
                       <p:stCondLst>
                         <p:cond delay="indefinite"/>
                       </p:stCondLst>
                       <p:childTnLst>
                         <p:par>
-                          <p:cTn fill="hold">
+                          <p:cTn id="8" fill="hold">
                             <p:stCondLst>
                               <p:cond delay="0"/>
                             </p:stCondLst>
                             <p:childTnLst>
                               <p:par>
-                                <p:cTn fill="hold" nodeType="clickEffect" presetClass="entr" presetID="1" presetSubtype="0">
+                                <p:cTn id="9" presetID="1" presetClass="entr" presetSubtype="0" fill="hold" nodeType="clickEffect">
                                   <p:stCondLst>
                                     <p:cond delay="0"/>
                                   </p:stCondLst>
                                   <p:childTnLst>
                                     <p:set>
                                       <p:cBhvr>
-                                        <p:cTn dur="1" fill="hold">
+                                        <p:cTn id="10" dur="1" fill="hold">
                                           <p:stCondLst>
                                             <p:cond delay="0"/>
                                           </p:stCondLst>
@@ -8745,7 +8823,7 @@
                                         <p:tgtEl>
                                           <p:spTgt spid="105">
                                             <p:txEl>
-                                              <p:pRg end="1" st="1"/>
+                                              <p:pRg st="1" end="1"/>
                                             </p:txEl>
                                           </p:spTgt>
                                         </p:tgtEl>
@@ -8767,26 +8845,26 @@
                     </p:cTn>
                   </p:par>
                   <p:par>
-                    <p:cTn fill="hold">
+                    <p:cTn id="11" fill="hold">
                       <p:stCondLst>
                         <p:cond delay="indefinite"/>
                       </p:stCondLst>
                       <p:childTnLst>
                         <p:par>
-                          <p:cTn fill="hold">
+                          <p:cTn id="12" fill="hold">
                             <p:stCondLst>
                               <p:cond delay="0"/>
                             </p:stCondLst>
                             <p:childTnLst>
                               <p:par>
-                                <p:cTn fill="hold" nodeType="clickEffect" presetClass="entr" presetID="1" presetSubtype="0">
+                                <p:cTn id="13" presetID="1" presetClass="entr" presetSubtype="0" fill="hold" nodeType="clickEffect">
                                   <p:stCondLst>
                                     <p:cond delay="0"/>
                                   </p:stCondLst>
                                   <p:childTnLst>
                                     <p:set>
                                       <p:cBhvr>
-                                        <p:cTn dur="1" fill="hold">
+                                        <p:cTn id="14" dur="1" fill="hold">
                                           <p:stCondLst>
                                             <p:cond delay="0"/>
                                           </p:stCondLst>
@@ -8794,7 +8872,7 @@
                                         <p:tgtEl>
                                           <p:spTgt spid="105">
                                             <p:txEl>
-                                              <p:pRg end="2" st="2"/>
+                                              <p:pRg st="2" end="2"/>
                                             </p:txEl>
                                           </p:spTgt>
                                         </p:tgtEl>
@@ -8816,26 +8894,26 @@
                     </p:cTn>
                   </p:par>
                   <p:par>
-                    <p:cTn fill="hold">
+                    <p:cTn id="15" fill="hold">
                       <p:stCondLst>
                         <p:cond delay="indefinite"/>
                       </p:stCondLst>
                       <p:childTnLst>
                         <p:par>
-                          <p:cTn fill="hold">
+                          <p:cTn id="16" fill="hold">
                             <p:stCondLst>
                               <p:cond delay="0"/>
                             </p:stCondLst>
                             <p:childTnLst>
                               <p:par>
-                                <p:cTn fill="hold" nodeType="clickEffect" presetClass="entr" presetID="1" presetSubtype="0">
+                                <p:cTn id="17" presetID="1" presetClass="entr" presetSubtype="0" fill="hold" nodeType="clickEffect">
                                   <p:stCondLst>
                                     <p:cond delay="0"/>
                                   </p:stCondLst>
                                   <p:childTnLst>
                                     <p:set>
                                       <p:cBhvr>
-                                        <p:cTn dur="1" fill="hold">
+                                        <p:cTn id="18" dur="1" fill="hold">
                                           <p:stCondLst>
                                             <p:cond delay="0"/>
                                           </p:stCondLst>
@@ -8843,7 +8921,7 @@
                                         <p:tgtEl>
                                           <p:spTgt spid="105">
                                             <p:txEl>
-                                              <p:pRg end="3" st="3"/>
+                                              <p:pRg st="3" end="3"/>
                                             </p:txEl>
                                           </p:spTgt>
                                         </p:tgtEl>
@@ -8867,14 +8945,14 @@
                 </p:childTnLst>
               </p:cTn>
               <p:prevCondLst>
-                <p:cond evt="onPrev">
+                <p:cond evt="onPrev" delay="0">
                   <p:tgtEl>
                     <p:sldTgt/>
                   </p:tgtEl>
                 </p:cond>
               </p:prevCondLst>
               <p:nextCondLst>
-                <p:cond evt="onNext">
+                <p:cond evt="onNext" delay="0">
                   <p:tgtEl>
                     <p:sldTgt/>
                   </p:tgtEl>
@@ -8890,11 +8968,11 @@
 </file>
 
 <file path=ppt/slides/slide5.xml><?xml version="1.0" encoding="utf-8"?>
-<p:sld xmlns:a="http://schemas.openxmlformats.org/drawingml/2006/main" xmlns:r="http://schemas.openxmlformats.org/officeDocument/2006/relationships" xmlns:mc="http://schemas.openxmlformats.org/markup-compatibility/2006" xmlns:mv="urn:schemas-microsoft-com:mac:vml" xmlns:p="http://schemas.openxmlformats.org/presentationml/2006/main" xmlns:c="http://schemas.openxmlformats.org/drawingml/2006/chart" xmlns:dgm="http://schemas.openxmlformats.org/drawingml/2006/diagram" xmlns:o="urn:schemas-microsoft-com:office:office" xmlns:v="urn:schemas-microsoft-com:vml" xmlns:pvml="urn:schemas-microsoft-com:office:powerpoint" xmlns:com="http://schemas.openxmlformats.org/drawingml/2006/compatibility" xmlns:p14="http://schemas.microsoft.com/office/powerpoint/2010/main" xmlns:p15="http://schemas.microsoft.com/office/powerpoint/2012/main">
+<p:sld xmlns:a="http://schemas.openxmlformats.org/drawingml/2006/main" xmlns:r="http://schemas.openxmlformats.org/officeDocument/2006/relationships" xmlns:p="http://schemas.openxmlformats.org/presentationml/2006/main">
   <p:cSld>
     <p:spTree>
       <p:nvGrpSpPr>
-        <p:cNvPr id="110" name="Shape 110"/>
+        <p:cNvPr id="1" name="Shape 110"/>
         <p:cNvGrpSpPr/>
         <p:nvPr/>
       </p:nvGrpSpPr>
@@ -8909,7 +8987,9 @@
       <p:sp>
         <p:nvSpPr>
           <p:cNvPr id="111" name="Google Shape;111;p7"/>
-          <p:cNvSpPr txBox="1"/>
+          <p:cNvSpPr txBox="1">
+            <a:spLocks noGrp="1"/>
+          </p:cNvSpPr>
           <p:nvPr>
             <p:ph type="title"/>
           </p:nvPr>
@@ -8928,12 +9008,12 @@
           </a:ln>
         </p:spPr>
         <p:txBody>
-          <a:bodyPr anchorCtr="0" anchor="b" bIns="91425" lIns="91425" spcFirstLastPara="1" rIns="91425" wrap="square" tIns="91425">
+          <a:bodyPr spcFirstLastPara="1" wrap="square" lIns="91425" tIns="91425" rIns="91425" bIns="91425" anchor="b" anchorCtr="0">
             <a:noAutofit/>
           </a:bodyPr>
           <a:lstStyle/>
           <a:p>
-            <a:pPr indent="0" lvl="0" marL="0" rtl="0" algn="ctr">
+            <a:pPr marL="0" lvl="0" indent="0" algn="ctr" rtl="0">
               <a:lnSpc>
                 <a:spcPct val="100000"/>
               </a:lnSpc>
@@ -9001,9 +9081,11 @@
       <p:sp>
         <p:nvSpPr>
           <p:cNvPr id="112" name="Google Shape;112;p7"/>
-          <p:cNvSpPr txBox="1"/>
+          <p:cNvSpPr txBox="1">
+            <a:spLocks noGrp="1"/>
+          </p:cNvSpPr>
           <p:nvPr>
-            <p:ph idx="1" type="body"/>
+            <p:ph type="body" idx="1"/>
           </p:nvPr>
         </p:nvSpPr>
         <p:spPr>
@@ -9020,12 +9102,12 @@
           </a:ln>
         </p:spPr>
         <p:txBody>
-          <a:bodyPr anchorCtr="0" anchor="t" bIns="91425" lIns="91425" spcFirstLastPara="1" rIns="91425" wrap="square" tIns="91425">
+          <a:bodyPr spcFirstLastPara="1" wrap="square" lIns="91425" tIns="91425" rIns="91425" bIns="91425" anchor="t" anchorCtr="0">
             <a:noAutofit/>
           </a:bodyPr>
           <a:lstStyle/>
           <a:p>
-            <a:pPr indent="-228600" lvl="0" marL="457200" rtl="0" algn="l">
+            <a:pPr marL="457200" lvl="0" indent="-228600" algn="l" rtl="0">
               <a:lnSpc>
                 <a:spcPct val="100000"/>
               </a:lnSpc>
@@ -9038,13 +9120,10 @@
               <a:buSzPts val="2000"/>
               <a:buNone/>
             </a:pPr>
-            <a:r>
-              <a:t/>
-            </a:r>
             <a:endParaRPr/>
           </a:p>
           <a:p>
-            <a:pPr indent="0" lvl="1" marL="571500" rtl="0" algn="l">
+            <a:pPr marL="571500" lvl="1" indent="0" algn="l" rtl="0">
               <a:lnSpc>
                 <a:spcPct val="100000"/>
               </a:lnSpc>
@@ -9057,9 +9136,6 @@
               <a:buSzPts val="1800"/>
               <a:buNone/>
             </a:pPr>
-            <a:r>
-              <a:t/>
-            </a:r>
             <a:endParaRPr/>
           </a:p>
         </p:txBody>
@@ -9074,7 +9150,7 @@
           <a:blip r:embed="rId3">
             <a:alphaModFix/>
           </a:blip>
-          <a:srcRect b="0" l="0" r="0" t="0"/>
+          <a:srcRect/>
           <a:stretch/>
         </p:blipFill>
         <p:spPr>
@@ -9101,7 +9177,7 @@
           <a:blip r:embed="rId4">
             <a:alphaModFix/>
           </a:blip>
-          <a:srcRect b="0" l="0" r="0" t="0"/>
+          <a:srcRect/>
           <a:stretch/>
         </p:blipFill>
         <p:spPr>
@@ -9127,11 +9203,11 @@
 </file>
 
 <file path=ppt/slides/slide6.xml><?xml version="1.0" encoding="utf-8"?>
-<p:sld xmlns:a="http://schemas.openxmlformats.org/drawingml/2006/main" xmlns:r="http://schemas.openxmlformats.org/officeDocument/2006/relationships" xmlns:mc="http://schemas.openxmlformats.org/markup-compatibility/2006" xmlns:mv="urn:schemas-microsoft-com:mac:vml" xmlns:p="http://schemas.openxmlformats.org/presentationml/2006/main" xmlns:c="http://schemas.openxmlformats.org/drawingml/2006/chart" xmlns:dgm="http://schemas.openxmlformats.org/drawingml/2006/diagram" xmlns:o="urn:schemas-microsoft-com:office:office" xmlns:v="urn:schemas-microsoft-com:vml" xmlns:pvml="urn:schemas-microsoft-com:office:powerpoint" xmlns:com="http://schemas.openxmlformats.org/drawingml/2006/compatibility" xmlns:p14="http://schemas.microsoft.com/office/powerpoint/2010/main" xmlns:p15="http://schemas.microsoft.com/office/powerpoint/2012/main">
+<p:sld xmlns:a="http://schemas.openxmlformats.org/drawingml/2006/main" xmlns:r="http://schemas.openxmlformats.org/officeDocument/2006/relationships" xmlns:p="http://schemas.openxmlformats.org/presentationml/2006/main">
   <p:cSld>
     <p:spTree>
       <p:nvGrpSpPr>
-        <p:cNvPr id="118" name="Shape 118"/>
+        <p:cNvPr id="1" name="Shape 118"/>
         <p:cNvGrpSpPr/>
         <p:nvPr/>
       </p:nvGrpSpPr>
@@ -9146,7 +9222,9 @@
       <p:sp>
         <p:nvSpPr>
           <p:cNvPr id="119" name="Google Shape;119;p8"/>
-          <p:cNvSpPr txBox="1"/>
+          <p:cNvSpPr txBox="1">
+            <a:spLocks noGrp="1"/>
+          </p:cNvSpPr>
           <p:nvPr>
             <p:ph type="title"/>
           </p:nvPr>
@@ -9165,12 +9243,12 @@
           </a:ln>
         </p:spPr>
         <p:txBody>
-          <a:bodyPr anchorCtr="0" anchor="b" bIns="91425" lIns="91425" spcFirstLastPara="1" rIns="91425" wrap="square" tIns="91425">
+          <a:bodyPr spcFirstLastPara="1" wrap="square" lIns="91425" tIns="91425" rIns="91425" bIns="91425" anchor="b" anchorCtr="0">
             <a:noAutofit/>
           </a:bodyPr>
           <a:lstStyle/>
           <a:p>
-            <a:pPr indent="0" lvl="0" marL="0" rtl="0" algn="ctr">
+            <a:pPr marL="0" lvl="0" indent="0" algn="ctr" rtl="0">
               <a:lnSpc>
                 <a:spcPct val="100000"/>
               </a:lnSpc>
@@ -9245,7 +9323,7 @@
           <a:blip r:embed="rId3">
             <a:alphaModFix/>
           </a:blip>
-          <a:srcRect b="0" l="0" r="0" t="0"/>
+          <a:srcRect/>
           <a:stretch/>
         </p:blipFill>
         <p:spPr>
@@ -9272,7 +9350,7 @@
           <a:blip r:embed="rId4">
             <a:alphaModFix/>
           </a:blip>
-          <a:srcRect b="0" l="0" r="0" t="0"/>
+          <a:srcRect/>
           <a:stretch/>
         </p:blipFill>
         <p:spPr>
@@ -9299,7 +9377,7 @@
           <a:blip r:embed="rId5">
             <a:alphaModFix/>
           </a:blip>
-          <a:srcRect b="0" l="0" r="0" t="0"/>
+          <a:srcRect/>
           <a:stretch/>
         </p:blipFill>
         <p:spPr>
@@ -9325,11 +9403,11 @@
 </file>
 
 <file path=ppt/slides/slide7.xml><?xml version="1.0" encoding="utf-8"?>
-<p:sld xmlns:a="http://schemas.openxmlformats.org/drawingml/2006/main" xmlns:r="http://schemas.openxmlformats.org/officeDocument/2006/relationships" xmlns:mc="http://schemas.openxmlformats.org/markup-compatibility/2006" xmlns:mv="urn:schemas-microsoft-com:mac:vml" xmlns:p="http://schemas.openxmlformats.org/presentationml/2006/main" xmlns:c="http://schemas.openxmlformats.org/drawingml/2006/chart" xmlns:dgm="http://schemas.openxmlformats.org/drawingml/2006/diagram" xmlns:o="urn:schemas-microsoft-com:office:office" xmlns:v="urn:schemas-microsoft-com:vml" xmlns:pvml="urn:schemas-microsoft-com:office:powerpoint" xmlns:com="http://schemas.openxmlformats.org/drawingml/2006/compatibility" xmlns:p14="http://schemas.microsoft.com/office/powerpoint/2010/main" xmlns:p15="http://schemas.microsoft.com/office/powerpoint/2012/main">
+<p:sld xmlns:a="http://schemas.openxmlformats.org/drawingml/2006/main" xmlns:r="http://schemas.openxmlformats.org/officeDocument/2006/relationships" xmlns:p="http://schemas.openxmlformats.org/presentationml/2006/main">
   <p:cSld>
     <p:spTree>
       <p:nvGrpSpPr>
-        <p:cNvPr id="126" name="Shape 126"/>
+        <p:cNvPr id="1" name="Shape 126"/>
         <p:cNvGrpSpPr/>
         <p:nvPr/>
       </p:nvGrpSpPr>
@@ -9344,9 +9422,11 @@
       <p:sp>
         <p:nvSpPr>
           <p:cNvPr id="127" name="Google Shape;127;p9"/>
-          <p:cNvSpPr txBox="1"/>
+          <p:cNvSpPr txBox="1">
+            <a:spLocks noGrp="1"/>
+          </p:cNvSpPr>
           <p:nvPr>
-            <p:ph idx="1" type="body"/>
+            <p:ph type="body" idx="1"/>
           </p:nvPr>
         </p:nvSpPr>
         <p:spPr>
@@ -9363,12 +9443,12 @@
           </a:ln>
         </p:spPr>
         <p:txBody>
-          <a:bodyPr anchorCtr="0" anchor="t" bIns="91425" lIns="91425" spcFirstLastPara="1" rIns="91425" wrap="square" tIns="91425">
+          <a:bodyPr spcFirstLastPara="1" wrap="square" lIns="91425" tIns="91425" rIns="91425" bIns="91425" anchor="t" anchorCtr="0">
             <a:noAutofit/>
           </a:bodyPr>
           <a:lstStyle/>
           <a:p>
-            <a:pPr indent="-355600" lvl="0" marL="457200" rtl="0" algn="l">
+            <a:pPr marL="457200" lvl="0" indent="-355600" algn="l" rtl="0">
               <a:lnSpc>
                 <a:spcPct val="100000"/>
               </a:lnSpc>
@@ -9386,7 +9466,7 @@
               <a:t>El método de inspección elegido fue </a:t>
             </a:r>
             <a:r>
-              <a:rPr b="1" lang="es-MX"/>
+              <a:rPr lang="es-MX" b="1"/>
               <a:t>Inspección heurística</a:t>
             </a:r>
             <a:r>
@@ -9396,7 +9476,7 @@
             <a:endParaRPr/>
           </a:p>
           <a:p>
-            <a:pPr indent="-228600" lvl="0" marL="457200" rtl="0" algn="l">
+            <a:pPr marL="457200" lvl="0" indent="-228600" algn="l" rtl="0">
               <a:lnSpc>
                 <a:spcPct val="100000"/>
               </a:lnSpc>
@@ -9409,13 +9489,10 @@
               <a:buSzPts val="2000"/>
               <a:buNone/>
             </a:pPr>
-            <a:r>
-              <a:t/>
-            </a:r>
             <a:endParaRPr/>
           </a:p>
           <a:p>
-            <a:pPr indent="-355600" lvl="0" marL="457200" rtl="0" algn="l">
+            <a:pPr marL="457200" lvl="0" indent="-355600" algn="l" rtl="0">
               <a:lnSpc>
                 <a:spcPct val="100000"/>
               </a:lnSpc>
@@ -9433,7 +9510,7 @@
               <a:t>La herramienta de inspección que usaremos para la evaluación de la aplicación de dicho método de inspección será la </a:t>
             </a:r>
             <a:r>
-              <a:rPr b="1" lang="es-MX"/>
+              <a:rPr lang="es-MX" b="1"/>
               <a:t>Lista de comprobación.</a:t>
             </a:r>
             <a:endParaRPr/>
@@ -9443,7 +9520,9 @@
       <p:sp>
         <p:nvSpPr>
           <p:cNvPr id="128" name="Google Shape;128;p9"/>
-          <p:cNvSpPr txBox="1"/>
+          <p:cNvSpPr txBox="1">
+            <a:spLocks noGrp="1"/>
+          </p:cNvSpPr>
           <p:nvPr>
             <p:ph type="title"/>
           </p:nvPr>
@@ -9462,12 +9541,12 @@
           </a:ln>
         </p:spPr>
         <p:txBody>
-          <a:bodyPr anchorCtr="0" anchor="b" bIns="91425" lIns="91425" spcFirstLastPara="1" rIns="91425" wrap="square" tIns="91425">
+          <a:bodyPr spcFirstLastPara="1" wrap="square" lIns="91425" tIns="91425" rIns="91425" bIns="91425" anchor="b" anchorCtr="0">
             <a:noAutofit/>
           </a:bodyPr>
           <a:lstStyle/>
           <a:p>
-            <a:pPr indent="0" lvl="0" marL="0" rtl="0" algn="ctr">
+            <a:pPr marL="0" lvl="0" indent="0" algn="ctr" rtl="0">
               <a:lnSpc>
                 <a:spcPct val="100000"/>
               </a:lnSpc>
@@ -9517,11 +9596,11 @@
 </file>
 
 <file path=ppt/slides/slide8.xml><?xml version="1.0" encoding="utf-8"?>
-<p:sld xmlns:a="http://schemas.openxmlformats.org/drawingml/2006/main" xmlns:r="http://schemas.openxmlformats.org/officeDocument/2006/relationships" xmlns:mc="http://schemas.openxmlformats.org/markup-compatibility/2006" xmlns:mv="urn:schemas-microsoft-com:mac:vml" xmlns:p="http://schemas.openxmlformats.org/presentationml/2006/main" xmlns:c="http://schemas.openxmlformats.org/drawingml/2006/chart" xmlns:dgm="http://schemas.openxmlformats.org/drawingml/2006/diagram" xmlns:o="urn:schemas-microsoft-com:office:office" xmlns:v="urn:schemas-microsoft-com:vml" xmlns:pvml="urn:schemas-microsoft-com:office:powerpoint" xmlns:com="http://schemas.openxmlformats.org/drawingml/2006/compatibility" xmlns:p14="http://schemas.microsoft.com/office/powerpoint/2010/main" xmlns:p15="http://schemas.microsoft.com/office/powerpoint/2012/main">
+<p:sld xmlns:a="http://schemas.openxmlformats.org/drawingml/2006/main" xmlns:r="http://schemas.openxmlformats.org/officeDocument/2006/relationships" xmlns:p="http://schemas.openxmlformats.org/presentationml/2006/main">
   <p:cSld>
     <p:spTree>
       <p:nvGrpSpPr>
-        <p:cNvPr id="132" name="Shape 132"/>
+        <p:cNvPr id="1" name="Shape 132"/>
         <p:cNvGrpSpPr/>
         <p:nvPr/>
       </p:nvGrpSpPr>
@@ -9536,9 +9615,11 @@
       <p:sp>
         <p:nvSpPr>
           <p:cNvPr id="133" name="Google Shape;133;p10"/>
-          <p:cNvSpPr txBox="1"/>
+          <p:cNvSpPr txBox="1">
+            <a:spLocks noGrp="1"/>
+          </p:cNvSpPr>
           <p:nvPr>
-            <p:ph idx="1" type="body"/>
+            <p:ph type="body" idx="1"/>
           </p:nvPr>
         </p:nvSpPr>
         <p:spPr>
@@ -9555,12 +9636,12 @@
           </a:ln>
         </p:spPr>
         <p:txBody>
-          <a:bodyPr anchorCtr="0" anchor="t" bIns="91425" lIns="91425" spcFirstLastPara="1" rIns="91425" wrap="square" tIns="91425">
+          <a:bodyPr spcFirstLastPara="1" wrap="square" lIns="91425" tIns="91425" rIns="91425" bIns="91425" anchor="t" anchorCtr="0">
             <a:noAutofit/>
           </a:bodyPr>
           <a:lstStyle/>
           <a:p>
-            <a:pPr indent="-355600" lvl="0" marL="457200" rtl="0" algn="l">
+            <a:pPr marL="457200" lvl="0" indent="-355600" algn="l" rtl="0">
               <a:lnSpc>
                 <a:spcPct val="100000"/>
               </a:lnSpc>
@@ -9580,7 +9661,7 @@
             <a:endParaRPr/>
           </a:p>
           <a:p>
-            <a:pPr indent="-355600" lvl="0" marL="457200" rtl="0" algn="l">
+            <a:pPr marL="457200" lvl="0" indent="-355600" algn="l" rtl="0">
               <a:lnSpc>
                 <a:spcPct val="100000"/>
               </a:lnSpc>
@@ -9600,7 +9681,7 @@
             <a:endParaRPr/>
           </a:p>
           <a:p>
-            <a:pPr indent="-342900" lvl="1" marL="914400" rtl="0" algn="l">
+            <a:pPr marL="914400" lvl="1" indent="-342900" algn="l" rtl="0">
               <a:lnSpc>
                 <a:spcPct val="100000"/>
               </a:lnSpc>
@@ -9621,7 +9702,7 @@
             <a:endParaRPr/>
           </a:p>
           <a:p>
-            <a:pPr indent="-342900" lvl="1" marL="914400" rtl="0" algn="l">
+            <a:pPr marL="914400" lvl="1" indent="-342900" algn="l" rtl="0">
               <a:lnSpc>
                 <a:spcPct val="100000"/>
               </a:lnSpc>
@@ -9642,7 +9723,7 @@
             <a:endParaRPr/>
           </a:p>
           <a:p>
-            <a:pPr indent="-342900" lvl="1" marL="914400" rtl="0" algn="l">
+            <a:pPr marL="914400" lvl="1" indent="-342900" algn="l" rtl="0">
               <a:lnSpc>
                 <a:spcPct val="100000"/>
               </a:lnSpc>
@@ -9663,7 +9744,7 @@
             <a:endParaRPr/>
           </a:p>
           <a:p>
-            <a:pPr indent="-228600" lvl="1" marL="914400" rtl="0" algn="l">
+            <a:pPr marL="914400" lvl="1" indent="-228600" algn="l" rtl="0">
               <a:lnSpc>
                 <a:spcPct val="100000"/>
               </a:lnSpc>
@@ -9677,13 +9758,10 @@
               <a:buFont typeface="Noto Sans Symbols"/>
               <a:buNone/>
             </a:pPr>
-            <a:r>
-              <a:t/>
-            </a:r>
             <a:endParaRPr/>
           </a:p>
           <a:p>
-            <a:pPr indent="-228600" lvl="1" marL="914400" rtl="0" algn="l">
+            <a:pPr marL="914400" lvl="1" indent="-228600" algn="l" rtl="0">
               <a:lnSpc>
                 <a:spcPct val="100000"/>
               </a:lnSpc>
@@ -9697,9 +9775,6 @@
               <a:buFont typeface="Noto Sans Symbols"/>
               <a:buNone/>
             </a:pPr>
-            <a:r>
-              <a:t/>
-            </a:r>
             <a:endParaRPr/>
           </a:p>
         </p:txBody>
@@ -9707,7 +9782,9 @@
       <p:sp>
         <p:nvSpPr>
           <p:cNvPr id="134" name="Google Shape;134;p10"/>
-          <p:cNvSpPr txBox="1"/>
+          <p:cNvSpPr txBox="1">
+            <a:spLocks noGrp="1"/>
+          </p:cNvSpPr>
           <p:nvPr>
             <p:ph type="title"/>
           </p:nvPr>
@@ -9726,12 +9803,12 @@
           </a:ln>
         </p:spPr>
         <p:txBody>
-          <a:bodyPr anchorCtr="0" anchor="b" bIns="91425" lIns="91425" spcFirstLastPara="1" rIns="91425" wrap="square" tIns="91425">
+          <a:bodyPr spcFirstLastPara="1" wrap="square" lIns="91425" tIns="91425" rIns="91425" bIns="91425" anchor="b" anchorCtr="0">
             <a:noAutofit/>
           </a:bodyPr>
           <a:lstStyle/>
           <a:p>
-            <a:pPr indent="0" lvl="0" marL="0" rtl="0" algn="ctr">
+            <a:pPr marL="0" lvl="0" indent="0" algn="ctr" rtl="0">
               <a:lnSpc>
                 <a:spcPct val="100000"/>
               </a:lnSpc>
@@ -9792,11 +9869,11 @@
 </file>
 
 <file path=ppt/slides/slide9.xml><?xml version="1.0" encoding="utf-8"?>
-<p:sld xmlns:a="http://schemas.openxmlformats.org/drawingml/2006/main" xmlns:r="http://schemas.openxmlformats.org/officeDocument/2006/relationships" xmlns:mc="http://schemas.openxmlformats.org/markup-compatibility/2006" xmlns:mv="urn:schemas-microsoft-com:mac:vml" xmlns:p="http://schemas.openxmlformats.org/presentationml/2006/main" xmlns:c="http://schemas.openxmlformats.org/drawingml/2006/chart" xmlns:dgm="http://schemas.openxmlformats.org/drawingml/2006/diagram" xmlns:o="urn:schemas-microsoft-com:office:office" xmlns:v="urn:schemas-microsoft-com:vml" xmlns:pvml="urn:schemas-microsoft-com:office:powerpoint" xmlns:com="http://schemas.openxmlformats.org/drawingml/2006/compatibility" xmlns:p14="http://schemas.microsoft.com/office/powerpoint/2010/main" xmlns:p15="http://schemas.microsoft.com/office/powerpoint/2012/main">
+<p:sld xmlns:a="http://schemas.openxmlformats.org/drawingml/2006/main" xmlns:r="http://schemas.openxmlformats.org/officeDocument/2006/relationships" xmlns:p="http://schemas.openxmlformats.org/presentationml/2006/main">
   <p:cSld>
     <p:spTree>
       <p:nvGrpSpPr>
-        <p:cNvPr id="138" name="Shape 138"/>
+        <p:cNvPr id="1" name="Shape 138"/>
         <p:cNvGrpSpPr/>
         <p:nvPr/>
       </p:nvGrpSpPr>
@@ -9811,7 +9888,9 @@
       <p:sp>
         <p:nvSpPr>
           <p:cNvPr id="139" name="Google Shape;139;p11"/>
-          <p:cNvSpPr txBox="1"/>
+          <p:cNvSpPr txBox="1">
+            <a:spLocks noGrp="1"/>
+          </p:cNvSpPr>
           <p:nvPr>
             <p:ph type="title"/>
           </p:nvPr>
@@ -9830,12 +9909,12 @@
           </a:ln>
         </p:spPr>
         <p:txBody>
-          <a:bodyPr anchorCtr="0" anchor="b" bIns="91425" lIns="91425" spcFirstLastPara="1" rIns="91425" wrap="square" tIns="91425">
+          <a:bodyPr spcFirstLastPara="1" wrap="square" lIns="91425" tIns="91425" rIns="91425" bIns="91425" anchor="b" anchorCtr="0">
             <a:noAutofit/>
           </a:bodyPr>
           <a:lstStyle/>
           <a:p>
-            <a:pPr indent="0" lvl="0" marL="0" rtl="0" algn="ctr">
+            <a:pPr marL="0" lvl="0" indent="0" algn="ctr" rtl="0">
               <a:lnSpc>
                 <a:spcPct val="100000"/>
               </a:lnSpc>
@@ -9903,9 +9982,11 @@
       <p:sp>
         <p:nvSpPr>
           <p:cNvPr id="140" name="Google Shape;140;p11"/>
-          <p:cNvSpPr txBox="1"/>
+          <p:cNvSpPr txBox="1">
+            <a:spLocks noGrp="1"/>
+          </p:cNvSpPr>
           <p:nvPr>
-            <p:ph idx="1" type="body"/>
+            <p:ph type="body" idx="1"/>
           </p:nvPr>
         </p:nvSpPr>
         <p:spPr>
@@ -9922,12 +10003,12 @@
           </a:ln>
         </p:spPr>
         <p:txBody>
-          <a:bodyPr anchorCtr="0" anchor="t" bIns="91425" lIns="91425" spcFirstLastPara="1" rIns="91425" wrap="square" tIns="91425">
+          <a:bodyPr spcFirstLastPara="1" wrap="square" lIns="91425" tIns="91425" rIns="91425" bIns="91425" anchor="t" anchorCtr="0">
             <a:noAutofit/>
           </a:bodyPr>
           <a:lstStyle/>
           <a:p>
-            <a:pPr indent="-355600" lvl="0" marL="457200" rtl="0" algn="l">
+            <a:pPr marL="457200" lvl="0" indent="-355600" algn="l" rtl="0">
               <a:lnSpc>
                 <a:spcPct val="100000"/>
               </a:lnSpc>
@@ -9956,7 +10037,7 @@
             <a:endParaRPr/>
           </a:p>
           <a:p>
-            <a:pPr indent="-355600" lvl="0" marL="457200" rtl="0" algn="l">
+            <a:pPr marL="457200" lvl="0" indent="-355600" algn="l" rtl="0">
               <a:lnSpc>
                 <a:spcPct val="100000"/>
               </a:lnSpc>
@@ -9988,7 +10069,7 @@
       </p:sp>
       <p:pic>
         <p:nvPicPr>
-          <p:cNvPr descr="Imagen que contiene objeto, reloj&#10;&#10;Descripción generada automáticamente" id="141" name="Google Shape;141;p11"/>
+          <p:cNvPr id="141" name="Google Shape;141;p11" descr="Imagen que contiene objeto, reloj&#10;&#10;Descripción generada automáticamente"/>
           <p:cNvPicPr preferRelativeResize="0"/>
           <p:nvPr/>
         </p:nvPicPr>
@@ -9996,7 +10077,7 @@
           <a:blip r:embed="rId5">
             <a:alphaModFix/>
           </a:blip>
-          <a:srcRect b="0" l="0" r="0" t="0"/>
+          <a:srcRect/>
           <a:stretch/>
         </p:blipFill>
         <p:spPr>
@@ -10022,7 +10103,7 @@
 </file>
 
 <file path=ppt/theme/theme1.xml><?xml version="1.0" encoding="utf-8"?>
-<a:theme xmlns:a="http://schemas.openxmlformats.org/drawingml/2006/main" xmlns:r="http://schemas.openxmlformats.org/officeDocument/2006/relationships" name="Quince template">
+<a:theme xmlns:a="http://schemas.openxmlformats.org/drawingml/2006/main" name="Quince template">
   <a:themeElements>
     <a:clrScheme name="Custom 347">
       <a:dk1>
@@ -10297,11 +10378,13 @@
       </a:bgFillStyleLst>
     </a:fmtScheme>
   </a:themeElements>
+  <a:objectDefaults/>
+  <a:extraClrSchemeLst/>
 </a:theme>
 </file>
 
 <file path=ppt/theme/theme2.xml><?xml version="1.0" encoding="utf-8"?>
-<a:theme xmlns:a="http://schemas.openxmlformats.org/drawingml/2006/main" xmlns:r="http://schemas.openxmlformats.org/officeDocument/2006/relationships">
+<a:theme xmlns:a="http://schemas.openxmlformats.org/drawingml/2006/main">
   <a:themeElements>
     <a:clrScheme name="Default">
       <a:dk1>
@@ -10576,5 +10659,7 @@
       </a:bgFillStyleLst>
     </a:fmtScheme>
   </a:themeElements>
+  <a:objectDefaults/>
+  <a:extraClrSchemeLst/>
 </a:theme>
 </file>